--- a/PPT.pptx
+++ b/PPT.pptx
@@ -7,7 +7,7 @@
     <p:sldMasterId id="2147483673" r:id="rId3"/>
   </p:sldMasterIdLst>
   <p:notesMasterIdLst>
-    <p:notesMasterId r:id="rId19"/>
+    <p:notesMasterId r:id="rId20"/>
   </p:notesMasterIdLst>
   <p:sldIdLst>
     <p:sldId id="358" r:id="rId4"/>
@@ -24,7 +24,8 @@
     <p:sldId id="365" r:id="rId15"/>
     <p:sldId id="366" r:id="rId16"/>
     <p:sldId id="367" r:id="rId17"/>
-    <p:sldId id="346" r:id="rId18"/>
+    <p:sldId id="368" r:id="rId18"/>
+    <p:sldId id="346" r:id="rId19"/>
   </p:sldIdLst>
   <p:sldSz cx="12192000" cy="6858000"/>
   <p:notesSz cx="6858000" cy="9144000"/>
@@ -125,7 +126,7 @@
   </p:defaultTextStyle>
   <p:extLst>
     <p:ext uri="{EFAFB233-063F-42B5-8137-9DF3F51BA10A}">
-      <p15:sldGuideLst xmlns:p15="http://schemas.microsoft.com/office/powerpoint/2012/main">
+      <p15:sldGuideLst xmlns:p15="http://schemas.microsoft.com/office/powerpoint/2012/main" xmlns="">
         <p15:guide id="1" orient="horz" pos="2184" userDrawn="1">
           <p15:clr>
             <a:srgbClr val="A4A3A4"/>
@@ -224,7 +225,8 @@
           <a:p>
             <a:fld id="{4AAAF045-FEF6-43EA-9CDC-C84FC3F85E9C}" type="datetimeFigureOut">
               <a:rPr lang="en-US" smtClean="0"/>
-              <a:t>6/26/2022</a:t>
+              <a:pPr/>
+              <a:t>26-06-2022</a:t>
             </a:fld>
             <a:endParaRPr lang="en-US"/>
           </a:p>
@@ -382,6 +384,7 @@
           <a:p>
             <a:fld id="{652F1279-6CE4-4169-83D3-4483097B6907}" type="slidenum">
               <a:rPr lang="en-US" smtClean="0"/>
+              <a:pPr/>
               <a:t>‹#›</a:t>
             </a:fld>
             <a:endParaRPr lang="en-US"/>
@@ -391,7 +394,7 @@
     </p:spTree>
     <p:extLst>
       <p:ext uri="{BB962C8B-B14F-4D97-AF65-F5344CB8AC3E}">
-        <p14:creationId xmlns:p14="http://schemas.microsoft.com/office/powerpoint/2010/main" val="1405589901"/>
+        <p14:creationId xmlns:p14="http://schemas.microsoft.com/office/powerpoint/2010/main" xmlns="" val="1405589901"/>
       </p:ext>
     </p:extLst>
   </p:cSld>
@@ -525,7 +528,7 @@
     </p:spTree>
     <p:extLst>
       <p:ext uri="{BB962C8B-B14F-4D97-AF65-F5344CB8AC3E}">
-        <p14:creationId xmlns:p14="http://schemas.microsoft.com/office/powerpoint/2010/main" val="3947691796"/>
+        <p14:creationId xmlns:p14="http://schemas.microsoft.com/office/powerpoint/2010/main" xmlns="" val="3947691796"/>
       </p:ext>
     </p:extLst>
   </p:cSld>
@@ -569,7 +572,7 @@
     </p:spTree>
     <p:extLst>
       <p:ext uri="{BB962C8B-B14F-4D97-AF65-F5344CB8AC3E}">
-        <p14:creationId xmlns:p14="http://schemas.microsoft.com/office/powerpoint/2010/main" val="4292667485"/>
+        <p14:creationId xmlns:p14="http://schemas.microsoft.com/office/powerpoint/2010/main" xmlns="" val="4292667485"/>
       </p:ext>
     </p:extLst>
   </p:cSld>
@@ -601,7 +604,7 @@
           <p:cNvPr id="2" name="Rectangle 1">
             <a:extLst>
               <a:ext uri="{FF2B5EF4-FFF2-40B4-BE49-F238E27FC236}">
-                <a16:creationId xmlns:a16="http://schemas.microsoft.com/office/drawing/2014/main" id="{795D3193-6C63-4653-A117-06D3E50573FB}"/>
+                <a16:creationId xmlns:a16="http://schemas.microsoft.com/office/drawing/2014/main" xmlns="" id="{795D3193-6C63-4653-A117-06D3E50573FB}"/>
               </a:ext>
             </a:extLst>
           </p:cNvPr>
@@ -653,7 +656,7 @@
           <p:cNvPr id="3" name="그림 개체 틀 2">
             <a:extLst>
               <a:ext uri="{FF2B5EF4-FFF2-40B4-BE49-F238E27FC236}">
-                <a16:creationId xmlns:a16="http://schemas.microsoft.com/office/drawing/2014/main" id="{C7413935-246E-41D7-B0BF-6C7AF3034127}"/>
+                <a16:creationId xmlns:a16="http://schemas.microsoft.com/office/drawing/2014/main" xmlns="" id="{C7413935-246E-41D7-B0BF-6C7AF3034127}"/>
               </a:ext>
             </a:extLst>
           </p:cNvPr>
@@ -731,7 +734,7 @@
     </p:spTree>
     <p:extLst>
       <p:ext uri="{BB962C8B-B14F-4D97-AF65-F5344CB8AC3E}">
-        <p14:creationId xmlns:p14="http://schemas.microsoft.com/office/powerpoint/2010/main" val="2445283475"/>
+        <p14:creationId xmlns:p14="http://schemas.microsoft.com/office/powerpoint/2010/main" xmlns="" val="2445283475"/>
       </p:ext>
     </p:extLst>
   </p:cSld>
@@ -775,7 +778,7 @@
     </p:spTree>
     <p:extLst>
       <p:ext uri="{BB962C8B-B14F-4D97-AF65-F5344CB8AC3E}">
-        <p14:creationId xmlns:p14="http://schemas.microsoft.com/office/powerpoint/2010/main" val="648684626"/>
+        <p14:creationId xmlns:p14="http://schemas.microsoft.com/office/powerpoint/2010/main" xmlns="" val="648684626"/>
       </p:ext>
     </p:extLst>
   </p:cSld>
@@ -807,7 +810,7 @@
           <p:cNvPr id="2" name="Picture Placeholder 33">
             <a:extLst>
               <a:ext uri="{FF2B5EF4-FFF2-40B4-BE49-F238E27FC236}">
-                <a16:creationId xmlns:a16="http://schemas.microsoft.com/office/drawing/2014/main" id="{8C9C815E-15D4-48E1-8EBE-7E07C11F17D3}"/>
+                <a16:creationId xmlns:a16="http://schemas.microsoft.com/office/drawing/2014/main" xmlns="" id="{8C9C815E-15D4-48E1-8EBE-7E07C11F17D3}"/>
               </a:ext>
             </a:extLst>
           </p:cNvPr>
@@ -1581,7 +1584,7 @@
     </p:spTree>
     <p:extLst>
       <p:ext uri="{BB962C8B-B14F-4D97-AF65-F5344CB8AC3E}">
-        <p14:creationId xmlns:p14="http://schemas.microsoft.com/office/powerpoint/2010/main" val="3918837966"/>
+        <p14:creationId xmlns:p14="http://schemas.microsoft.com/office/powerpoint/2010/main" xmlns="" val="3918837966"/>
       </p:ext>
     </p:extLst>
   </p:cSld>
@@ -1625,7 +1628,7 @@
     </p:spTree>
     <p:extLst>
       <p:ext uri="{BB962C8B-B14F-4D97-AF65-F5344CB8AC3E}">
-        <p14:creationId xmlns:p14="http://schemas.microsoft.com/office/powerpoint/2010/main" val="2645574303"/>
+        <p14:creationId xmlns:p14="http://schemas.microsoft.com/office/powerpoint/2010/main" xmlns="" val="2645574303"/>
       </p:ext>
     </p:extLst>
   </p:cSld>
@@ -1657,7 +1660,7 @@
           <p:cNvPr id="2" name="Picture Placeholder 7">
             <a:extLst>
               <a:ext uri="{FF2B5EF4-FFF2-40B4-BE49-F238E27FC236}">
-                <a16:creationId xmlns:a16="http://schemas.microsoft.com/office/drawing/2014/main" id="{A247CFD5-A527-42E9-9A1D-7256EE24AE71}"/>
+                <a16:creationId xmlns:a16="http://schemas.microsoft.com/office/drawing/2014/main" xmlns="" id="{A247CFD5-A527-42E9-9A1D-7256EE24AE71}"/>
               </a:ext>
             </a:extLst>
           </p:cNvPr>
@@ -1769,7 +1772,7 @@
     </p:spTree>
     <p:extLst>
       <p:ext uri="{BB962C8B-B14F-4D97-AF65-F5344CB8AC3E}">
-        <p14:creationId xmlns:p14="http://schemas.microsoft.com/office/powerpoint/2010/main" val="3750974003"/>
+        <p14:creationId xmlns:p14="http://schemas.microsoft.com/office/powerpoint/2010/main" xmlns="" val="3750974003"/>
       </p:ext>
     </p:extLst>
   </p:cSld>
@@ -1813,7 +1816,7 @@
     </p:spTree>
     <p:extLst>
       <p:ext uri="{BB962C8B-B14F-4D97-AF65-F5344CB8AC3E}">
-        <p14:creationId xmlns:p14="http://schemas.microsoft.com/office/powerpoint/2010/main" val="1216366204"/>
+        <p14:creationId xmlns:p14="http://schemas.microsoft.com/office/powerpoint/2010/main" xmlns="" val="1216366204"/>
       </p:ext>
     </p:extLst>
   </p:cSld>
@@ -1845,7 +1848,7 @@
           <p:cNvPr id="2" name="Rectangle 1">
             <a:extLst>
               <a:ext uri="{FF2B5EF4-FFF2-40B4-BE49-F238E27FC236}">
-                <a16:creationId xmlns:a16="http://schemas.microsoft.com/office/drawing/2014/main" id="{81B953A2-1280-43A2-971F-52F369FC529E}"/>
+                <a16:creationId xmlns:a16="http://schemas.microsoft.com/office/drawing/2014/main" xmlns="" id="{81B953A2-1280-43A2-971F-52F369FC529E}"/>
               </a:ext>
             </a:extLst>
           </p:cNvPr>
@@ -1897,7 +1900,7 @@
           <p:cNvPr id="3" name="그림 개체 틀 2">
             <a:extLst>
               <a:ext uri="{FF2B5EF4-FFF2-40B4-BE49-F238E27FC236}">
-                <a16:creationId xmlns:a16="http://schemas.microsoft.com/office/drawing/2014/main" id="{15904462-1962-43CF-B3A5-72AC0978C97F}"/>
+                <a16:creationId xmlns:a16="http://schemas.microsoft.com/office/drawing/2014/main" xmlns="" id="{15904462-1962-43CF-B3A5-72AC0978C97F}"/>
               </a:ext>
             </a:extLst>
           </p:cNvPr>
@@ -1977,7 +1980,7 @@
           <p:cNvPr id="4" name="그림 개체 틀 2">
             <a:extLst>
               <a:ext uri="{FF2B5EF4-FFF2-40B4-BE49-F238E27FC236}">
-                <a16:creationId xmlns:a16="http://schemas.microsoft.com/office/drawing/2014/main" id="{AD6C93BA-F12A-47BA-9075-666D41862635}"/>
+                <a16:creationId xmlns:a16="http://schemas.microsoft.com/office/drawing/2014/main" xmlns="" id="{AD6C93BA-F12A-47BA-9075-666D41862635}"/>
               </a:ext>
             </a:extLst>
           </p:cNvPr>
@@ -2057,7 +2060,7 @@
           <p:cNvPr id="5" name="Text Placeholder 9">
             <a:extLst>
               <a:ext uri="{FF2B5EF4-FFF2-40B4-BE49-F238E27FC236}">
-                <a16:creationId xmlns:a16="http://schemas.microsoft.com/office/drawing/2014/main" id="{ECA5DA5D-7E69-4BFD-88A9-3FBB40DC9EB7}"/>
+                <a16:creationId xmlns:a16="http://schemas.microsoft.com/office/drawing/2014/main" xmlns="" id="{ECA5DA5D-7E69-4BFD-88A9-3FBB40DC9EB7}"/>
               </a:ext>
             </a:extLst>
           </p:cNvPr>
@@ -2103,7 +2106,7 @@
     </p:spTree>
     <p:extLst>
       <p:ext uri="{BB962C8B-B14F-4D97-AF65-F5344CB8AC3E}">
-        <p14:creationId xmlns:p14="http://schemas.microsoft.com/office/powerpoint/2010/main" val="3964928051"/>
+        <p14:creationId xmlns:p14="http://schemas.microsoft.com/office/powerpoint/2010/main" xmlns="" val="3964928051"/>
       </p:ext>
     </p:extLst>
   </p:cSld>
@@ -2147,7 +2150,7 @@
     </p:spTree>
     <p:extLst>
       <p:ext uri="{BB962C8B-B14F-4D97-AF65-F5344CB8AC3E}">
-        <p14:creationId xmlns:p14="http://schemas.microsoft.com/office/powerpoint/2010/main" val="3974830917"/>
+        <p14:creationId xmlns:p14="http://schemas.microsoft.com/office/powerpoint/2010/main" xmlns="" val="3974830917"/>
       </p:ext>
     </p:extLst>
   </p:cSld>
@@ -2236,7 +2239,7 @@
     </p:spTree>
     <p:extLst>
       <p:ext uri="{BB962C8B-B14F-4D97-AF65-F5344CB8AC3E}">
-        <p14:creationId xmlns:p14="http://schemas.microsoft.com/office/powerpoint/2010/main" val="2446392755"/>
+        <p14:creationId xmlns:p14="http://schemas.microsoft.com/office/powerpoint/2010/main" xmlns="" val="2446392755"/>
       </p:ext>
     </p:extLst>
   </p:cSld>
@@ -2280,7 +2283,7 @@
     </p:spTree>
     <p:extLst>
       <p:ext uri="{BB962C8B-B14F-4D97-AF65-F5344CB8AC3E}">
-        <p14:creationId xmlns:p14="http://schemas.microsoft.com/office/powerpoint/2010/main" val="1750667146"/>
+        <p14:creationId xmlns:p14="http://schemas.microsoft.com/office/powerpoint/2010/main" xmlns="" val="1750667146"/>
       </p:ext>
     </p:extLst>
   </p:cSld>
@@ -2517,7 +2520,7 @@
           <p:cNvPr id="58" name="TextBox 57">
             <a:extLst>
               <a:ext uri="{FF2B5EF4-FFF2-40B4-BE49-F238E27FC236}">
-                <a16:creationId xmlns:a16="http://schemas.microsoft.com/office/drawing/2014/main" id="{5644E8BB-F13A-4AE0-889E-633DE4143787}"/>
+                <a16:creationId xmlns:a16="http://schemas.microsoft.com/office/drawing/2014/main" xmlns="" id="{5644E8BB-F13A-4AE0-889E-633DE4143787}"/>
               </a:ext>
             </a:extLst>
           </p:cNvPr>
@@ -2565,7 +2568,7 @@
           <p:cNvPr id="59" name="TextBox 58">
             <a:extLst>
               <a:ext uri="{FF2B5EF4-FFF2-40B4-BE49-F238E27FC236}">
-                <a16:creationId xmlns:a16="http://schemas.microsoft.com/office/drawing/2014/main" id="{F2CE2B8B-ED32-491A-95B2-D28904BC432C}"/>
+                <a16:creationId xmlns:a16="http://schemas.microsoft.com/office/drawing/2014/main" xmlns="" id="{F2CE2B8B-ED32-491A-95B2-D28904BC432C}"/>
               </a:ext>
             </a:extLst>
           </p:cNvPr>
@@ -2625,7 +2628,7 @@
           <p:cNvPr id="60" name="TextBox 59">
             <a:extLst>
               <a:ext uri="{FF2B5EF4-FFF2-40B4-BE49-F238E27FC236}">
-                <a16:creationId xmlns:a16="http://schemas.microsoft.com/office/drawing/2014/main" id="{962A52DF-2523-4479-BFA3-B5ACE9887E1C}"/>
+                <a16:creationId xmlns:a16="http://schemas.microsoft.com/office/drawing/2014/main" xmlns="" id="{962A52DF-2523-4479-BFA3-B5ACE9887E1C}"/>
               </a:ext>
             </a:extLst>
           </p:cNvPr>
@@ -2673,7 +2676,7 @@
           <p:cNvPr id="61" name="TextBox 60">
             <a:extLst>
               <a:ext uri="{FF2B5EF4-FFF2-40B4-BE49-F238E27FC236}">
-                <a16:creationId xmlns:a16="http://schemas.microsoft.com/office/drawing/2014/main" id="{BAAC314F-E96A-4408-95DE-A70E9ED054AF}"/>
+                <a16:creationId xmlns:a16="http://schemas.microsoft.com/office/drawing/2014/main" xmlns="" id="{BAAC314F-E96A-4408-95DE-A70E9ED054AF}"/>
               </a:ext>
             </a:extLst>
           </p:cNvPr>
@@ -2726,7 +2729,7 @@
     </p:spTree>
     <p:extLst>
       <p:ext uri="{BB962C8B-B14F-4D97-AF65-F5344CB8AC3E}">
-        <p14:creationId xmlns:p14="http://schemas.microsoft.com/office/powerpoint/2010/main" val="313676580"/>
+        <p14:creationId xmlns:p14="http://schemas.microsoft.com/office/powerpoint/2010/main" xmlns="" val="313676580"/>
       </p:ext>
     </p:extLst>
   </p:cSld>
@@ -2770,7 +2773,7 @@
     </p:spTree>
     <p:extLst>
       <p:ext uri="{BB962C8B-B14F-4D97-AF65-F5344CB8AC3E}">
-        <p14:creationId xmlns:p14="http://schemas.microsoft.com/office/powerpoint/2010/main" val="2984720244"/>
+        <p14:creationId xmlns:p14="http://schemas.microsoft.com/office/powerpoint/2010/main" xmlns="" val="2984720244"/>
       </p:ext>
     </p:extLst>
   </p:cSld>
@@ -2802,7 +2805,7 @@
           <p:cNvPr id="2" name="Text Placeholder 9">
             <a:extLst>
               <a:ext uri="{FF2B5EF4-FFF2-40B4-BE49-F238E27FC236}">
-                <a16:creationId xmlns:a16="http://schemas.microsoft.com/office/drawing/2014/main" id="{23DE32A5-6181-4C51-AD5C-3F1A448478A1}"/>
+                <a16:creationId xmlns:a16="http://schemas.microsoft.com/office/drawing/2014/main" xmlns="" id="{23DE32A5-6181-4C51-AD5C-3F1A448478A1}"/>
               </a:ext>
             </a:extLst>
           </p:cNvPr>
@@ -2851,7 +2854,7 @@
     </p:spTree>
     <p:extLst>
       <p:ext uri="{BB962C8B-B14F-4D97-AF65-F5344CB8AC3E}">
-        <p14:creationId xmlns:p14="http://schemas.microsoft.com/office/powerpoint/2010/main" val="1899324262"/>
+        <p14:creationId xmlns:p14="http://schemas.microsoft.com/office/powerpoint/2010/main" xmlns="" val="1899324262"/>
       </p:ext>
     </p:extLst>
   </p:cSld>
@@ -2881,7 +2884,7 @@
     </p:spTree>
     <p:extLst>
       <p:ext uri="{BB962C8B-B14F-4D97-AF65-F5344CB8AC3E}">
-        <p14:creationId xmlns:p14="http://schemas.microsoft.com/office/powerpoint/2010/main" val="145839437"/>
+        <p14:creationId xmlns:p14="http://schemas.microsoft.com/office/powerpoint/2010/main" xmlns="" val="145839437"/>
       </p:ext>
     </p:extLst>
   </p:cSld>
@@ -2925,7 +2928,7 @@
     </p:spTree>
     <p:extLst>
       <p:ext uri="{BB962C8B-B14F-4D97-AF65-F5344CB8AC3E}">
-        <p14:creationId xmlns:p14="http://schemas.microsoft.com/office/powerpoint/2010/main" val="3782320069"/>
+        <p14:creationId xmlns:p14="http://schemas.microsoft.com/office/powerpoint/2010/main" xmlns="" val="3782320069"/>
       </p:ext>
     </p:extLst>
   </p:cSld>
@@ -2957,7 +2960,7 @@
           <p:cNvPr id="2" name="Rectangle 1">
             <a:extLst>
               <a:ext uri="{FF2B5EF4-FFF2-40B4-BE49-F238E27FC236}">
-                <a16:creationId xmlns:a16="http://schemas.microsoft.com/office/drawing/2014/main" id="{F959504D-5FA5-4684-9F7B-086950A54AA7}"/>
+                <a16:creationId xmlns:a16="http://schemas.microsoft.com/office/drawing/2014/main" xmlns="" id="{F959504D-5FA5-4684-9F7B-086950A54AA7}"/>
               </a:ext>
             </a:extLst>
           </p:cNvPr>
@@ -3009,7 +3012,7 @@
           <p:cNvPr id="4" name="Picture Placeholder 2">
             <a:extLst>
               <a:ext uri="{FF2B5EF4-FFF2-40B4-BE49-F238E27FC236}">
-                <a16:creationId xmlns:a16="http://schemas.microsoft.com/office/drawing/2014/main" id="{7D5C7C0A-FA85-431D-B075-FE39CF9B00AD}"/>
+                <a16:creationId xmlns:a16="http://schemas.microsoft.com/office/drawing/2014/main" xmlns="" id="{7D5C7C0A-FA85-431D-B075-FE39CF9B00AD}"/>
               </a:ext>
             </a:extLst>
           </p:cNvPr>
@@ -3097,7 +3100,7 @@
           <p:cNvPr id="5" name="Picture Placeholder 2">
             <a:extLst>
               <a:ext uri="{FF2B5EF4-FFF2-40B4-BE49-F238E27FC236}">
-                <a16:creationId xmlns:a16="http://schemas.microsoft.com/office/drawing/2014/main" id="{648B487E-554B-4761-A849-121182AF1CFF}"/>
+                <a16:creationId xmlns:a16="http://schemas.microsoft.com/office/drawing/2014/main" xmlns="" id="{648B487E-554B-4761-A849-121182AF1CFF}"/>
               </a:ext>
             </a:extLst>
           </p:cNvPr>
@@ -3185,7 +3188,7 @@
           <p:cNvPr id="6" name="Picture Placeholder 2">
             <a:extLst>
               <a:ext uri="{FF2B5EF4-FFF2-40B4-BE49-F238E27FC236}">
-                <a16:creationId xmlns:a16="http://schemas.microsoft.com/office/drawing/2014/main" id="{935D81BA-962D-4020-9DE9-4F4858BF7EE0}"/>
+                <a16:creationId xmlns:a16="http://schemas.microsoft.com/office/drawing/2014/main" xmlns="" id="{935D81BA-962D-4020-9DE9-4F4858BF7EE0}"/>
               </a:ext>
             </a:extLst>
           </p:cNvPr>
@@ -3271,7 +3274,7 @@
     </p:spTree>
     <p:extLst>
       <p:ext uri="{BB962C8B-B14F-4D97-AF65-F5344CB8AC3E}">
-        <p14:creationId xmlns:p14="http://schemas.microsoft.com/office/powerpoint/2010/main" val="768664198"/>
+        <p14:creationId xmlns:p14="http://schemas.microsoft.com/office/powerpoint/2010/main" xmlns="" val="768664198"/>
       </p:ext>
     </p:extLst>
   </p:cSld>
@@ -3303,7 +3306,7 @@
           <p:cNvPr id="8" name="Picture Placeholder 7">
             <a:extLst>
               <a:ext uri="{FF2B5EF4-FFF2-40B4-BE49-F238E27FC236}">
-                <a16:creationId xmlns:a16="http://schemas.microsoft.com/office/drawing/2014/main" id="{C114F5EF-8E95-466A-A02E-7D423CA74303}"/>
+                <a16:creationId xmlns:a16="http://schemas.microsoft.com/office/drawing/2014/main" xmlns="" id="{C114F5EF-8E95-466A-A02E-7D423CA74303}"/>
               </a:ext>
             </a:extLst>
           </p:cNvPr>
@@ -3491,7 +3494,7 @@
     </p:spTree>
     <p:extLst>
       <p:ext uri="{BB962C8B-B14F-4D97-AF65-F5344CB8AC3E}">
-        <p14:creationId xmlns:p14="http://schemas.microsoft.com/office/powerpoint/2010/main" val="3833295095"/>
+        <p14:creationId xmlns:p14="http://schemas.microsoft.com/office/powerpoint/2010/main" xmlns="" val="3833295095"/>
       </p:ext>
     </p:extLst>
   </p:cSld>
@@ -3535,7 +3538,7 @@
     </p:spTree>
     <p:extLst>
       <p:ext uri="{BB962C8B-B14F-4D97-AF65-F5344CB8AC3E}">
-        <p14:creationId xmlns:p14="http://schemas.microsoft.com/office/powerpoint/2010/main" val="3220445115"/>
+        <p14:creationId xmlns:p14="http://schemas.microsoft.com/office/powerpoint/2010/main" xmlns="" val="3220445115"/>
       </p:ext>
     </p:extLst>
   </p:cSld>
@@ -3567,7 +3570,7 @@
           <p:cNvPr id="2" name="Group 1">
             <a:extLst>
               <a:ext uri="{FF2B5EF4-FFF2-40B4-BE49-F238E27FC236}">
-                <a16:creationId xmlns:a16="http://schemas.microsoft.com/office/drawing/2014/main" id="{0839FE96-948C-4D02-A318-34BF5C06D022}"/>
+                <a16:creationId xmlns:a16="http://schemas.microsoft.com/office/drawing/2014/main" xmlns="" id="{0839FE96-948C-4D02-A318-34BF5C06D022}"/>
               </a:ext>
             </a:extLst>
           </p:cNvPr>
@@ -3587,7 +3590,7 @@
             <p:cNvPr id="3" name="Group 2">
               <a:extLst>
                 <a:ext uri="{FF2B5EF4-FFF2-40B4-BE49-F238E27FC236}">
-                  <a16:creationId xmlns:a16="http://schemas.microsoft.com/office/drawing/2014/main" id="{A645E1A4-4B8A-402C-BA5E-F079FC93D1A9}"/>
+                  <a16:creationId xmlns:a16="http://schemas.microsoft.com/office/drawing/2014/main" xmlns="" id="{A645E1A4-4B8A-402C-BA5E-F079FC93D1A9}"/>
                 </a:ext>
               </a:extLst>
             </p:cNvPr>
@@ -3607,7 +3610,7 @@
               <p:cNvPr id="18" name="Rounded Rectangle 21">
                 <a:extLst>
                   <a:ext uri="{FF2B5EF4-FFF2-40B4-BE49-F238E27FC236}">
-                    <a16:creationId xmlns:a16="http://schemas.microsoft.com/office/drawing/2014/main" id="{234BFB0D-AE35-454E-9E26-3F75637E9029}"/>
+                    <a16:creationId xmlns:a16="http://schemas.microsoft.com/office/drawing/2014/main" xmlns="" id="{234BFB0D-AE35-454E-9E26-3F75637E9029}"/>
                   </a:ext>
                 </a:extLst>
               </p:cNvPr>
@@ -3670,7 +3673,7 @@
               <p:cNvPr id="19" name="Rectangle 18">
                 <a:extLst>
                   <a:ext uri="{FF2B5EF4-FFF2-40B4-BE49-F238E27FC236}">
-                    <a16:creationId xmlns:a16="http://schemas.microsoft.com/office/drawing/2014/main" id="{729E2443-6E39-4B53-9287-404DB192E749}"/>
+                    <a16:creationId xmlns:a16="http://schemas.microsoft.com/office/drawing/2014/main" xmlns="" id="{729E2443-6E39-4B53-9287-404DB192E749}"/>
                   </a:ext>
                 </a:extLst>
               </p:cNvPr>
@@ -3722,7 +3725,7 @@
               <p:cNvPr id="20" name="Group 19">
                 <a:extLst>
                   <a:ext uri="{FF2B5EF4-FFF2-40B4-BE49-F238E27FC236}">
-                    <a16:creationId xmlns:a16="http://schemas.microsoft.com/office/drawing/2014/main" id="{CB2779CD-D9E4-4A8A-A3B9-973CEE302EE5}"/>
+                    <a16:creationId xmlns:a16="http://schemas.microsoft.com/office/drawing/2014/main" xmlns="" id="{CB2779CD-D9E4-4A8A-A3B9-973CEE302EE5}"/>
                   </a:ext>
                 </a:extLst>
               </p:cNvPr>
@@ -3742,7 +3745,7 @@
                 <p:cNvPr id="22" name="Oval 21">
                   <a:extLst>
                     <a:ext uri="{FF2B5EF4-FFF2-40B4-BE49-F238E27FC236}">
-                      <a16:creationId xmlns:a16="http://schemas.microsoft.com/office/drawing/2014/main" id="{4D871E96-A648-4CC5-96FD-5D1E38E3CBB9}"/>
+                      <a16:creationId xmlns:a16="http://schemas.microsoft.com/office/drawing/2014/main" xmlns="" id="{4D871E96-A648-4CC5-96FD-5D1E38E3CBB9}"/>
                     </a:ext>
                   </a:extLst>
                 </p:cNvPr>
@@ -3829,7 +3832,7 @@
                 <p:cNvPr id="23" name="Rounded Rectangle 35">
                   <a:extLst>
                     <a:ext uri="{FF2B5EF4-FFF2-40B4-BE49-F238E27FC236}">
-                      <a16:creationId xmlns:a16="http://schemas.microsoft.com/office/drawing/2014/main" id="{1110B8B5-BB0B-4491-A462-EC093E27A3D2}"/>
+                      <a16:creationId xmlns:a16="http://schemas.microsoft.com/office/drawing/2014/main" xmlns="" id="{1110B8B5-BB0B-4491-A462-EC093E27A3D2}"/>
                     </a:ext>
                   </a:extLst>
                 </p:cNvPr>
@@ -3884,7 +3887,7 @@
               <p:cNvPr id="21" name="Rectangle 20">
                 <a:extLst>
                   <a:ext uri="{FF2B5EF4-FFF2-40B4-BE49-F238E27FC236}">
-                    <a16:creationId xmlns:a16="http://schemas.microsoft.com/office/drawing/2014/main" id="{FA93EA6D-475B-43F2-92C4-8034C0065E34}"/>
+                    <a16:creationId xmlns:a16="http://schemas.microsoft.com/office/drawing/2014/main" xmlns="" id="{FA93EA6D-475B-43F2-92C4-8034C0065E34}"/>
                   </a:ext>
                 </a:extLst>
               </p:cNvPr>
@@ -3937,7 +3940,7 @@
             <p:cNvPr id="4" name="Group 3">
               <a:extLst>
                 <a:ext uri="{FF2B5EF4-FFF2-40B4-BE49-F238E27FC236}">
-                  <a16:creationId xmlns:a16="http://schemas.microsoft.com/office/drawing/2014/main" id="{6D26F119-C04D-4ED1-872A-CD553E9A3C2C}"/>
+                  <a16:creationId xmlns:a16="http://schemas.microsoft.com/office/drawing/2014/main" xmlns="" id="{6D26F119-C04D-4ED1-872A-CD553E9A3C2C}"/>
                 </a:ext>
               </a:extLst>
             </p:cNvPr>
@@ -3957,7 +3960,7 @@
               <p:cNvPr id="12" name="Rounded Rectangle 24">
                 <a:extLst>
                   <a:ext uri="{FF2B5EF4-FFF2-40B4-BE49-F238E27FC236}">
-                    <a16:creationId xmlns:a16="http://schemas.microsoft.com/office/drawing/2014/main" id="{AEB14E91-9ADD-41CC-B34E-545DCAE7CCC7}"/>
+                    <a16:creationId xmlns:a16="http://schemas.microsoft.com/office/drawing/2014/main" xmlns="" id="{AEB14E91-9ADD-41CC-B34E-545DCAE7CCC7}"/>
                   </a:ext>
                 </a:extLst>
               </p:cNvPr>
@@ -4020,7 +4023,7 @@
               <p:cNvPr id="13" name="Rectangle 12">
                 <a:extLst>
                   <a:ext uri="{FF2B5EF4-FFF2-40B4-BE49-F238E27FC236}">
-                    <a16:creationId xmlns:a16="http://schemas.microsoft.com/office/drawing/2014/main" id="{AEC13E77-D04D-44A7-9660-15090CC34340}"/>
+                    <a16:creationId xmlns:a16="http://schemas.microsoft.com/office/drawing/2014/main" xmlns="" id="{AEC13E77-D04D-44A7-9660-15090CC34340}"/>
                   </a:ext>
                 </a:extLst>
               </p:cNvPr>
@@ -4072,7 +4075,7 @@
               <p:cNvPr id="14" name="Group 13">
                 <a:extLst>
                   <a:ext uri="{FF2B5EF4-FFF2-40B4-BE49-F238E27FC236}">
-                    <a16:creationId xmlns:a16="http://schemas.microsoft.com/office/drawing/2014/main" id="{26F01269-0C7E-48BE-91AA-E4F322B3E96C}"/>
+                    <a16:creationId xmlns:a16="http://schemas.microsoft.com/office/drawing/2014/main" xmlns="" id="{26F01269-0C7E-48BE-91AA-E4F322B3E96C}"/>
                   </a:ext>
                 </a:extLst>
               </p:cNvPr>
@@ -4092,7 +4095,7 @@
                 <p:cNvPr id="16" name="Oval 15">
                   <a:extLst>
                     <a:ext uri="{FF2B5EF4-FFF2-40B4-BE49-F238E27FC236}">
-                      <a16:creationId xmlns:a16="http://schemas.microsoft.com/office/drawing/2014/main" id="{1EF61853-8635-404B-ADC5-A48E16C7C7B7}"/>
+                      <a16:creationId xmlns:a16="http://schemas.microsoft.com/office/drawing/2014/main" xmlns="" id="{1EF61853-8635-404B-ADC5-A48E16C7C7B7}"/>
                     </a:ext>
                   </a:extLst>
                 </p:cNvPr>
@@ -4179,7 +4182,7 @@
                 <p:cNvPr id="17" name="Rounded Rectangle 33">
                   <a:extLst>
                     <a:ext uri="{FF2B5EF4-FFF2-40B4-BE49-F238E27FC236}">
-                      <a16:creationId xmlns:a16="http://schemas.microsoft.com/office/drawing/2014/main" id="{5D285D41-2BA6-41FE-B5EE-1641ABF80260}"/>
+                      <a16:creationId xmlns:a16="http://schemas.microsoft.com/office/drawing/2014/main" xmlns="" id="{5D285D41-2BA6-41FE-B5EE-1641ABF80260}"/>
                     </a:ext>
                   </a:extLst>
                 </p:cNvPr>
@@ -4234,7 +4237,7 @@
               <p:cNvPr id="15" name="Rectangle 14">
                 <a:extLst>
                   <a:ext uri="{FF2B5EF4-FFF2-40B4-BE49-F238E27FC236}">
-                    <a16:creationId xmlns:a16="http://schemas.microsoft.com/office/drawing/2014/main" id="{132CE450-A1D8-496E-86C1-76864115384F}"/>
+                    <a16:creationId xmlns:a16="http://schemas.microsoft.com/office/drawing/2014/main" xmlns="" id="{132CE450-A1D8-496E-86C1-76864115384F}"/>
                   </a:ext>
                 </a:extLst>
               </p:cNvPr>
@@ -4287,7 +4290,7 @@
             <p:cNvPr id="5" name="Group 4">
               <a:extLst>
                 <a:ext uri="{FF2B5EF4-FFF2-40B4-BE49-F238E27FC236}">
-                  <a16:creationId xmlns:a16="http://schemas.microsoft.com/office/drawing/2014/main" id="{2CD8D002-4E69-4E03-ABBB-D7BDCDC74044}"/>
+                  <a16:creationId xmlns:a16="http://schemas.microsoft.com/office/drawing/2014/main" xmlns="" id="{2CD8D002-4E69-4E03-ABBB-D7BDCDC74044}"/>
                 </a:ext>
               </a:extLst>
             </p:cNvPr>
@@ -4307,7 +4310,7 @@
               <p:cNvPr id="6" name="Rounded Rectangle 27">
                 <a:extLst>
                   <a:ext uri="{FF2B5EF4-FFF2-40B4-BE49-F238E27FC236}">
-                    <a16:creationId xmlns:a16="http://schemas.microsoft.com/office/drawing/2014/main" id="{9D95B5E0-7E3E-4B81-9E33-1FB1F4C048E4}"/>
+                    <a16:creationId xmlns:a16="http://schemas.microsoft.com/office/drawing/2014/main" xmlns="" id="{9D95B5E0-7E3E-4B81-9E33-1FB1F4C048E4}"/>
                   </a:ext>
                 </a:extLst>
               </p:cNvPr>
@@ -4370,7 +4373,7 @@
               <p:cNvPr id="7" name="Rectangle 6">
                 <a:extLst>
                   <a:ext uri="{FF2B5EF4-FFF2-40B4-BE49-F238E27FC236}">
-                    <a16:creationId xmlns:a16="http://schemas.microsoft.com/office/drawing/2014/main" id="{2449C468-B9C8-4394-85B6-AA18557890BC}"/>
+                    <a16:creationId xmlns:a16="http://schemas.microsoft.com/office/drawing/2014/main" xmlns="" id="{2449C468-B9C8-4394-85B6-AA18557890BC}"/>
                   </a:ext>
                 </a:extLst>
               </p:cNvPr>
@@ -4422,7 +4425,7 @@
               <p:cNvPr id="8" name="Group 7">
                 <a:extLst>
                   <a:ext uri="{FF2B5EF4-FFF2-40B4-BE49-F238E27FC236}">
-                    <a16:creationId xmlns:a16="http://schemas.microsoft.com/office/drawing/2014/main" id="{AC6058DD-1ED3-4501-9CCC-CB6E96E23A01}"/>
+                    <a16:creationId xmlns:a16="http://schemas.microsoft.com/office/drawing/2014/main" xmlns="" id="{AC6058DD-1ED3-4501-9CCC-CB6E96E23A01}"/>
                   </a:ext>
                 </a:extLst>
               </p:cNvPr>
@@ -4442,7 +4445,7 @@
                 <p:cNvPr id="10" name="Oval 9">
                   <a:extLst>
                     <a:ext uri="{FF2B5EF4-FFF2-40B4-BE49-F238E27FC236}">
-                      <a16:creationId xmlns:a16="http://schemas.microsoft.com/office/drawing/2014/main" id="{46A4412E-B4A1-4BB0-81D5-13B7EB853614}"/>
+                      <a16:creationId xmlns:a16="http://schemas.microsoft.com/office/drawing/2014/main" xmlns="" id="{46A4412E-B4A1-4BB0-81D5-13B7EB853614}"/>
                     </a:ext>
                   </a:extLst>
                 </p:cNvPr>
@@ -4529,7 +4532,7 @@
                 <p:cNvPr id="11" name="Rounded Rectangle 31">
                   <a:extLst>
                     <a:ext uri="{FF2B5EF4-FFF2-40B4-BE49-F238E27FC236}">
-                      <a16:creationId xmlns:a16="http://schemas.microsoft.com/office/drawing/2014/main" id="{6D2B3A01-9BD1-4BE8-9984-E4BD5D56314C}"/>
+                      <a16:creationId xmlns:a16="http://schemas.microsoft.com/office/drawing/2014/main" xmlns="" id="{6D2B3A01-9BD1-4BE8-9984-E4BD5D56314C}"/>
                     </a:ext>
                   </a:extLst>
                 </p:cNvPr>
@@ -4584,7 +4587,7 @@
               <p:cNvPr id="9" name="Rectangle 8">
                 <a:extLst>
                   <a:ext uri="{FF2B5EF4-FFF2-40B4-BE49-F238E27FC236}">
-                    <a16:creationId xmlns:a16="http://schemas.microsoft.com/office/drawing/2014/main" id="{A51DE70D-3AEA-4A2B-85D1-ECA37A76F9B4}"/>
+                    <a16:creationId xmlns:a16="http://schemas.microsoft.com/office/drawing/2014/main" xmlns="" id="{A51DE70D-3AEA-4A2B-85D1-ECA37A76F9B4}"/>
                   </a:ext>
                 </a:extLst>
               </p:cNvPr>
@@ -4638,7 +4641,7 @@
           <p:cNvPr id="24" name="Picture Placeholder 2">
             <a:extLst>
               <a:ext uri="{FF2B5EF4-FFF2-40B4-BE49-F238E27FC236}">
-                <a16:creationId xmlns:a16="http://schemas.microsoft.com/office/drawing/2014/main" id="{2C5EF023-4738-48BA-9BA0-15432147C42C}"/>
+                <a16:creationId xmlns:a16="http://schemas.microsoft.com/office/drawing/2014/main" xmlns="" id="{2C5EF023-4738-48BA-9BA0-15432147C42C}"/>
               </a:ext>
             </a:extLst>
           </p:cNvPr>
@@ -4723,7 +4726,7 @@
           <p:cNvPr id="25" name="Picture Placeholder 2">
             <a:extLst>
               <a:ext uri="{FF2B5EF4-FFF2-40B4-BE49-F238E27FC236}">
-                <a16:creationId xmlns:a16="http://schemas.microsoft.com/office/drawing/2014/main" id="{1D4DB218-75D4-4C3B-8DAD-881511FC281C}"/>
+                <a16:creationId xmlns:a16="http://schemas.microsoft.com/office/drawing/2014/main" xmlns="" id="{1D4DB218-75D4-4C3B-8DAD-881511FC281C}"/>
               </a:ext>
             </a:extLst>
           </p:cNvPr>
@@ -4808,7 +4811,7 @@
           <p:cNvPr id="26" name="Picture Placeholder 2">
             <a:extLst>
               <a:ext uri="{FF2B5EF4-FFF2-40B4-BE49-F238E27FC236}">
-                <a16:creationId xmlns:a16="http://schemas.microsoft.com/office/drawing/2014/main" id="{D8052B6F-A924-4153-BB7F-B5908337DAA2}"/>
+                <a16:creationId xmlns:a16="http://schemas.microsoft.com/office/drawing/2014/main" xmlns="" id="{D8052B6F-A924-4153-BB7F-B5908337DAA2}"/>
               </a:ext>
             </a:extLst>
           </p:cNvPr>
@@ -4893,7 +4896,7 @@
           <p:cNvPr id="27" name="Text Placeholder 9">
             <a:extLst>
               <a:ext uri="{FF2B5EF4-FFF2-40B4-BE49-F238E27FC236}">
-                <a16:creationId xmlns:a16="http://schemas.microsoft.com/office/drawing/2014/main" id="{BBE65526-7A64-4541-9EE3-A02D25575F58}"/>
+                <a16:creationId xmlns:a16="http://schemas.microsoft.com/office/drawing/2014/main" xmlns="" id="{BBE65526-7A64-4541-9EE3-A02D25575F58}"/>
               </a:ext>
             </a:extLst>
           </p:cNvPr>
@@ -4942,7 +4945,7 @@
     </p:spTree>
     <p:extLst>
       <p:ext uri="{BB962C8B-B14F-4D97-AF65-F5344CB8AC3E}">
-        <p14:creationId xmlns:p14="http://schemas.microsoft.com/office/powerpoint/2010/main" val="1199585678"/>
+        <p14:creationId xmlns:p14="http://schemas.microsoft.com/office/powerpoint/2010/main" xmlns="" val="1199585678"/>
       </p:ext>
     </p:extLst>
   </p:cSld>
@@ -4977,7 +4980,7 @@
     </p:spTree>
     <p:extLst>
       <p:ext uri="{BB962C8B-B14F-4D97-AF65-F5344CB8AC3E}">
-        <p14:creationId xmlns:p14="http://schemas.microsoft.com/office/powerpoint/2010/main" val="2045990320"/>
+        <p14:creationId xmlns:p14="http://schemas.microsoft.com/office/powerpoint/2010/main" xmlns="" val="2045990320"/>
       </p:ext>
     </p:extLst>
   </p:cSld>
@@ -5295,7 +5298,7 @@
     </p:spTree>
     <p:extLst>
       <p:ext uri="{BB962C8B-B14F-4D97-AF65-F5344CB8AC3E}">
-        <p14:creationId xmlns:p14="http://schemas.microsoft.com/office/powerpoint/2010/main" val="1615311501"/>
+        <p14:creationId xmlns:p14="http://schemas.microsoft.com/office/powerpoint/2010/main" xmlns="" val="1615311501"/>
       </p:ext>
     </p:extLst>
   </p:cSld>
@@ -5629,7 +5632,7 @@
     </p:spTree>
     <p:extLst>
       <p:ext uri="{BB962C8B-B14F-4D97-AF65-F5344CB8AC3E}">
-        <p14:creationId xmlns:p14="http://schemas.microsoft.com/office/powerpoint/2010/main" val="1198408049"/>
+        <p14:creationId xmlns:p14="http://schemas.microsoft.com/office/powerpoint/2010/main" xmlns="" val="1198408049"/>
       </p:ext>
     </p:extLst>
   </p:cSld>
@@ -5943,7 +5946,7 @@
           <p:cNvPr id="21" name="Arrow: Pentagon 20">
             <a:extLst>
               <a:ext uri="{FF2B5EF4-FFF2-40B4-BE49-F238E27FC236}">
-                <a16:creationId xmlns:a16="http://schemas.microsoft.com/office/drawing/2014/main" id="{FD6BAE17-F101-4EB0-8865-CFDDD51E2DCF}"/>
+                <a16:creationId xmlns:a16="http://schemas.microsoft.com/office/drawing/2014/main" xmlns="" id="{FD6BAE17-F101-4EB0-8865-CFDDD51E2DCF}"/>
               </a:ext>
             </a:extLst>
           </p:cNvPr>
@@ -6000,7 +6003,7 @@
             <a:hlinkClick r:id="rId2"/>
             <a:extLst>
               <a:ext uri="{FF2B5EF4-FFF2-40B4-BE49-F238E27FC236}">
-                <a16:creationId xmlns:a16="http://schemas.microsoft.com/office/drawing/2014/main" id="{65EB7FFB-6FB1-480A-A898-65150C03087A}"/>
+                <a16:creationId xmlns:a16="http://schemas.microsoft.com/office/drawing/2014/main" xmlns="" id="{65EB7FFB-6FB1-480A-A898-65150C03087A}"/>
               </a:ext>
             </a:extLst>
           </p:cNvPr>
@@ -6033,7 +6036,7 @@
                 <a:hlinkClick r:id="rId2">
                   <a:extLst>
                     <a:ext uri="{A12FA001-AC4F-418D-AE19-62706E023703}">
-                      <ahyp:hlinkClr xmlns:ahyp="http://schemas.microsoft.com/office/drawing/2018/hyperlinkcolor" val="tx"/>
+                      <ahyp:hlinkClr xmlns:ahyp="http://schemas.microsoft.com/office/drawing/2018/hyperlinkcolor" xmlns="" val="tx"/>
                     </a:ext>
                   </a:extLst>
                 </a:hlinkClick>
@@ -6054,7 +6057,7 @@
           <p:cNvPr id="8" name="TextBox 7">
             <a:extLst>
               <a:ext uri="{FF2B5EF4-FFF2-40B4-BE49-F238E27FC236}">
-                <a16:creationId xmlns:a16="http://schemas.microsoft.com/office/drawing/2014/main" id="{03B4C724-0776-4328-8F0A-B72DA1579537}"/>
+                <a16:creationId xmlns:a16="http://schemas.microsoft.com/office/drawing/2014/main" xmlns="" id="{03B4C724-0776-4328-8F0A-B72DA1579537}"/>
               </a:ext>
             </a:extLst>
           </p:cNvPr>
@@ -6102,7 +6105,7 @@
           <p:cNvPr id="9" name="TextBox 8">
             <a:extLst>
               <a:ext uri="{FF2B5EF4-FFF2-40B4-BE49-F238E27FC236}">
-                <a16:creationId xmlns:a16="http://schemas.microsoft.com/office/drawing/2014/main" id="{2B6167FF-AD5E-41E4-8385-3024DC936CF2}"/>
+                <a16:creationId xmlns:a16="http://schemas.microsoft.com/office/drawing/2014/main" xmlns="" id="{2B6167FF-AD5E-41E4-8385-3024DC936CF2}"/>
               </a:ext>
             </a:extLst>
           </p:cNvPr>
@@ -6180,1797 +6183,10 @@
           </a:p>
         </p:txBody>
       </p:sp>
-      <p:grpSp>
-        <p:nvGrpSpPr>
-          <p:cNvPr id="3" name="Graphic 1">
-            <a:extLst>
-              <a:ext uri="{FF2B5EF4-FFF2-40B4-BE49-F238E27FC236}">
-                <a16:creationId xmlns:a16="http://schemas.microsoft.com/office/drawing/2014/main" id="{654B8B42-5803-41D1-913F-6C301EAD336B}"/>
-              </a:ext>
-            </a:extLst>
-          </p:cNvPr>
-          <p:cNvGrpSpPr/>
-          <p:nvPr/>
-        </p:nvGrpSpPr>
-        <p:grpSpPr>
-          <a:xfrm>
-            <a:off x="5253700" y="4622281"/>
-            <a:ext cx="1684599" cy="432917"/>
-            <a:chOff x="28575" y="1871662"/>
-            <a:chExt cx="12134850" cy="3118484"/>
-          </a:xfrm>
-          <a:solidFill>
-            <a:schemeClr val="bg1"/>
-          </a:solidFill>
-        </p:grpSpPr>
-        <p:sp>
-          <p:nvSpPr>
-            <p:cNvPr id="25" name="Freeform: Shape 24">
-              <a:extLst>
-                <a:ext uri="{FF2B5EF4-FFF2-40B4-BE49-F238E27FC236}">
-                  <a16:creationId xmlns:a16="http://schemas.microsoft.com/office/drawing/2014/main" id="{87391C43-A7C4-4450-A16A-F5658A36EA57}"/>
-                </a:ext>
-              </a:extLst>
-            </p:cNvPr>
-            <p:cNvSpPr/>
-            <p:nvPr/>
-          </p:nvSpPr>
-          <p:spPr>
-            <a:xfrm>
-              <a:off x="28575" y="1871662"/>
-              <a:ext cx="12134850" cy="3118484"/>
-            </a:xfrm>
-            <a:custGeom>
-              <a:avLst/>
-              <a:gdLst>
-                <a:gd name="connsiteX0" fmla="*/ 10575608 w 12134850"/>
-                <a:gd name="connsiteY0" fmla="*/ 3118485 h 3118484"/>
-                <a:gd name="connsiteX1" fmla="*/ 1559243 w 12134850"/>
-                <a:gd name="connsiteY1" fmla="*/ 3118485 h 3118484"/>
-                <a:gd name="connsiteX2" fmla="*/ 0 w 12134850"/>
-                <a:gd name="connsiteY2" fmla="*/ 1559243 h 3118484"/>
-                <a:gd name="connsiteX3" fmla="*/ 1559243 w 12134850"/>
-                <a:gd name="connsiteY3" fmla="*/ 0 h 3118484"/>
-                <a:gd name="connsiteX4" fmla="*/ 10575608 w 12134850"/>
-                <a:gd name="connsiteY4" fmla="*/ 0 h 3118484"/>
-                <a:gd name="connsiteX5" fmla="*/ 12134850 w 12134850"/>
-                <a:gd name="connsiteY5" fmla="*/ 1559243 h 3118484"/>
-                <a:gd name="connsiteX6" fmla="*/ 10575608 w 12134850"/>
-                <a:gd name="connsiteY6" fmla="*/ 3118485 h 3118484"/>
-                <a:gd name="connsiteX7" fmla="*/ 1559243 w 12134850"/>
-                <a:gd name="connsiteY7" fmla="*/ 135255 h 3118484"/>
-                <a:gd name="connsiteX8" fmla="*/ 135255 w 12134850"/>
-                <a:gd name="connsiteY8" fmla="*/ 1559243 h 3118484"/>
-                <a:gd name="connsiteX9" fmla="*/ 1559243 w 12134850"/>
-                <a:gd name="connsiteY9" fmla="*/ 2983230 h 3118484"/>
-                <a:gd name="connsiteX10" fmla="*/ 10575608 w 12134850"/>
-                <a:gd name="connsiteY10" fmla="*/ 2983230 h 3118484"/>
-                <a:gd name="connsiteX11" fmla="*/ 11999595 w 12134850"/>
-                <a:gd name="connsiteY11" fmla="*/ 1559243 h 3118484"/>
-                <a:gd name="connsiteX12" fmla="*/ 10575608 w 12134850"/>
-                <a:gd name="connsiteY12" fmla="*/ 135255 h 3118484"/>
-                <a:gd name="connsiteX13" fmla="*/ 1559243 w 12134850"/>
-                <a:gd name="connsiteY13" fmla="*/ 135255 h 3118484"/>
-              </a:gdLst>
-              <a:ahLst/>
-              <a:cxnLst>
-                <a:cxn ang="0">
-                  <a:pos x="connsiteX0" y="connsiteY0"/>
-                </a:cxn>
-                <a:cxn ang="0">
-                  <a:pos x="connsiteX1" y="connsiteY1"/>
-                </a:cxn>
-                <a:cxn ang="0">
-                  <a:pos x="connsiteX2" y="connsiteY2"/>
-                </a:cxn>
-                <a:cxn ang="0">
-                  <a:pos x="connsiteX3" y="connsiteY3"/>
-                </a:cxn>
-                <a:cxn ang="0">
-                  <a:pos x="connsiteX4" y="connsiteY4"/>
-                </a:cxn>
-                <a:cxn ang="0">
-                  <a:pos x="connsiteX5" y="connsiteY5"/>
-                </a:cxn>
-                <a:cxn ang="0">
-                  <a:pos x="connsiteX6" y="connsiteY6"/>
-                </a:cxn>
-                <a:cxn ang="0">
-                  <a:pos x="connsiteX7" y="connsiteY7"/>
-                </a:cxn>
-                <a:cxn ang="0">
-                  <a:pos x="connsiteX8" y="connsiteY8"/>
-                </a:cxn>
-                <a:cxn ang="0">
-                  <a:pos x="connsiteX9" y="connsiteY9"/>
-                </a:cxn>
-                <a:cxn ang="0">
-                  <a:pos x="connsiteX10" y="connsiteY10"/>
-                </a:cxn>
-                <a:cxn ang="0">
-                  <a:pos x="connsiteX11" y="connsiteY11"/>
-                </a:cxn>
-                <a:cxn ang="0">
-                  <a:pos x="connsiteX12" y="connsiteY12"/>
-                </a:cxn>
-                <a:cxn ang="0">
-                  <a:pos x="connsiteX13" y="connsiteY13"/>
-                </a:cxn>
-              </a:cxnLst>
-              <a:rect l="l" t="t" r="r" b="b"/>
-              <a:pathLst>
-                <a:path w="12134850" h="3118484">
-                  <a:moveTo>
-                    <a:pt x="10575608" y="3118485"/>
-                  </a:moveTo>
-                  <a:lnTo>
-                    <a:pt x="1559243" y="3118485"/>
-                  </a:lnTo>
-                  <a:cubicBezTo>
-                    <a:pt x="699135" y="3118485"/>
-                    <a:pt x="0" y="2419350"/>
-                    <a:pt x="0" y="1559243"/>
-                  </a:cubicBezTo>
-                  <a:cubicBezTo>
-                    <a:pt x="0" y="699135"/>
-                    <a:pt x="699135" y="0"/>
-                    <a:pt x="1559243" y="0"/>
-                  </a:cubicBezTo>
-                  <a:lnTo>
-                    <a:pt x="10575608" y="0"/>
-                  </a:lnTo>
-                  <a:cubicBezTo>
-                    <a:pt x="11435715" y="0"/>
-                    <a:pt x="12134850" y="699135"/>
-                    <a:pt x="12134850" y="1559243"/>
-                  </a:cubicBezTo>
-                  <a:cubicBezTo>
-                    <a:pt x="12134850" y="2419350"/>
-                    <a:pt x="11435715" y="3118485"/>
-                    <a:pt x="10575608" y="3118485"/>
-                  </a:cubicBezTo>
-                  <a:close/>
-                  <a:moveTo>
-                    <a:pt x="1559243" y="135255"/>
-                  </a:moveTo>
-                  <a:cubicBezTo>
-                    <a:pt x="774383" y="135255"/>
-                    <a:pt x="135255" y="774383"/>
-                    <a:pt x="135255" y="1559243"/>
-                  </a:cubicBezTo>
-                  <a:cubicBezTo>
-                    <a:pt x="135255" y="2344103"/>
-                    <a:pt x="773430" y="2983230"/>
-                    <a:pt x="1559243" y="2983230"/>
-                  </a:cubicBezTo>
-                  <a:lnTo>
-                    <a:pt x="10575608" y="2983230"/>
-                  </a:lnTo>
-                  <a:cubicBezTo>
-                    <a:pt x="11360467" y="2983230"/>
-                    <a:pt x="11999595" y="2344103"/>
-                    <a:pt x="11999595" y="1559243"/>
-                  </a:cubicBezTo>
-                  <a:cubicBezTo>
-                    <a:pt x="11999595" y="774383"/>
-                    <a:pt x="11361420" y="135255"/>
-                    <a:pt x="10575608" y="135255"/>
-                  </a:cubicBezTo>
-                  <a:lnTo>
-                    <a:pt x="1559243" y="135255"/>
-                  </a:lnTo>
-                  <a:close/>
-                </a:path>
-              </a:pathLst>
-            </a:custGeom>
-            <a:grpFill/>
-            <a:ln w="9525" cap="flat">
-              <a:noFill/>
-              <a:prstDash val="solid"/>
-              <a:miter/>
-            </a:ln>
-          </p:spPr>
-          <p:txBody>
-            <a:bodyPr rtlCol="0" anchor="ctr"/>
-            <a:lstStyle/>
-            <a:p>
-              <a:pPr algn="r"/>
-              <a:endParaRPr lang="en-US">
-                <a:solidFill>
-                  <a:schemeClr val="bg1"/>
-                </a:solidFill>
-              </a:endParaRPr>
-            </a:p>
-          </p:txBody>
-        </p:sp>
-        <p:grpSp>
-          <p:nvGrpSpPr>
-            <p:cNvPr id="26" name="Graphic 1">
-              <a:extLst>
-                <a:ext uri="{FF2B5EF4-FFF2-40B4-BE49-F238E27FC236}">
-                  <a16:creationId xmlns:a16="http://schemas.microsoft.com/office/drawing/2014/main" id="{654B8B42-5803-41D1-913F-6C301EAD336B}"/>
-                </a:ext>
-              </a:extLst>
-            </p:cNvPr>
-            <p:cNvGrpSpPr/>
-            <p:nvPr/>
-          </p:nvGrpSpPr>
-          <p:grpSpPr>
-            <a:xfrm>
-              <a:off x="1795462" y="2549841"/>
-              <a:ext cx="8943975" cy="1763077"/>
-              <a:chOff x="1795462" y="2549841"/>
-              <a:chExt cx="8943975" cy="1763077"/>
-            </a:xfrm>
-            <a:grpFill/>
-          </p:grpSpPr>
-          <p:sp>
-            <p:nvSpPr>
-              <p:cNvPr id="27" name="Freeform: Shape 26">
-                <a:extLst>
-                  <a:ext uri="{FF2B5EF4-FFF2-40B4-BE49-F238E27FC236}">
-                    <a16:creationId xmlns:a16="http://schemas.microsoft.com/office/drawing/2014/main" id="{1956A415-B8A2-4A60-9439-DDFE21A83E2F}"/>
-                  </a:ext>
-                </a:extLst>
-              </p:cNvPr>
-              <p:cNvSpPr/>
-              <p:nvPr/>
-            </p:nvSpPr>
-            <p:spPr>
-              <a:xfrm>
-                <a:off x="5654992" y="2549841"/>
-                <a:ext cx="3864292" cy="1695450"/>
-              </a:xfrm>
-              <a:custGeom>
-                <a:avLst/>
-                <a:gdLst>
-                  <a:gd name="connsiteX0" fmla="*/ 1693545 w 3864292"/>
-                  <a:gd name="connsiteY0" fmla="*/ 286703 h 1695450"/>
-                  <a:gd name="connsiteX1" fmla="*/ 1693545 w 3864292"/>
-                  <a:gd name="connsiteY1" fmla="*/ 767715 h 1695450"/>
-                  <a:gd name="connsiteX2" fmla="*/ 1858327 w 3864292"/>
-                  <a:gd name="connsiteY2" fmla="*/ 767715 h 1695450"/>
-                  <a:gd name="connsiteX3" fmla="*/ 2096452 w 3864292"/>
-                  <a:gd name="connsiteY3" fmla="*/ 741045 h 1695450"/>
-                  <a:gd name="connsiteX4" fmla="*/ 2190750 w 3864292"/>
-                  <a:gd name="connsiteY4" fmla="*/ 658178 h 1695450"/>
-                  <a:gd name="connsiteX5" fmla="*/ 2225040 w 3864292"/>
-                  <a:gd name="connsiteY5" fmla="*/ 526733 h 1695450"/>
-                  <a:gd name="connsiteX6" fmla="*/ 2177415 w 3864292"/>
-                  <a:gd name="connsiteY6" fmla="*/ 374333 h 1695450"/>
-                  <a:gd name="connsiteX7" fmla="*/ 2056447 w 3864292"/>
-                  <a:gd name="connsiteY7" fmla="*/ 299085 h 1695450"/>
-                  <a:gd name="connsiteX8" fmla="*/ 1839277 w 3864292"/>
-                  <a:gd name="connsiteY8" fmla="*/ 287655 h 1695450"/>
-                  <a:gd name="connsiteX9" fmla="*/ 1693545 w 3864292"/>
-                  <a:gd name="connsiteY9" fmla="*/ 287655 h 1695450"/>
-                  <a:gd name="connsiteX10" fmla="*/ 301943 w 3864292"/>
-                  <a:gd name="connsiteY10" fmla="*/ 286703 h 1695450"/>
-                  <a:gd name="connsiteX11" fmla="*/ 301943 w 3864292"/>
-                  <a:gd name="connsiteY11" fmla="*/ 767715 h 1695450"/>
-                  <a:gd name="connsiteX12" fmla="*/ 466725 w 3864292"/>
-                  <a:gd name="connsiteY12" fmla="*/ 767715 h 1695450"/>
-                  <a:gd name="connsiteX13" fmla="*/ 704850 w 3864292"/>
-                  <a:gd name="connsiteY13" fmla="*/ 741045 h 1695450"/>
-                  <a:gd name="connsiteX14" fmla="*/ 799147 w 3864292"/>
-                  <a:gd name="connsiteY14" fmla="*/ 658178 h 1695450"/>
-                  <a:gd name="connsiteX15" fmla="*/ 833438 w 3864292"/>
-                  <a:gd name="connsiteY15" fmla="*/ 526733 h 1695450"/>
-                  <a:gd name="connsiteX16" fmla="*/ 785813 w 3864292"/>
-                  <a:gd name="connsiteY16" fmla="*/ 374333 h 1695450"/>
-                  <a:gd name="connsiteX17" fmla="*/ 664845 w 3864292"/>
-                  <a:gd name="connsiteY17" fmla="*/ 299085 h 1695450"/>
-                  <a:gd name="connsiteX18" fmla="*/ 447675 w 3864292"/>
-                  <a:gd name="connsiteY18" fmla="*/ 287655 h 1695450"/>
-                  <a:gd name="connsiteX19" fmla="*/ 301943 w 3864292"/>
-                  <a:gd name="connsiteY19" fmla="*/ 287655 h 1695450"/>
-                  <a:gd name="connsiteX20" fmla="*/ 2676525 w 3864292"/>
-                  <a:gd name="connsiteY20" fmla="*/ 0 h 1695450"/>
-                  <a:gd name="connsiteX21" fmla="*/ 3864293 w 3864292"/>
-                  <a:gd name="connsiteY21" fmla="*/ 0 h 1695450"/>
-                  <a:gd name="connsiteX22" fmla="*/ 3864293 w 3864292"/>
-                  <a:gd name="connsiteY22" fmla="*/ 286703 h 1695450"/>
-                  <a:gd name="connsiteX23" fmla="*/ 3422333 w 3864292"/>
-                  <a:gd name="connsiteY23" fmla="*/ 286703 h 1695450"/>
-                  <a:gd name="connsiteX24" fmla="*/ 3422333 w 3864292"/>
-                  <a:gd name="connsiteY24" fmla="*/ 1695450 h 1695450"/>
-                  <a:gd name="connsiteX25" fmla="*/ 3120390 w 3864292"/>
-                  <a:gd name="connsiteY25" fmla="*/ 1695450 h 1695450"/>
-                  <a:gd name="connsiteX26" fmla="*/ 3120390 w 3864292"/>
-                  <a:gd name="connsiteY26" fmla="*/ 286703 h 1695450"/>
-                  <a:gd name="connsiteX27" fmla="*/ 2676525 w 3864292"/>
-                  <a:gd name="connsiteY27" fmla="*/ 286703 h 1695450"/>
-                  <a:gd name="connsiteX28" fmla="*/ 2676525 w 3864292"/>
-                  <a:gd name="connsiteY28" fmla="*/ 0 h 1695450"/>
-                  <a:gd name="connsiteX29" fmla="*/ 2676525 w 3864292"/>
-                  <a:gd name="connsiteY29" fmla="*/ 0 h 1695450"/>
-                  <a:gd name="connsiteX30" fmla="*/ 1392555 w 3864292"/>
-                  <a:gd name="connsiteY30" fmla="*/ 0 h 1695450"/>
-                  <a:gd name="connsiteX31" fmla="*/ 1876425 w 3864292"/>
-                  <a:gd name="connsiteY31" fmla="*/ 0 h 1695450"/>
-                  <a:gd name="connsiteX32" fmla="*/ 2235518 w 3864292"/>
-                  <a:gd name="connsiteY32" fmla="*/ 25718 h 1695450"/>
-                  <a:gd name="connsiteX33" fmla="*/ 2450783 w 3864292"/>
-                  <a:gd name="connsiteY33" fmla="*/ 191453 h 1695450"/>
-                  <a:gd name="connsiteX34" fmla="*/ 2537460 w 3864292"/>
-                  <a:gd name="connsiteY34" fmla="*/ 521970 h 1695450"/>
-                  <a:gd name="connsiteX35" fmla="*/ 2487930 w 3864292"/>
-                  <a:gd name="connsiteY35" fmla="*/ 784860 h 1695450"/>
-                  <a:gd name="connsiteX36" fmla="*/ 2361247 w 3864292"/>
-                  <a:gd name="connsiteY36" fmla="*/ 951548 h 1695450"/>
-                  <a:gd name="connsiteX37" fmla="*/ 2205038 w 3864292"/>
-                  <a:gd name="connsiteY37" fmla="*/ 1031558 h 1695450"/>
-                  <a:gd name="connsiteX38" fmla="*/ 1891665 w 3864292"/>
-                  <a:gd name="connsiteY38" fmla="*/ 1055370 h 1695450"/>
-                  <a:gd name="connsiteX39" fmla="*/ 1694497 w 3864292"/>
-                  <a:gd name="connsiteY39" fmla="*/ 1055370 h 1695450"/>
-                  <a:gd name="connsiteX40" fmla="*/ 1694497 w 3864292"/>
-                  <a:gd name="connsiteY40" fmla="*/ 1694498 h 1695450"/>
-                  <a:gd name="connsiteX41" fmla="*/ 1392555 w 3864292"/>
-                  <a:gd name="connsiteY41" fmla="*/ 1694498 h 1695450"/>
-                  <a:gd name="connsiteX42" fmla="*/ 1392555 w 3864292"/>
-                  <a:gd name="connsiteY42" fmla="*/ 0 h 1695450"/>
-                  <a:gd name="connsiteX43" fmla="*/ 1392555 w 3864292"/>
-                  <a:gd name="connsiteY43" fmla="*/ 0 h 1695450"/>
-                  <a:gd name="connsiteX44" fmla="*/ 0 w 3864292"/>
-                  <a:gd name="connsiteY44" fmla="*/ 0 h 1695450"/>
-                  <a:gd name="connsiteX45" fmla="*/ 483870 w 3864292"/>
-                  <a:gd name="connsiteY45" fmla="*/ 0 h 1695450"/>
-                  <a:gd name="connsiteX46" fmla="*/ 842963 w 3864292"/>
-                  <a:gd name="connsiteY46" fmla="*/ 25718 h 1695450"/>
-                  <a:gd name="connsiteX47" fmla="*/ 1058227 w 3864292"/>
-                  <a:gd name="connsiteY47" fmla="*/ 191453 h 1695450"/>
-                  <a:gd name="connsiteX48" fmla="*/ 1144905 w 3864292"/>
-                  <a:gd name="connsiteY48" fmla="*/ 521970 h 1695450"/>
-                  <a:gd name="connsiteX49" fmla="*/ 1095375 w 3864292"/>
-                  <a:gd name="connsiteY49" fmla="*/ 784860 h 1695450"/>
-                  <a:gd name="connsiteX50" fmla="*/ 968693 w 3864292"/>
-                  <a:gd name="connsiteY50" fmla="*/ 951548 h 1695450"/>
-                  <a:gd name="connsiteX51" fmla="*/ 812482 w 3864292"/>
-                  <a:gd name="connsiteY51" fmla="*/ 1031558 h 1695450"/>
-                  <a:gd name="connsiteX52" fmla="*/ 499110 w 3864292"/>
-                  <a:gd name="connsiteY52" fmla="*/ 1055370 h 1695450"/>
-                  <a:gd name="connsiteX53" fmla="*/ 301943 w 3864292"/>
-                  <a:gd name="connsiteY53" fmla="*/ 1055370 h 1695450"/>
-                  <a:gd name="connsiteX54" fmla="*/ 301943 w 3864292"/>
-                  <a:gd name="connsiteY54" fmla="*/ 1694498 h 1695450"/>
-                  <a:gd name="connsiteX55" fmla="*/ 0 w 3864292"/>
-                  <a:gd name="connsiteY55" fmla="*/ 1694498 h 1695450"/>
-                  <a:gd name="connsiteX56" fmla="*/ 0 w 3864292"/>
-                  <a:gd name="connsiteY56" fmla="*/ 0 h 1695450"/>
-                  <a:gd name="connsiteX57" fmla="*/ 0 w 3864292"/>
-                  <a:gd name="connsiteY57" fmla="*/ 0 h 1695450"/>
-                </a:gdLst>
-                <a:ahLst/>
-                <a:cxnLst>
-                  <a:cxn ang="0">
-                    <a:pos x="connsiteX0" y="connsiteY0"/>
-                  </a:cxn>
-                  <a:cxn ang="0">
-                    <a:pos x="connsiteX1" y="connsiteY1"/>
-                  </a:cxn>
-                  <a:cxn ang="0">
-                    <a:pos x="connsiteX2" y="connsiteY2"/>
-                  </a:cxn>
-                  <a:cxn ang="0">
-                    <a:pos x="connsiteX3" y="connsiteY3"/>
-                  </a:cxn>
-                  <a:cxn ang="0">
-                    <a:pos x="connsiteX4" y="connsiteY4"/>
-                  </a:cxn>
-                  <a:cxn ang="0">
-                    <a:pos x="connsiteX5" y="connsiteY5"/>
-                  </a:cxn>
-                  <a:cxn ang="0">
-                    <a:pos x="connsiteX6" y="connsiteY6"/>
-                  </a:cxn>
-                  <a:cxn ang="0">
-                    <a:pos x="connsiteX7" y="connsiteY7"/>
-                  </a:cxn>
-                  <a:cxn ang="0">
-                    <a:pos x="connsiteX8" y="connsiteY8"/>
-                  </a:cxn>
-                  <a:cxn ang="0">
-                    <a:pos x="connsiteX9" y="connsiteY9"/>
-                  </a:cxn>
-                  <a:cxn ang="0">
-                    <a:pos x="connsiteX10" y="connsiteY10"/>
-                  </a:cxn>
-                  <a:cxn ang="0">
-                    <a:pos x="connsiteX11" y="connsiteY11"/>
-                  </a:cxn>
-                  <a:cxn ang="0">
-                    <a:pos x="connsiteX12" y="connsiteY12"/>
-                  </a:cxn>
-                  <a:cxn ang="0">
-                    <a:pos x="connsiteX13" y="connsiteY13"/>
-                  </a:cxn>
-                  <a:cxn ang="0">
-                    <a:pos x="connsiteX14" y="connsiteY14"/>
-                  </a:cxn>
-                  <a:cxn ang="0">
-                    <a:pos x="connsiteX15" y="connsiteY15"/>
-                  </a:cxn>
-                  <a:cxn ang="0">
-                    <a:pos x="connsiteX16" y="connsiteY16"/>
-                  </a:cxn>
-                  <a:cxn ang="0">
-                    <a:pos x="connsiteX17" y="connsiteY17"/>
-                  </a:cxn>
-                  <a:cxn ang="0">
-                    <a:pos x="connsiteX18" y="connsiteY18"/>
-                  </a:cxn>
-                  <a:cxn ang="0">
-                    <a:pos x="connsiteX19" y="connsiteY19"/>
-                  </a:cxn>
-                  <a:cxn ang="0">
-                    <a:pos x="connsiteX20" y="connsiteY20"/>
-                  </a:cxn>
-                  <a:cxn ang="0">
-                    <a:pos x="connsiteX21" y="connsiteY21"/>
-                  </a:cxn>
-                  <a:cxn ang="0">
-                    <a:pos x="connsiteX22" y="connsiteY22"/>
-                  </a:cxn>
-                  <a:cxn ang="0">
-                    <a:pos x="connsiteX23" y="connsiteY23"/>
-                  </a:cxn>
-                  <a:cxn ang="0">
-                    <a:pos x="connsiteX24" y="connsiteY24"/>
-                  </a:cxn>
-                  <a:cxn ang="0">
-                    <a:pos x="connsiteX25" y="connsiteY25"/>
-                  </a:cxn>
-                  <a:cxn ang="0">
-                    <a:pos x="connsiteX26" y="connsiteY26"/>
-                  </a:cxn>
-                  <a:cxn ang="0">
-                    <a:pos x="connsiteX27" y="connsiteY27"/>
-                  </a:cxn>
-                  <a:cxn ang="0">
-                    <a:pos x="connsiteX28" y="connsiteY28"/>
-                  </a:cxn>
-                  <a:cxn ang="0">
-                    <a:pos x="connsiteX29" y="connsiteY29"/>
-                  </a:cxn>
-                  <a:cxn ang="0">
-                    <a:pos x="connsiteX30" y="connsiteY30"/>
-                  </a:cxn>
-                  <a:cxn ang="0">
-                    <a:pos x="connsiteX31" y="connsiteY31"/>
-                  </a:cxn>
-                  <a:cxn ang="0">
-                    <a:pos x="connsiteX32" y="connsiteY32"/>
-                  </a:cxn>
-                  <a:cxn ang="0">
-                    <a:pos x="connsiteX33" y="connsiteY33"/>
-                  </a:cxn>
-                  <a:cxn ang="0">
-                    <a:pos x="connsiteX34" y="connsiteY34"/>
-                  </a:cxn>
-                  <a:cxn ang="0">
-                    <a:pos x="connsiteX35" y="connsiteY35"/>
-                  </a:cxn>
-                  <a:cxn ang="0">
-                    <a:pos x="connsiteX36" y="connsiteY36"/>
-                  </a:cxn>
-                  <a:cxn ang="0">
-                    <a:pos x="connsiteX37" y="connsiteY37"/>
-                  </a:cxn>
-                  <a:cxn ang="0">
-                    <a:pos x="connsiteX38" y="connsiteY38"/>
-                  </a:cxn>
-                  <a:cxn ang="0">
-                    <a:pos x="connsiteX39" y="connsiteY39"/>
-                  </a:cxn>
-                  <a:cxn ang="0">
-                    <a:pos x="connsiteX40" y="connsiteY40"/>
-                  </a:cxn>
-                  <a:cxn ang="0">
-                    <a:pos x="connsiteX41" y="connsiteY41"/>
-                  </a:cxn>
-                  <a:cxn ang="0">
-                    <a:pos x="connsiteX42" y="connsiteY42"/>
-                  </a:cxn>
-                  <a:cxn ang="0">
-                    <a:pos x="connsiteX43" y="connsiteY43"/>
-                  </a:cxn>
-                  <a:cxn ang="0">
-                    <a:pos x="connsiteX44" y="connsiteY44"/>
-                  </a:cxn>
-                  <a:cxn ang="0">
-                    <a:pos x="connsiteX45" y="connsiteY45"/>
-                  </a:cxn>
-                  <a:cxn ang="0">
-                    <a:pos x="connsiteX46" y="connsiteY46"/>
-                  </a:cxn>
-                  <a:cxn ang="0">
-                    <a:pos x="connsiteX47" y="connsiteY47"/>
-                  </a:cxn>
-                  <a:cxn ang="0">
-                    <a:pos x="connsiteX48" y="connsiteY48"/>
-                  </a:cxn>
-                  <a:cxn ang="0">
-                    <a:pos x="connsiteX49" y="connsiteY49"/>
-                  </a:cxn>
-                  <a:cxn ang="0">
-                    <a:pos x="connsiteX50" y="connsiteY50"/>
-                  </a:cxn>
-                  <a:cxn ang="0">
-                    <a:pos x="connsiteX51" y="connsiteY51"/>
-                  </a:cxn>
-                  <a:cxn ang="0">
-                    <a:pos x="connsiteX52" y="connsiteY52"/>
-                  </a:cxn>
-                  <a:cxn ang="0">
-                    <a:pos x="connsiteX53" y="connsiteY53"/>
-                  </a:cxn>
-                  <a:cxn ang="0">
-                    <a:pos x="connsiteX54" y="connsiteY54"/>
-                  </a:cxn>
-                  <a:cxn ang="0">
-                    <a:pos x="connsiteX55" y="connsiteY55"/>
-                  </a:cxn>
-                  <a:cxn ang="0">
-                    <a:pos x="connsiteX56" y="connsiteY56"/>
-                  </a:cxn>
-                  <a:cxn ang="0">
-                    <a:pos x="connsiteX57" y="connsiteY57"/>
-                  </a:cxn>
-                </a:cxnLst>
-                <a:rect l="l" t="t" r="r" b="b"/>
-                <a:pathLst>
-                  <a:path w="3864292" h="1695450">
-                    <a:moveTo>
-                      <a:pt x="1693545" y="286703"/>
-                    </a:moveTo>
-                    <a:lnTo>
-                      <a:pt x="1693545" y="767715"/>
-                    </a:lnTo>
-                    <a:lnTo>
-                      <a:pt x="1858327" y="767715"/>
-                    </a:lnTo>
-                    <a:cubicBezTo>
-                      <a:pt x="1977390" y="767715"/>
-                      <a:pt x="2056447" y="759143"/>
-                      <a:pt x="2096452" y="741045"/>
-                    </a:cubicBezTo>
-                    <a:cubicBezTo>
-                      <a:pt x="2136458" y="722948"/>
-                      <a:pt x="2167890" y="695325"/>
-                      <a:pt x="2190750" y="658178"/>
-                    </a:cubicBezTo>
-                    <a:cubicBezTo>
-                      <a:pt x="2213610" y="620078"/>
-                      <a:pt x="2225040" y="576263"/>
-                      <a:pt x="2225040" y="526733"/>
-                    </a:cubicBezTo>
-                    <a:cubicBezTo>
-                      <a:pt x="2225040" y="464820"/>
-                      <a:pt x="2208847" y="414338"/>
-                      <a:pt x="2177415" y="374333"/>
-                    </a:cubicBezTo>
-                    <a:cubicBezTo>
-                      <a:pt x="2145030" y="334328"/>
-                      <a:pt x="2105025" y="309563"/>
-                      <a:pt x="2056447" y="299085"/>
-                    </a:cubicBezTo>
-                    <a:cubicBezTo>
-                      <a:pt x="2020252" y="291465"/>
-                      <a:pt x="1947863" y="287655"/>
-                      <a:pt x="1839277" y="287655"/>
-                    </a:cubicBezTo>
-                    <a:lnTo>
-                      <a:pt x="1693545" y="287655"/>
-                    </a:lnTo>
-                    <a:close/>
-                    <a:moveTo>
-                      <a:pt x="301943" y="286703"/>
-                    </a:moveTo>
-                    <a:lnTo>
-                      <a:pt x="301943" y="767715"/>
-                    </a:lnTo>
-                    <a:lnTo>
-                      <a:pt x="466725" y="767715"/>
-                    </a:lnTo>
-                    <a:cubicBezTo>
-                      <a:pt x="585788" y="767715"/>
-                      <a:pt x="664845" y="759143"/>
-                      <a:pt x="704850" y="741045"/>
-                    </a:cubicBezTo>
-                    <a:cubicBezTo>
-                      <a:pt x="744855" y="722948"/>
-                      <a:pt x="776288" y="695325"/>
-                      <a:pt x="799147" y="658178"/>
-                    </a:cubicBezTo>
-                    <a:cubicBezTo>
-                      <a:pt x="822007" y="620078"/>
-                      <a:pt x="833438" y="576263"/>
-                      <a:pt x="833438" y="526733"/>
-                    </a:cubicBezTo>
-                    <a:cubicBezTo>
-                      <a:pt x="833438" y="464820"/>
-                      <a:pt x="817245" y="414338"/>
-                      <a:pt x="785813" y="374333"/>
-                    </a:cubicBezTo>
-                    <a:cubicBezTo>
-                      <a:pt x="753427" y="334328"/>
-                      <a:pt x="713422" y="309563"/>
-                      <a:pt x="664845" y="299085"/>
-                    </a:cubicBezTo>
-                    <a:cubicBezTo>
-                      <a:pt x="628650" y="291465"/>
-                      <a:pt x="556260" y="287655"/>
-                      <a:pt x="447675" y="287655"/>
-                    </a:cubicBezTo>
-                    <a:lnTo>
-                      <a:pt x="301943" y="287655"/>
-                    </a:lnTo>
-                    <a:close/>
-                    <a:moveTo>
-                      <a:pt x="2676525" y="0"/>
-                    </a:moveTo>
-                    <a:lnTo>
-                      <a:pt x="3864293" y="0"/>
-                    </a:lnTo>
-                    <a:lnTo>
-                      <a:pt x="3864293" y="286703"/>
-                    </a:lnTo>
-                    <a:lnTo>
-                      <a:pt x="3422333" y="286703"/>
-                    </a:lnTo>
-                    <a:lnTo>
-                      <a:pt x="3422333" y="1695450"/>
-                    </a:lnTo>
-                    <a:lnTo>
-                      <a:pt x="3120390" y="1695450"/>
-                    </a:lnTo>
-                    <a:lnTo>
-                      <a:pt x="3120390" y="286703"/>
-                    </a:lnTo>
-                    <a:lnTo>
-                      <a:pt x="2676525" y="286703"/>
-                    </a:lnTo>
-                    <a:lnTo>
-                      <a:pt x="2676525" y="0"/>
-                    </a:lnTo>
-                    <a:lnTo>
-                      <a:pt x="2676525" y="0"/>
-                    </a:lnTo>
-                    <a:close/>
-                    <a:moveTo>
-                      <a:pt x="1392555" y="0"/>
-                    </a:moveTo>
-                    <a:lnTo>
-                      <a:pt x="1876425" y="0"/>
-                    </a:lnTo>
-                    <a:cubicBezTo>
-                      <a:pt x="2060257" y="0"/>
-                      <a:pt x="2179320" y="8573"/>
-                      <a:pt x="2235518" y="25718"/>
-                    </a:cubicBezTo>
-                    <a:cubicBezTo>
-                      <a:pt x="2321243" y="51435"/>
-                      <a:pt x="2392680" y="106680"/>
-                      <a:pt x="2450783" y="191453"/>
-                    </a:cubicBezTo>
-                    <a:cubicBezTo>
-                      <a:pt x="2508885" y="276225"/>
-                      <a:pt x="2537460" y="386715"/>
-                      <a:pt x="2537460" y="521970"/>
-                    </a:cubicBezTo>
-                    <a:cubicBezTo>
-                      <a:pt x="2537460" y="625793"/>
-                      <a:pt x="2521268" y="713423"/>
-                      <a:pt x="2487930" y="784860"/>
-                    </a:cubicBezTo>
-                    <a:cubicBezTo>
-                      <a:pt x="2454593" y="855345"/>
-                      <a:pt x="2412683" y="911543"/>
-                      <a:pt x="2361247" y="951548"/>
-                    </a:cubicBezTo>
-                    <a:cubicBezTo>
-                      <a:pt x="2309813" y="991553"/>
-                      <a:pt x="2257425" y="1019175"/>
-                      <a:pt x="2205038" y="1031558"/>
-                    </a:cubicBezTo>
-                    <a:cubicBezTo>
-                      <a:pt x="2132647" y="1047750"/>
-                      <a:pt x="2028825" y="1055370"/>
-                      <a:pt x="1891665" y="1055370"/>
-                    </a:cubicBezTo>
-                    <a:lnTo>
-                      <a:pt x="1694497" y="1055370"/>
-                    </a:lnTo>
-                    <a:lnTo>
-                      <a:pt x="1694497" y="1694498"/>
-                    </a:lnTo>
-                    <a:lnTo>
-                      <a:pt x="1392555" y="1694498"/>
-                    </a:lnTo>
-                    <a:lnTo>
-                      <a:pt x="1392555" y="0"/>
-                    </a:lnTo>
-                    <a:lnTo>
-                      <a:pt x="1392555" y="0"/>
-                    </a:lnTo>
-                    <a:close/>
-                    <a:moveTo>
-                      <a:pt x="0" y="0"/>
-                    </a:moveTo>
-                    <a:lnTo>
-                      <a:pt x="483870" y="0"/>
-                    </a:lnTo>
-                    <a:cubicBezTo>
-                      <a:pt x="667702" y="0"/>
-                      <a:pt x="786765" y="8573"/>
-                      <a:pt x="842963" y="25718"/>
-                    </a:cubicBezTo>
-                    <a:cubicBezTo>
-                      <a:pt x="928688" y="51435"/>
-                      <a:pt x="1000125" y="106680"/>
-                      <a:pt x="1058227" y="191453"/>
-                    </a:cubicBezTo>
-                    <a:cubicBezTo>
-                      <a:pt x="1116330" y="276225"/>
-                      <a:pt x="1144905" y="386715"/>
-                      <a:pt x="1144905" y="521970"/>
-                    </a:cubicBezTo>
-                    <a:cubicBezTo>
-                      <a:pt x="1144905" y="625793"/>
-                      <a:pt x="1128713" y="713423"/>
-                      <a:pt x="1095375" y="784860"/>
-                    </a:cubicBezTo>
-                    <a:cubicBezTo>
-                      <a:pt x="1062038" y="855345"/>
-                      <a:pt x="1020127" y="911543"/>
-                      <a:pt x="968693" y="951548"/>
-                    </a:cubicBezTo>
-                    <a:cubicBezTo>
-                      <a:pt x="917257" y="991553"/>
-                      <a:pt x="864870" y="1019175"/>
-                      <a:pt x="812482" y="1031558"/>
-                    </a:cubicBezTo>
-                    <a:cubicBezTo>
-                      <a:pt x="740093" y="1047750"/>
-                      <a:pt x="636270" y="1055370"/>
-                      <a:pt x="499110" y="1055370"/>
-                    </a:cubicBezTo>
-                    <a:lnTo>
-                      <a:pt x="301943" y="1055370"/>
-                    </a:lnTo>
-                    <a:lnTo>
-                      <a:pt x="301943" y="1694498"/>
-                    </a:lnTo>
-                    <a:lnTo>
-                      <a:pt x="0" y="1694498"/>
-                    </a:lnTo>
-                    <a:lnTo>
-                      <a:pt x="0" y="0"/>
-                    </a:lnTo>
-                    <a:lnTo>
-                      <a:pt x="0" y="0"/>
-                    </a:lnTo>
-                    <a:close/>
-                  </a:path>
-                </a:pathLst>
-              </a:custGeom>
-              <a:grpFill/>
-              <a:ln w="9525" cap="flat">
-                <a:noFill/>
-                <a:prstDash val="solid"/>
-                <a:miter/>
-              </a:ln>
-            </p:spPr>
-            <p:txBody>
-              <a:bodyPr rtlCol="0" anchor="ctr"/>
-              <a:lstStyle/>
-              <a:p>
-                <a:pPr algn="r"/>
-                <a:endParaRPr lang="en-US">
-                  <a:solidFill>
-                    <a:schemeClr val="bg1"/>
-                  </a:solidFill>
-                </a:endParaRPr>
-              </a:p>
-            </p:txBody>
-          </p:sp>
-          <p:grpSp>
-            <p:nvGrpSpPr>
-              <p:cNvPr id="28" name="Graphic 1">
-                <a:extLst>
-                  <a:ext uri="{FF2B5EF4-FFF2-40B4-BE49-F238E27FC236}">
-                    <a16:creationId xmlns:a16="http://schemas.microsoft.com/office/drawing/2014/main" id="{654B8B42-5803-41D1-913F-6C301EAD336B}"/>
-                  </a:ext>
-                </a:extLst>
-              </p:cNvPr>
-              <p:cNvGrpSpPr/>
-              <p:nvPr/>
-            </p:nvGrpSpPr>
-            <p:grpSpPr>
-              <a:xfrm>
-                <a:off x="1795462" y="2615564"/>
-                <a:ext cx="8943975" cy="1697354"/>
-                <a:chOff x="1795462" y="2615564"/>
-                <a:chExt cx="8943975" cy="1697354"/>
-              </a:xfrm>
-              <a:grpFill/>
-            </p:grpSpPr>
-            <p:sp>
-              <p:nvSpPr>
-                <p:cNvPr id="29" name="Freeform: Shape 28">
-                  <a:extLst>
-                    <a:ext uri="{FF2B5EF4-FFF2-40B4-BE49-F238E27FC236}">
-                      <a16:creationId xmlns:a16="http://schemas.microsoft.com/office/drawing/2014/main" id="{4BF55E03-EA07-4906-BB8F-E8D00F3A60D3}"/>
-                    </a:ext>
-                  </a:extLst>
-                </p:cNvPr>
-                <p:cNvSpPr/>
-                <p:nvPr/>
-              </p:nvSpPr>
-              <p:spPr>
-                <a:xfrm>
-                  <a:off x="1795462" y="2615564"/>
-                  <a:ext cx="1414462" cy="1697354"/>
-                </a:xfrm>
-                <a:custGeom>
-                  <a:avLst/>
-                  <a:gdLst>
-                    <a:gd name="connsiteX0" fmla="*/ 1288732 w 1414462"/>
-                    <a:gd name="connsiteY0" fmla="*/ 1835468 h 1835467"/>
-                    <a:gd name="connsiteX1" fmla="*/ 689610 w 1414462"/>
-                    <a:gd name="connsiteY1" fmla="*/ 365760 h 1835467"/>
-                    <a:gd name="connsiteX2" fmla="*/ 126683 w 1414462"/>
-                    <a:gd name="connsiteY2" fmla="*/ 1798320 h 1835467"/>
-                    <a:gd name="connsiteX3" fmla="*/ 0 w 1414462"/>
-                    <a:gd name="connsiteY3" fmla="*/ 1747838 h 1835467"/>
-                    <a:gd name="connsiteX4" fmla="*/ 687705 w 1414462"/>
-                    <a:gd name="connsiteY4" fmla="*/ 0 h 1835467"/>
-                    <a:gd name="connsiteX5" fmla="*/ 1414463 w 1414462"/>
-                    <a:gd name="connsiteY5" fmla="*/ 1784985 h 1835467"/>
-                  </a:gdLst>
-                  <a:ahLst/>
-                  <a:cxnLst>
-                    <a:cxn ang="0">
-                      <a:pos x="connsiteX0" y="connsiteY0"/>
-                    </a:cxn>
-                    <a:cxn ang="0">
-                      <a:pos x="connsiteX1" y="connsiteY1"/>
-                    </a:cxn>
-                    <a:cxn ang="0">
-                      <a:pos x="connsiteX2" y="connsiteY2"/>
-                    </a:cxn>
-                    <a:cxn ang="0">
-                      <a:pos x="connsiteX3" y="connsiteY3"/>
-                    </a:cxn>
-                    <a:cxn ang="0">
-                      <a:pos x="connsiteX4" y="connsiteY4"/>
-                    </a:cxn>
-                    <a:cxn ang="0">
-                      <a:pos x="connsiteX5" y="connsiteY5"/>
-                    </a:cxn>
-                  </a:cxnLst>
-                  <a:rect l="l" t="t" r="r" b="b"/>
-                  <a:pathLst>
-                    <a:path w="1414462" h="1835467">
-                      <a:moveTo>
-                        <a:pt x="1288732" y="1835468"/>
-                      </a:moveTo>
-                      <a:lnTo>
-                        <a:pt x="689610" y="365760"/>
-                      </a:lnTo>
-                      <a:lnTo>
-                        <a:pt x="126683" y="1798320"/>
-                      </a:lnTo>
-                      <a:lnTo>
-                        <a:pt x="0" y="1747838"/>
-                      </a:lnTo>
-                      <a:lnTo>
-                        <a:pt x="687705" y="0"/>
-                      </a:lnTo>
-                      <a:lnTo>
-                        <a:pt x="1414463" y="1784985"/>
-                      </a:lnTo>
-                      <a:close/>
-                    </a:path>
-                  </a:pathLst>
-                </a:custGeom>
-                <a:grpFill/>
-                <a:ln w="9525" cap="flat">
-                  <a:noFill/>
-                  <a:prstDash val="solid"/>
-                  <a:miter/>
-                </a:ln>
-              </p:spPr>
-              <p:txBody>
-                <a:bodyPr rtlCol="0" anchor="ctr"/>
-                <a:lstStyle/>
-                <a:p>
-                  <a:pPr algn="r"/>
-                  <a:endParaRPr lang="en-US">
-                    <a:solidFill>
-                      <a:schemeClr val="bg1"/>
-                    </a:solidFill>
-                  </a:endParaRPr>
-                </a:p>
-              </p:txBody>
-            </p:sp>
-            <p:grpSp>
-              <p:nvGrpSpPr>
-                <p:cNvPr id="30" name="Graphic 1">
-                  <a:extLst>
-                    <a:ext uri="{FF2B5EF4-FFF2-40B4-BE49-F238E27FC236}">
-                      <a16:creationId xmlns:a16="http://schemas.microsoft.com/office/drawing/2014/main" id="{654B8B42-5803-41D1-913F-6C301EAD336B}"/>
-                    </a:ext>
-                  </a:extLst>
-                </p:cNvPr>
-                <p:cNvGrpSpPr/>
-                <p:nvPr/>
-              </p:nvGrpSpPr>
-              <p:grpSpPr>
-                <a:xfrm>
-                  <a:off x="3416617" y="2615564"/>
-                  <a:ext cx="7322820" cy="1697354"/>
-                  <a:chOff x="3416617" y="2615564"/>
-                  <a:chExt cx="7322820" cy="1697354"/>
-                </a:xfrm>
-                <a:grpFill/>
-              </p:grpSpPr>
-              <p:sp>
-                <p:nvSpPr>
-                  <p:cNvPr id="31" name="Freeform: Shape 30">
-                    <a:extLst>
-                      <a:ext uri="{FF2B5EF4-FFF2-40B4-BE49-F238E27FC236}">
-                        <a16:creationId xmlns:a16="http://schemas.microsoft.com/office/drawing/2014/main" id="{91BD0B22-2415-4008-BFAE-7EE8BEC602DA}"/>
-                      </a:ext>
-                    </a:extLst>
-                  </p:cNvPr>
-                  <p:cNvSpPr/>
-                  <p:nvPr/>
-                </p:nvSpPr>
-                <p:spPr>
-                  <a:xfrm>
-                    <a:off x="3416617" y="2615564"/>
-                    <a:ext cx="815339" cy="1697354"/>
-                  </a:xfrm>
-                  <a:custGeom>
-                    <a:avLst/>
-                    <a:gdLst>
-                      <a:gd name="connsiteX0" fmla="*/ 815340 w 815339"/>
-                      <a:gd name="connsiteY0" fmla="*/ 1697355 h 1697354"/>
-                      <a:gd name="connsiteX1" fmla="*/ 0 w 815339"/>
-                      <a:gd name="connsiteY1" fmla="*/ 1697355 h 1697354"/>
-                      <a:gd name="connsiteX2" fmla="*/ 37147 w 815339"/>
-                      <a:gd name="connsiteY2" fmla="*/ 0 h 1697354"/>
-                      <a:gd name="connsiteX3" fmla="*/ 172402 w 815339"/>
-                      <a:gd name="connsiteY3" fmla="*/ 3810 h 1697354"/>
-                      <a:gd name="connsiteX4" fmla="*/ 139065 w 815339"/>
-                      <a:gd name="connsiteY4" fmla="*/ 1561148 h 1697354"/>
-                      <a:gd name="connsiteX5" fmla="*/ 815340 w 815339"/>
-                      <a:gd name="connsiteY5" fmla="*/ 1561148 h 1697354"/>
-                    </a:gdLst>
-                    <a:ahLst/>
-                    <a:cxnLst>
-                      <a:cxn ang="0">
-                        <a:pos x="connsiteX0" y="connsiteY0"/>
-                      </a:cxn>
-                      <a:cxn ang="0">
-                        <a:pos x="connsiteX1" y="connsiteY1"/>
-                      </a:cxn>
-                      <a:cxn ang="0">
-                        <a:pos x="connsiteX2" y="connsiteY2"/>
-                      </a:cxn>
-                      <a:cxn ang="0">
-                        <a:pos x="connsiteX3" y="connsiteY3"/>
-                      </a:cxn>
-                      <a:cxn ang="0">
-                        <a:pos x="connsiteX4" y="connsiteY4"/>
-                      </a:cxn>
-                      <a:cxn ang="0">
-                        <a:pos x="connsiteX5" y="connsiteY5"/>
-                      </a:cxn>
-                    </a:cxnLst>
-                    <a:rect l="l" t="t" r="r" b="b"/>
-                    <a:pathLst>
-                      <a:path w="815339" h="1697354">
-                        <a:moveTo>
-                          <a:pt x="815340" y="1697355"/>
-                        </a:moveTo>
-                        <a:lnTo>
-                          <a:pt x="0" y="1697355"/>
-                        </a:lnTo>
-                        <a:lnTo>
-                          <a:pt x="37147" y="0"/>
-                        </a:lnTo>
-                        <a:lnTo>
-                          <a:pt x="172402" y="3810"/>
-                        </a:lnTo>
-                        <a:lnTo>
-                          <a:pt x="139065" y="1561148"/>
-                        </a:lnTo>
-                        <a:lnTo>
-                          <a:pt x="815340" y="1561148"/>
-                        </a:lnTo>
-                        <a:close/>
-                      </a:path>
-                    </a:pathLst>
-                  </a:custGeom>
-                  <a:grpFill/>
-                  <a:ln w="9525" cap="flat">
-                    <a:noFill/>
-                    <a:prstDash val="solid"/>
-                    <a:miter/>
-                  </a:ln>
-                </p:spPr>
-                <p:txBody>
-                  <a:bodyPr rtlCol="0" anchor="ctr"/>
-                  <a:lstStyle/>
-                  <a:p>
-                    <a:pPr algn="r"/>
-                    <a:endParaRPr lang="en-US">
-                      <a:solidFill>
-                        <a:schemeClr val="bg1"/>
-                      </a:solidFill>
-                    </a:endParaRPr>
-                  </a:p>
-                </p:txBody>
-              </p:sp>
-              <p:grpSp>
-                <p:nvGrpSpPr>
-                  <p:cNvPr id="32" name="Graphic 1">
-                    <a:extLst>
-                      <a:ext uri="{FF2B5EF4-FFF2-40B4-BE49-F238E27FC236}">
-                        <a16:creationId xmlns:a16="http://schemas.microsoft.com/office/drawing/2014/main" id="{654B8B42-5803-41D1-913F-6C301EAD336B}"/>
-                      </a:ext>
-                    </a:extLst>
-                  </p:cNvPr>
-                  <p:cNvGrpSpPr/>
-                  <p:nvPr/>
-                </p:nvGrpSpPr>
-                <p:grpSpPr>
-                  <a:xfrm>
-                    <a:off x="4501515" y="2615564"/>
-                    <a:ext cx="6237922" cy="1697354"/>
-                    <a:chOff x="4501515" y="2615564"/>
-                    <a:chExt cx="6237922" cy="1697354"/>
-                  </a:xfrm>
-                  <a:grpFill/>
-                </p:grpSpPr>
-                <p:sp>
-                  <p:nvSpPr>
-                    <p:cNvPr id="33" name="Freeform: Shape 32">
-                      <a:extLst>
-                        <a:ext uri="{FF2B5EF4-FFF2-40B4-BE49-F238E27FC236}">
-                          <a16:creationId xmlns:a16="http://schemas.microsoft.com/office/drawing/2014/main" id="{3B10E363-7F63-4F0C-B916-6CF34FC8F53D}"/>
-                        </a:ext>
-                      </a:extLst>
-                    </p:cNvPr>
-                    <p:cNvSpPr/>
-                    <p:nvPr/>
-                  </p:nvSpPr>
-                  <p:spPr>
-                    <a:xfrm>
-                      <a:off x="4501515" y="2615564"/>
-                      <a:ext cx="882967" cy="1697354"/>
-                    </a:xfrm>
-                    <a:custGeom>
-                      <a:avLst/>
-                      <a:gdLst>
-                        <a:gd name="connsiteX0" fmla="*/ 882967 w 882967"/>
-                        <a:gd name="connsiteY0" fmla="*/ 1697355 h 1697354"/>
-                        <a:gd name="connsiteX1" fmla="*/ 0 w 882967"/>
-                        <a:gd name="connsiteY1" fmla="*/ 1697355 h 1697354"/>
-                        <a:gd name="connsiteX2" fmla="*/ 40005 w 882967"/>
-                        <a:gd name="connsiteY2" fmla="*/ 0 h 1697354"/>
-                        <a:gd name="connsiteX3" fmla="*/ 175260 w 882967"/>
-                        <a:gd name="connsiteY3" fmla="*/ 3810 h 1697354"/>
-                        <a:gd name="connsiteX4" fmla="*/ 138113 w 882967"/>
-                        <a:gd name="connsiteY4" fmla="*/ 1561148 h 1697354"/>
-                        <a:gd name="connsiteX5" fmla="*/ 882967 w 882967"/>
-                        <a:gd name="connsiteY5" fmla="*/ 1561148 h 1697354"/>
-                      </a:gdLst>
-                      <a:ahLst/>
-                      <a:cxnLst>
-                        <a:cxn ang="0">
-                          <a:pos x="connsiteX0" y="connsiteY0"/>
-                        </a:cxn>
-                        <a:cxn ang="0">
-                          <a:pos x="connsiteX1" y="connsiteY1"/>
-                        </a:cxn>
-                        <a:cxn ang="0">
-                          <a:pos x="connsiteX2" y="connsiteY2"/>
-                        </a:cxn>
-                        <a:cxn ang="0">
-                          <a:pos x="connsiteX3" y="connsiteY3"/>
-                        </a:cxn>
-                        <a:cxn ang="0">
-                          <a:pos x="connsiteX4" y="connsiteY4"/>
-                        </a:cxn>
-                        <a:cxn ang="0">
-                          <a:pos x="connsiteX5" y="connsiteY5"/>
-                        </a:cxn>
-                      </a:cxnLst>
-                      <a:rect l="l" t="t" r="r" b="b"/>
-                      <a:pathLst>
-                        <a:path w="882967" h="1697354">
-                          <a:moveTo>
-                            <a:pt x="882967" y="1697355"/>
-                          </a:moveTo>
-                          <a:lnTo>
-                            <a:pt x="0" y="1697355"/>
-                          </a:lnTo>
-                          <a:lnTo>
-                            <a:pt x="40005" y="0"/>
-                          </a:lnTo>
-                          <a:lnTo>
-                            <a:pt x="175260" y="3810"/>
-                          </a:lnTo>
-                          <a:lnTo>
-                            <a:pt x="138113" y="1561148"/>
-                          </a:lnTo>
-                          <a:lnTo>
-                            <a:pt x="882967" y="1561148"/>
-                          </a:lnTo>
-                          <a:close/>
-                        </a:path>
-                      </a:pathLst>
-                    </a:custGeom>
-                    <a:grpFill/>
-                    <a:ln w="9525" cap="flat">
-                      <a:noFill/>
-                      <a:prstDash val="solid"/>
-                      <a:miter/>
-                    </a:ln>
-                  </p:spPr>
-                  <p:txBody>
-                    <a:bodyPr rtlCol="0" anchor="ctr"/>
-                    <a:lstStyle/>
-                    <a:p>
-                      <a:pPr algn="r"/>
-                      <a:endParaRPr lang="en-US">
-                        <a:solidFill>
-                          <a:schemeClr val="bg1"/>
-                        </a:solidFill>
-                      </a:endParaRPr>
-                    </a:p>
-                  </p:txBody>
-                </p:sp>
-                <p:sp>
-                  <p:nvSpPr>
-                    <p:cNvPr id="34" name="Freeform: Shape 33">
-                      <a:extLst>
-                        <a:ext uri="{FF2B5EF4-FFF2-40B4-BE49-F238E27FC236}">
-                          <a16:creationId xmlns:a16="http://schemas.microsoft.com/office/drawing/2014/main" id="{078E0373-37EF-469E-89D2-6214E7756EC3}"/>
-                        </a:ext>
-                      </a:extLst>
-                    </p:cNvPr>
-                    <p:cNvSpPr/>
-                    <p:nvPr/>
-                  </p:nvSpPr>
-                  <p:spPr>
-                    <a:xfrm>
-                      <a:off x="9180194" y="3837621"/>
-                      <a:ext cx="1559242" cy="407670"/>
-                    </a:xfrm>
-                    <a:custGeom>
-                      <a:avLst/>
-                      <a:gdLst>
-                        <a:gd name="connsiteX0" fmla="*/ 0 w 1559242"/>
-                        <a:gd name="connsiteY0" fmla="*/ 324803 h 407670"/>
-                        <a:gd name="connsiteX1" fmla="*/ 88582 w 1559242"/>
-                        <a:gd name="connsiteY1" fmla="*/ 324803 h 407670"/>
-                        <a:gd name="connsiteX2" fmla="*/ 88582 w 1559242"/>
-                        <a:gd name="connsiteY2" fmla="*/ 400050 h 407670"/>
-                        <a:gd name="connsiteX3" fmla="*/ 0 w 1559242"/>
-                        <a:gd name="connsiteY3" fmla="*/ 400050 h 407670"/>
-                        <a:gd name="connsiteX4" fmla="*/ 0 w 1559242"/>
-                        <a:gd name="connsiteY4" fmla="*/ 324803 h 407670"/>
-                        <a:gd name="connsiteX5" fmla="*/ 0 w 1559242"/>
-                        <a:gd name="connsiteY5" fmla="*/ 324803 h 407670"/>
-                        <a:gd name="connsiteX6" fmla="*/ 851535 w 1559242"/>
-                        <a:gd name="connsiteY6" fmla="*/ 68580 h 407670"/>
-                        <a:gd name="connsiteX7" fmla="*/ 758190 w 1559242"/>
-                        <a:gd name="connsiteY7" fmla="*/ 101918 h 407670"/>
-                        <a:gd name="connsiteX8" fmla="*/ 722947 w 1559242"/>
-                        <a:gd name="connsiteY8" fmla="*/ 203835 h 407670"/>
-                        <a:gd name="connsiteX9" fmla="*/ 759143 w 1559242"/>
-                        <a:gd name="connsiteY9" fmla="*/ 304800 h 407670"/>
-                        <a:gd name="connsiteX10" fmla="*/ 851535 w 1559242"/>
-                        <a:gd name="connsiteY10" fmla="*/ 339090 h 407670"/>
-                        <a:gd name="connsiteX11" fmla="*/ 942976 w 1559242"/>
-                        <a:gd name="connsiteY11" fmla="*/ 304800 h 407670"/>
-                        <a:gd name="connsiteX12" fmla="*/ 979170 w 1559242"/>
-                        <a:gd name="connsiteY12" fmla="*/ 201930 h 407670"/>
-                        <a:gd name="connsiteX13" fmla="*/ 943928 w 1559242"/>
-                        <a:gd name="connsiteY13" fmla="*/ 100965 h 407670"/>
-                        <a:gd name="connsiteX14" fmla="*/ 851535 w 1559242"/>
-                        <a:gd name="connsiteY14" fmla="*/ 68580 h 407670"/>
-                        <a:gd name="connsiteX15" fmla="*/ 851535 w 1559242"/>
-                        <a:gd name="connsiteY15" fmla="*/ 68580 h 407670"/>
-                        <a:gd name="connsiteX16" fmla="*/ 1113472 w 1559242"/>
-                        <a:gd name="connsiteY16" fmla="*/ 6668 h 407670"/>
-                        <a:gd name="connsiteX17" fmla="*/ 1252538 w 1559242"/>
-                        <a:gd name="connsiteY17" fmla="*/ 6668 h 407670"/>
-                        <a:gd name="connsiteX18" fmla="*/ 1336357 w 1559242"/>
-                        <a:gd name="connsiteY18" fmla="*/ 275273 h 407670"/>
-                        <a:gd name="connsiteX19" fmla="*/ 1419226 w 1559242"/>
-                        <a:gd name="connsiteY19" fmla="*/ 6668 h 407670"/>
-                        <a:gd name="connsiteX20" fmla="*/ 1559243 w 1559242"/>
-                        <a:gd name="connsiteY20" fmla="*/ 6668 h 407670"/>
-                        <a:gd name="connsiteX21" fmla="*/ 1559243 w 1559242"/>
-                        <a:gd name="connsiteY21" fmla="*/ 400050 h 407670"/>
-                        <a:gd name="connsiteX22" fmla="*/ 1472565 w 1559242"/>
-                        <a:gd name="connsiteY22" fmla="*/ 400050 h 407670"/>
-                        <a:gd name="connsiteX23" fmla="*/ 1472565 w 1559242"/>
-                        <a:gd name="connsiteY23" fmla="*/ 90488 h 407670"/>
-                        <a:gd name="connsiteX24" fmla="*/ 1381126 w 1559242"/>
-                        <a:gd name="connsiteY24" fmla="*/ 400050 h 407670"/>
-                        <a:gd name="connsiteX25" fmla="*/ 1291590 w 1559242"/>
-                        <a:gd name="connsiteY25" fmla="*/ 400050 h 407670"/>
-                        <a:gd name="connsiteX26" fmla="*/ 1200151 w 1559242"/>
-                        <a:gd name="connsiteY26" fmla="*/ 90488 h 407670"/>
-                        <a:gd name="connsiteX27" fmla="*/ 1200151 w 1559242"/>
-                        <a:gd name="connsiteY27" fmla="*/ 400050 h 407670"/>
-                        <a:gd name="connsiteX28" fmla="*/ 1113472 w 1559242"/>
-                        <a:gd name="connsiteY28" fmla="*/ 400050 h 407670"/>
-                        <a:gd name="connsiteX29" fmla="*/ 1113472 w 1559242"/>
-                        <a:gd name="connsiteY29" fmla="*/ 6668 h 407670"/>
-                        <a:gd name="connsiteX30" fmla="*/ 1113472 w 1559242"/>
-                        <a:gd name="connsiteY30" fmla="*/ 6668 h 407670"/>
-                        <a:gd name="connsiteX31" fmla="*/ 850582 w 1559242"/>
-                        <a:gd name="connsiteY31" fmla="*/ 0 h 407670"/>
-                        <a:gd name="connsiteX32" fmla="*/ 1013460 w 1559242"/>
-                        <a:gd name="connsiteY32" fmla="*/ 54293 h 407670"/>
-                        <a:gd name="connsiteX33" fmla="*/ 1074420 w 1559242"/>
-                        <a:gd name="connsiteY33" fmla="*/ 203835 h 407670"/>
-                        <a:gd name="connsiteX34" fmla="*/ 1013460 w 1559242"/>
-                        <a:gd name="connsiteY34" fmla="*/ 352425 h 407670"/>
-                        <a:gd name="connsiteX35" fmla="*/ 850582 w 1559242"/>
-                        <a:gd name="connsiteY35" fmla="*/ 405765 h 407670"/>
-                        <a:gd name="connsiteX36" fmla="*/ 686753 w 1559242"/>
-                        <a:gd name="connsiteY36" fmla="*/ 352425 h 407670"/>
-                        <a:gd name="connsiteX37" fmla="*/ 625793 w 1559242"/>
-                        <a:gd name="connsiteY37" fmla="*/ 204788 h 407670"/>
-                        <a:gd name="connsiteX38" fmla="*/ 646747 w 1559242"/>
-                        <a:gd name="connsiteY38" fmla="*/ 103823 h 407670"/>
-                        <a:gd name="connsiteX39" fmla="*/ 689610 w 1559242"/>
-                        <a:gd name="connsiteY39" fmla="*/ 49530 h 407670"/>
-                        <a:gd name="connsiteX40" fmla="*/ 749618 w 1559242"/>
-                        <a:gd name="connsiteY40" fmla="*/ 14288 h 407670"/>
-                        <a:gd name="connsiteX41" fmla="*/ 850582 w 1559242"/>
-                        <a:gd name="connsiteY41" fmla="*/ 0 h 407670"/>
-                        <a:gd name="connsiteX42" fmla="*/ 850582 w 1559242"/>
-                        <a:gd name="connsiteY42" fmla="*/ 0 h 407670"/>
-                        <a:gd name="connsiteX43" fmla="*/ 376238 w 1559242"/>
-                        <a:gd name="connsiteY43" fmla="*/ 0 h 407670"/>
-                        <a:gd name="connsiteX44" fmla="*/ 513398 w 1559242"/>
-                        <a:gd name="connsiteY44" fmla="*/ 42863 h 407670"/>
-                        <a:gd name="connsiteX45" fmla="*/ 561023 w 1559242"/>
-                        <a:gd name="connsiteY45" fmla="*/ 115253 h 407670"/>
-                        <a:gd name="connsiteX46" fmla="*/ 468630 w 1559242"/>
-                        <a:gd name="connsiteY46" fmla="*/ 134303 h 407670"/>
-                        <a:gd name="connsiteX47" fmla="*/ 434340 w 1559242"/>
-                        <a:gd name="connsiteY47" fmla="*/ 85725 h 407670"/>
-                        <a:gd name="connsiteX48" fmla="*/ 371475 w 1559242"/>
-                        <a:gd name="connsiteY48" fmla="*/ 67628 h 407670"/>
-                        <a:gd name="connsiteX49" fmla="*/ 288607 w 1559242"/>
-                        <a:gd name="connsiteY49" fmla="*/ 99060 h 407670"/>
-                        <a:gd name="connsiteX50" fmla="*/ 256223 w 1559242"/>
-                        <a:gd name="connsiteY50" fmla="*/ 200978 h 407670"/>
-                        <a:gd name="connsiteX51" fmla="*/ 287655 w 1559242"/>
-                        <a:gd name="connsiteY51" fmla="*/ 307658 h 407670"/>
-                        <a:gd name="connsiteX52" fmla="*/ 369570 w 1559242"/>
-                        <a:gd name="connsiteY52" fmla="*/ 339090 h 407670"/>
-                        <a:gd name="connsiteX53" fmla="*/ 433388 w 1559242"/>
-                        <a:gd name="connsiteY53" fmla="*/ 319088 h 407670"/>
-                        <a:gd name="connsiteX54" fmla="*/ 471488 w 1559242"/>
-                        <a:gd name="connsiteY54" fmla="*/ 256223 h 407670"/>
-                        <a:gd name="connsiteX55" fmla="*/ 561975 w 1559242"/>
-                        <a:gd name="connsiteY55" fmla="*/ 280988 h 407670"/>
-                        <a:gd name="connsiteX56" fmla="*/ 492443 w 1559242"/>
-                        <a:gd name="connsiteY56" fmla="*/ 376238 h 407670"/>
-                        <a:gd name="connsiteX57" fmla="*/ 369570 w 1559242"/>
-                        <a:gd name="connsiteY57" fmla="*/ 407670 h 407670"/>
-                        <a:gd name="connsiteX58" fmla="*/ 218123 w 1559242"/>
-                        <a:gd name="connsiteY58" fmla="*/ 354330 h 407670"/>
-                        <a:gd name="connsiteX59" fmla="*/ 159068 w 1559242"/>
-                        <a:gd name="connsiteY59" fmla="*/ 207645 h 407670"/>
-                        <a:gd name="connsiteX60" fmla="*/ 218123 w 1559242"/>
-                        <a:gd name="connsiteY60" fmla="*/ 55245 h 407670"/>
-                        <a:gd name="connsiteX61" fmla="*/ 376238 w 1559242"/>
-                        <a:gd name="connsiteY61" fmla="*/ 0 h 407670"/>
-                        <a:gd name="connsiteX62" fmla="*/ 376238 w 1559242"/>
-                        <a:gd name="connsiteY62" fmla="*/ 0 h 407670"/>
-                      </a:gdLst>
-                      <a:ahLst/>
-                      <a:cxnLst>
-                        <a:cxn ang="0">
-                          <a:pos x="connsiteX0" y="connsiteY0"/>
-                        </a:cxn>
-                        <a:cxn ang="0">
-                          <a:pos x="connsiteX1" y="connsiteY1"/>
-                        </a:cxn>
-                        <a:cxn ang="0">
-                          <a:pos x="connsiteX2" y="connsiteY2"/>
-                        </a:cxn>
-                        <a:cxn ang="0">
-                          <a:pos x="connsiteX3" y="connsiteY3"/>
-                        </a:cxn>
-                        <a:cxn ang="0">
-                          <a:pos x="connsiteX4" y="connsiteY4"/>
-                        </a:cxn>
-                        <a:cxn ang="0">
-                          <a:pos x="connsiteX5" y="connsiteY5"/>
-                        </a:cxn>
-                        <a:cxn ang="0">
-                          <a:pos x="connsiteX6" y="connsiteY6"/>
-                        </a:cxn>
-                        <a:cxn ang="0">
-                          <a:pos x="connsiteX7" y="connsiteY7"/>
-                        </a:cxn>
-                        <a:cxn ang="0">
-                          <a:pos x="connsiteX8" y="connsiteY8"/>
-                        </a:cxn>
-                        <a:cxn ang="0">
-                          <a:pos x="connsiteX9" y="connsiteY9"/>
-                        </a:cxn>
-                        <a:cxn ang="0">
-                          <a:pos x="connsiteX10" y="connsiteY10"/>
-                        </a:cxn>
-                        <a:cxn ang="0">
-                          <a:pos x="connsiteX11" y="connsiteY11"/>
-                        </a:cxn>
-                        <a:cxn ang="0">
-                          <a:pos x="connsiteX12" y="connsiteY12"/>
-                        </a:cxn>
-                        <a:cxn ang="0">
-                          <a:pos x="connsiteX13" y="connsiteY13"/>
-                        </a:cxn>
-                        <a:cxn ang="0">
-                          <a:pos x="connsiteX14" y="connsiteY14"/>
-                        </a:cxn>
-                        <a:cxn ang="0">
-                          <a:pos x="connsiteX15" y="connsiteY15"/>
-                        </a:cxn>
-                        <a:cxn ang="0">
-                          <a:pos x="connsiteX16" y="connsiteY16"/>
-                        </a:cxn>
-                        <a:cxn ang="0">
-                          <a:pos x="connsiteX17" y="connsiteY17"/>
-                        </a:cxn>
-                        <a:cxn ang="0">
-                          <a:pos x="connsiteX18" y="connsiteY18"/>
-                        </a:cxn>
-                        <a:cxn ang="0">
-                          <a:pos x="connsiteX19" y="connsiteY19"/>
-                        </a:cxn>
-                        <a:cxn ang="0">
-                          <a:pos x="connsiteX20" y="connsiteY20"/>
-                        </a:cxn>
-                        <a:cxn ang="0">
-                          <a:pos x="connsiteX21" y="connsiteY21"/>
-                        </a:cxn>
-                        <a:cxn ang="0">
-                          <a:pos x="connsiteX22" y="connsiteY22"/>
-                        </a:cxn>
-                        <a:cxn ang="0">
-                          <a:pos x="connsiteX23" y="connsiteY23"/>
-                        </a:cxn>
-                        <a:cxn ang="0">
-                          <a:pos x="connsiteX24" y="connsiteY24"/>
-                        </a:cxn>
-                        <a:cxn ang="0">
-                          <a:pos x="connsiteX25" y="connsiteY25"/>
-                        </a:cxn>
-                        <a:cxn ang="0">
-                          <a:pos x="connsiteX26" y="connsiteY26"/>
-                        </a:cxn>
-                        <a:cxn ang="0">
-                          <a:pos x="connsiteX27" y="connsiteY27"/>
-                        </a:cxn>
-                        <a:cxn ang="0">
-                          <a:pos x="connsiteX28" y="connsiteY28"/>
-                        </a:cxn>
-                        <a:cxn ang="0">
-                          <a:pos x="connsiteX29" y="connsiteY29"/>
-                        </a:cxn>
-                        <a:cxn ang="0">
-                          <a:pos x="connsiteX30" y="connsiteY30"/>
-                        </a:cxn>
-                        <a:cxn ang="0">
-                          <a:pos x="connsiteX31" y="connsiteY31"/>
-                        </a:cxn>
-                        <a:cxn ang="0">
-                          <a:pos x="connsiteX32" y="connsiteY32"/>
-                        </a:cxn>
-                        <a:cxn ang="0">
-                          <a:pos x="connsiteX33" y="connsiteY33"/>
-                        </a:cxn>
-                        <a:cxn ang="0">
-                          <a:pos x="connsiteX34" y="connsiteY34"/>
-                        </a:cxn>
-                        <a:cxn ang="0">
-                          <a:pos x="connsiteX35" y="connsiteY35"/>
-                        </a:cxn>
-                        <a:cxn ang="0">
-                          <a:pos x="connsiteX36" y="connsiteY36"/>
-                        </a:cxn>
-                        <a:cxn ang="0">
-                          <a:pos x="connsiteX37" y="connsiteY37"/>
-                        </a:cxn>
-                        <a:cxn ang="0">
-                          <a:pos x="connsiteX38" y="connsiteY38"/>
-                        </a:cxn>
-                        <a:cxn ang="0">
-                          <a:pos x="connsiteX39" y="connsiteY39"/>
-                        </a:cxn>
-                        <a:cxn ang="0">
-                          <a:pos x="connsiteX40" y="connsiteY40"/>
-                        </a:cxn>
-                        <a:cxn ang="0">
-                          <a:pos x="connsiteX41" y="connsiteY41"/>
-                        </a:cxn>
-                        <a:cxn ang="0">
-                          <a:pos x="connsiteX42" y="connsiteY42"/>
-                        </a:cxn>
-                        <a:cxn ang="0">
-                          <a:pos x="connsiteX43" y="connsiteY43"/>
-                        </a:cxn>
-                        <a:cxn ang="0">
-                          <a:pos x="connsiteX44" y="connsiteY44"/>
-                        </a:cxn>
-                        <a:cxn ang="0">
-                          <a:pos x="connsiteX45" y="connsiteY45"/>
-                        </a:cxn>
-                        <a:cxn ang="0">
-                          <a:pos x="connsiteX46" y="connsiteY46"/>
-                        </a:cxn>
-                        <a:cxn ang="0">
-                          <a:pos x="connsiteX47" y="connsiteY47"/>
-                        </a:cxn>
-                        <a:cxn ang="0">
-                          <a:pos x="connsiteX48" y="connsiteY48"/>
-                        </a:cxn>
-                        <a:cxn ang="0">
-                          <a:pos x="connsiteX49" y="connsiteY49"/>
-                        </a:cxn>
-                        <a:cxn ang="0">
-                          <a:pos x="connsiteX50" y="connsiteY50"/>
-                        </a:cxn>
-                        <a:cxn ang="0">
-                          <a:pos x="connsiteX51" y="connsiteY51"/>
-                        </a:cxn>
-                        <a:cxn ang="0">
-                          <a:pos x="connsiteX52" y="connsiteY52"/>
-                        </a:cxn>
-                        <a:cxn ang="0">
-                          <a:pos x="connsiteX53" y="connsiteY53"/>
-                        </a:cxn>
-                        <a:cxn ang="0">
-                          <a:pos x="connsiteX54" y="connsiteY54"/>
-                        </a:cxn>
-                        <a:cxn ang="0">
-                          <a:pos x="connsiteX55" y="connsiteY55"/>
-                        </a:cxn>
-                        <a:cxn ang="0">
-                          <a:pos x="connsiteX56" y="connsiteY56"/>
-                        </a:cxn>
-                        <a:cxn ang="0">
-                          <a:pos x="connsiteX57" y="connsiteY57"/>
-                        </a:cxn>
-                        <a:cxn ang="0">
-                          <a:pos x="connsiteX58" y="connsiteY58"/>
-                        </a:cxn>
-                        <a:cxn ang="0">
-                          <a:pos x="connsiteX59" y="connsiteY59"/>
-                        </a:cxn>
-                        <a:cxn ang="0">
-                          <a:pos x="connsiteX60" y="connsiteY60"/>
-                        </a:cxn>
-                        <a:cxn ang="0">
-                          <a:pos x="connsiteX61" y="connsiteY61"/>
-                        </a:cxn>
-                        <a:cxn ang="0">
-                          <a:pos x="connsiteX62" y="connsiteY62"/>
-                        </a:cxn>
-                      </a:cxnLst>
-                      <a:rect l="l" t="t" r="r" b="b"/>
-                      <a:pathLst>
-                        <a:path w="1559242" h="407670">
-                          <a:moveTo>
-                            <a:pt x="0" y="324803"/>
-                          </a:moveTo>
-                          <a:lnTo>
-                            <a:pt x="88582" y="324803"/>
-                          </a:lnTo>
-                          <a:lnTo>
-                            <a:pt x="88582" y="400050"/>
-                          </a:lnTo>
-                          <a:lnTo>
-                            <a:pt x="0" y="400050"/>
-                          </a:lnTo>
-                          <a:lnTo>
-                            <a:pt x="0" y="324803"/>
-                          </a:lnTo>
-                          <a:lnTo>
-                            <a:pt x="0" y="324803"/>
-                          </a:lnTo>
-                          <a:close/>
-                          <a:moveTo>
-                            <a:pt x="851535" y="68580"/>
-                          </a:moveTo>
-                          <a:cubicBezTo>
-                            <a:pt x="813435" y="68580"/>
-                            <a:pt x="782003" y="80010"/>
-                            <a:pt x="758190" y="101918"/>
-                          </a:cubicBezTo>
-                          <a:cubicBezTo>
-                            <a:pt x="734378" y="124778"/>
-                            <a:pt x="722947" y="158115"/>
-                            <a:pt x="722947" y="203835"/>
-                          </a:cubicBezTo>
-                          <a:cubicBezTo>
-                            <a:pt x="722947" y="248603"/>
-                            <a:pt x="735330" y="281940"/>
-                            <a:pt x="759143" y="304800"/>
-                          </a:cubicBezTo>
-                          <a:cubicBezTo>
-                            <a:pt x="782955" y="327660"/>
-                            <a:pt x="814388" y="339090"/>
-                            <a:pt x="851535" y="339090"/>
-                          </a:cubicBezTo>
-                          <a:cubicBezTo>
-                            <a:pt x="888682" y="339090"/>
-                            <a:pt x="919163" y="327660"/>
-                            <a:pt x="942976" y="304800"/>
-                          </a:cubicBezTo>
-                          <a:cubicBezTo>
-                            <a:pt x="966788" y="281940"/>
-                            <a:pt x="979170" y="247650"/>
-                            <a:pt x="979170" y="201930"/>
-                          </a:cubicBezTo>
-                          <a:cubicBezTo>
-                            <a:pt x="979170" y="157163"/>
-                            <a:pt x="967740" y="122873"/>
-                            <a:pt x="943928" y="100965"/>
-                          </a:cubicBezTo>
-                          <a:cubicBezTo>
-                            <a:pt x="920115" y="79058"/>
-                            <a:pt x="889635" y="68580"/>
-                            <a:pt x="851535" y="68580"/>
-                          </a:cubicBezTo>
-                          <a:lnTo>
-                            <a:pt x="851535" y="68580"/>
-                          </a:lnTo>
-                          <a:close/>
-                          <a:moveTo>
-                            <a:pt x="1113472" y="6668"/>
-                          </a:moveTo>
-                          <a:lnTo>
-                            <a:pt x="1252538" y="6668"/>
-                          </a:lnTo>
-                          <a:lnTo>
-                            <a:pt x="1336357" y="275273"/>
-                          </a:lnTo>
-                          <a:lnTo>
-                            <a:pt x="1419226" y="6668"/>
-                          </a:lnTo>
-                          <a:lnTo>
-                            <a:pt x="1559243" y="6668"/>
-                          </a:lnTo>
-                          <a:lnTo>
-                            <a:pt x="1559243" y="400050"/>
-                          </a:lnTo>
-                          <a:lnTo>
-                            <a:pt x="1472565" y="400050"/>
-                          </a:lnTo>
-                          <a:lnTo>
-                            <a:pt x="1472565" y="90488"/>
-                          </a:lnTo>
-                          <a:lnTo>
-                            <a:pt x="1381126" y="400050"/>
-                          </a:lnTo>
-                          <a:lnTo>
-                            <a:pt x="1291590" y="400050"/>
-                          </a:lnTo>
-                          <a:lnTo>
-                            <a:pt x="1200151" y="90488"/>
-                          </a:lnTo>
-                          <a:lnTo>
-                            <a:pt x="1200151" y="400050"/>
-                          </a:lnTo>
-                          <a:lnTo>
-                            <a:pt x="1113472" y="400050"/>
-                          </a:lnTo>
-                          <a:lnTo>
-                            <a:pt x="1113472" y="6668"/>
-                          </a:lnTo>
-                          <a:lnTo>
-                            <a:pt x="1113472" y="6668"/>
-                          </a:lnTo>
-                          <a:close/>
-                          <a:moveTo>
-                            <a:pt x="850582" y="0"/>
-                          </a:moveTo>
-                          <a:cubicBezTo>
-                            <a:pt x="918210" y="0"/>
-                            <a:pt x="973455" y="18098"/>
-                            <a:pt x="1013460" y="54293"/>
-                          </a:cubicBezTo>
-                          <a:cubicBezTo>
-                            <a:pt x="1054418" y="90488"/>
-                            <a:pt x="1074420" y="140018"/>
-                            <a:pt x="1074420" y="203835"/>
-                          </a:cubicBezTo>
-                          <a:cubicBezTo>
-                            <a:pt x="1074420" y="267653"/>
-                            <a:pt x="1054418" y="317183"/>
-                            <a:pt x="1013460" y="352425"/>
-                          </a:cubicBezTo>
-                          <a:cubicBezTo>
-                            <a:pt x="972503" y="388620"/>
-                            <a:pt x="919163" y="405765"/>
-                            <a:pt x="850582" y="405765"/>
-                          </a:cubicBezTo>
-                          <a:cubicBezTo>
-                            <a:pt x="782003" y="405765"/>
-                            <a:pt x="727710" y="387668"/>
-                            <a:pt x="686753" y="352425"/>
-                          </a:cubicBezTo>
-                          <a:cubicBezTo>
-                            <a:pt x="645795" y="317183"/>
-                            <a:pt x="625793" y="267653"/>
-                            <a:pt x="625793" y="204788"/>
-                          </a:cubicBezTo>
-                          <a:cubicBezTo>
-                            <a:pt x="625793" y="164783"/>
-                            <a:pt x="632460" y="131445"/>
-                            <a:pt x="646747" y="103823"/>
-                          </a:cubicBezTo>
-                          <a:cubicBezTo>
-                            <a:pt x="657226" y="83820"/>
-                            <a:pt x="671513" y="65723"/>
-                            <a:pt x="689610" y="49530"/>
-                          </a:cubicBezTo>
-                          <a:cubicBezTo>
-                            <a:pt x="707707" y="33338"/>
-                            <a:pt x="727710" y="21908"/>
-                            <a:pt x="749618" y="14288"/>
-                          </a:cubicBezTo>
-                          <a:cubicBezTo>
-                            <a:pt x="779145" y="5715"/>
-                            <a:pt x="812482" y="0"/>
-                            <a:pt x="850582" y="0"/>
-                          </a:cubicBezTo>
-                          <a:lnTo>
-                            <a:pt x="850582" y="0"/>
-                          </a:lnTo>
-                          <a:close/>
-                          <a:moveTo>
-                            <a:pt x="376238" y="0"/>
-                          </a:moveTo>
-                          <a:cubicBezTo>
-                            <a:pt x="432435" y="0"/>
-                            <a:pt x="478155" y="14288"/>
-                            <a:pt x="513398" y="42863"/>
-                          </a:cubicBezTo>
-                          <a:cubicBezTo>
-                            <a:pt x="534353" y="60008"/>
-                            <a:pt x="550545" y="83820"/>
-                            <a:pt x="561023" y="115253"/>
-                          </a:cubicBezTo>
-                          <a:lnTo>
-                            <a:pt x="468630" y="134303"/>
-                          </a:lnTo>
-                          <a:cubicBezTo>
-                            <a:pt x="462915" y="114300"/>
-                            <a:pt x="451485" y="98108"/>
-                            <a:pt x="434340" y="85725"/>
-                          </a:cubicBezTo>
-                          <a:cubicBezTo>
-                            <a:pt x="417195" y="74295"/>
-                            <a:pt x="396240" y="67628"/>
-                            <a:pt x="371475" y="67628"/>
-                          </a:cubicBezTo>
-                          <a:cubicBezTo>
-                            <a:pt x="337185" y="67628"/>
-                            <a:pt x="309563" y="78105"/>
-                            <a:pt x="288607" y="99060"/>
-                          </a:cubicBezTo>
-                          <a:cubicBezTo>
-                            <a:pt x="267653" y="120015"/>
-                            <a:pt x="256223" y="154305"/>
-                            <a:pt x="256223" y="200978"/>
-                          </a:cubicBezTo>
-                          <a:cubicBezTo>
-                            <a:pt x="256223" y="250508"/>
-                            <a:pt x="266700" y="285750"/>
-                            <a:pt x="287655" y="307658"/>
-                          </a:cubicBezTo>
-                          <a:cubicBezTo>
-                            <a:pt x="308610" y="328613"/>
-                            <a:pt x="336232" y="339090"/>
-                            <a:pt x="369570" y="339090"/>
-                          </a:cubicBezTo>
-                          <a:cubicBezTo>
-                            <a:pt x="394335" y="339090"/>
-                            <a:pt x="415290" y="332423"/>
-                            <a:pt x="433388" y="319088"/>
-                          </a:cubicBezTo>
-                          <a:cubicBezTo>
-                            <a:pt x="451485" y="305753"/>
-                            <a:pt x="463868" y="284798"/>
-                            <a:pt x="471488" y="256223"/>
-                          </a:cubicBezTo>
-                          <a:lnTo>
-                            <a:pt x="561975" y="280988"/>
-                          </a:lnTo>
-                          <a:cubicBezTo>
-                            <a:pt x="547688" y="323850"/>
-                            <a:pt x="524828" y="356235"/>
-                            <a:pt x="492443" y="376238"/>
-                          </a:cubicBezTo>
-                          <a:cubicBezTo>
-                            <a:pt x="460057" y="397193"/>
-                            <a:pt x="419100" y="407670"/>
-                            <a:pt x="369570" y="407670"/>
-                          </a:cubicBezTo>
-                          <a:cubicBezTo>
-                            <a:pt x="308610" y="407670"/>
-                            <a:pt x="258128" y="389573"/>
-                            <a:pt x="218123" y="354330"/>
-                          </a:cubicBezTo>
-                          <a:cubicBezTo>
-                            <a:pt x="179070" y="319088"/>
-                            <a:pt x="159068" y="269558"/>
-                            <a:pt x="159068" y="207645"/>
-                          </a:cubicBezTo>
-                          <a:cubicBezTo>
-                            <a:pt x="159068" y="141923"/>
-                            <a:pt x="179070" y="91440"/>
-                            <a:pt x="218123" y="55245"/>
-                          </a:cubicBezTo>
-                          <a:cubicBezTo>
-                            <a:pt x="257175" y="19050"/>
-                            <a:pt x="311468" y="0"/>
-                            <a:pt x="376238" y="0"/>
-                          </a:cubicBezTo>
-                          <a:lnTo>
-                            <a:pt x="376238" y="0"/>
-                          </a:lnTo>
-                          <a:close/>
-                        </a:path>
-                      </a:pathLst>
-                    </a:custGeom>
-                    <a:grpFill/>
-                    <a:ln w="9525" cap="flat">
-                      <a:noFill/>
-                      <a:prstDash val="solid"/>
-                      <a:miter/>
-                    </a:ln>
-                  </p:spPr>
-                  <p:txBody>
-                    <a:bodyPr rtlCol="0" anchor="ctr"/>
-                    <a:lstStyle/>
-                    <a:p>
-                      <a:pPr algn="r"/>
-                      <a:endParaRPr lang="en-US">
-                        <a:solidFill>
-                          <a:schemeClr val="bg1"/>
-                        </a:solidFill>
-                      </a:endParaRPr>
-                    </a:p>
-                  </p:txBody>
-                </p:sp>
-              </p:grpSp>
-            </p:grpSp>
-          </p:grpSp>
-        </p:grpSp>
-      </p:grpSp>
     </p:spTree>
     <p:extLst>
       <p:ext uri="{BB962C8B-B14F-4D97-AF65-F5344CB8AC3E}">
-        <p14:creationId xmlns:p14="http://schemas.microsoft.com/office/powerpoint/2010/main" val="1394297061"/>
+        <p14:creationId xmlns:p14="http://schemas.microsoft.com/office/powerpoint/2010/main" xmlns="" val="1394297061"/>
       </p:ext>
     </p:extLst>
   </p:cSld>
@@ -8002,7 +6218,7 @@
           <p:cNvPr id="2" name="Text Placeholder 1">
             <a:extLst>
               <a:ext uri="{FF2B5EF4-FFF2-40B4-BE49-F238E27FC236}">
-                <a16:creationId xmlns:a16="http://schemas.microsoft.com/office/drawing/2014/main" id="{10ED21B5-04EB-44E3-BE7F-61310886D987}"/>
+                <a16:creationId xmlns:a16="http://schemas.microsoft.com/office/drawing/2014/main" xmlns="" id="{10ED21B5-04EB-44E3-BE7F-61310886D987}"/>
               </a:ext>
             </a:extLst>
           </p:cNvPr>
@@ -8030,7 +6246,7 @@
           <p:cNvPr id="17" name="TextBox 16">
             <a:extLst>
               <a:ext uri="{FF2B5EF4-FFF2-40B4-BE49-F238E27FC236}">
-                <a16:creationId xmlns:a16="http://schemas.microsoft.com/office/drawing/2014/main" id="{23AF87DD-102F-45AE-BF01-38D84FCB5E58}"/>
+                <a16:creationId xmlns:a16="http://schemas.microsoft.com/office/drawing/2014/main" xmlns="" id="{23AF87DD-102F-45AE-BF01-38D84FCB5E58}"/>
               </a:ext>
             </a:extLst>
           </p:cNvPr>
@@ -8089,33 +6305,45 @@
           </a:p>
         </p:txBody>
       </p:sp>
-      <p:sp>
-        <p:nvSpPr>
-          <p:cNvPr id="6" name="그림 개체 틀 5">
-            <a:extLst>
-              <a:ext uri="{FF2B5EF4-FFF2-40B4-BE49-F238E27FC236}">
-                <a16:creationId xmlns:a16="http://schemas.microsoft.com/office/drawing/2014/main" id="{05227126-CA60-4785-8396-0181D4E1CD1C}"/>
-              </a:ext>
-            </a:extLst>
-          </p:cNvPr>
-          <p:cNvSpPr>
-            <a:spLocks noGrp="1"/>
-          </p:cNvSpPr>
+      <p:pic>
+        <p:nvPicPr>
+          <p:cNvPr id="1026" name="Picture 2"/>
+          <p:cNvPicPr>
+            <a:picLocks noGrp="1" noChangeAspect="1" noChangeArrowheads="1"/>
+          </p:cNvPicPr>
           <p:nvPr>
             <p:ph type="pic" sz="quarter" idx="66"/>
           </p:nvPr>
-        </p:nvSpPr>
-        <p:spPr>
+        </p:nvPicPr>
+        <p:blipFill>
+          <a:blip r:embed="rId2"/>
+          <a:srcRect l="471" r="471"/>
+          <a:stretch>
+            <a:fillRect/>
+          </a:stretch>
+        </p:blipFill>
+        <p:spPr bwMode="auto">
           <a:xfrm>
-            <a:off x="4241800" y="1934706"/>
-            <a:ext cx="7236097" cy="4107184"/>
+            <a:off x="4241800" y="1935163"/>
+            <a:ext cx="7235825" cy="4106862"/>
           </a:xfrm>
+          <a:prstGeom prst="rect">
+            <a:avLst/>
+          </a:prstGeom>
+          <a:noFill/>
+          <a:ln w="9525">
+            <a:noFill/>
+            <a:miter lim="800000"/>
+            <a:headEnd/>
+            <a:tailEnd/>
+          </a:ln>
+          <a:effectLst/>
         </p:spPr>
-      </p:sp>
+      </p:pic>
     </p:spTree>
     <p:extLst>
       <p:ext uri="{BB962C8B-B14F-4D97-AF65-F5344CB8AC3E}">
-        <p14:creationId xmlns:p14="http://schemas.microsoft.com/office/powerpoint/2010/main" val="3947372596"/>
+        <p14:creationId xmlns:p14="http://schemas.microsoft.com/office/powerpoint/2010/main" xmlns="" val="3947372596"/>
       </p:ext>
     </p:extLst>
   </p:cSld>
@@ -8147,7 +6375,7 @@
           <p:cNvPr id="2" name="Text Placeholder 1">
             <a:extLst>
               <a:ext uri="{FF2B5EF4-FFF2-40B4-BE49-F238E27FC236}">
-                <a16:creationId xmlns:a16="http://schemas.microsoft.com/office/drawing/2014/main" id="{10ED21B5-04EB-44E3-BE7F-61310886D987}"/>
+                <a16:creationId xmlns:a16="http://schemas.microsoft.com/office/drawing/2014/main" xmlns="" id="{10ED21B5-04EB-44E3-BE7F-61310886D987}"/>
               </a:ext>
             </a:extLst>
           </p:cNvPr>
@@ -8175,7 +6403,7 @@
           <p:cNvPr id="17" name="TextBox 16">
             <a:extLst>
               <a:ext uri="{FF2B5EF4-FFF2-40B4-BE49-F238E27FC236}">
-                <a16:creationId xmlns:a16="http://schemas.microsoft.com/office/drawing/2014/main" id="{23AF87DD-102F-45AE-BF01-38D84FCB5E58}"/>
+                <a16:creationId xmlns:a16="http://schemas.microsoft.com/office/drawing/2014/main" xmlns="" id="{23AF87DD-102F-45AE-BF01-38D84FCB5E58}"/>
               </a:ext>
             </a:extLst>
           </p:cNvPr>
@@ -8234,33 +6462,45 @@
           </a:p>
         </p:txBody>
       </p:sp>
-      <p:sp>
-        <p:nvSpPr>
-          <p:cNvPr id="6" name="그림 개체 틀 5">
-            <a:extLst>
-              <a:ext uri="{FF2B5EF4-FFF2-40B4-BE49-F238E27FC236}">
-                <a16:creationId xmlns:a16="http://schemas.microsoft.com/office/drawing/2014/main" id="{05227126-CA60-4785-8396-0181D4E1CD1C}"/>
-              </a:ext>
-            </a:extLst>
-          </p:cNvPr>
-          <p:cNvSpPr>
-            <a:spLocks noGrp="1"/>
-          </p:cNvSpPr>
+      <p:pic>
+        <p:nvPicPr>
+          <p:cNvPr id="2051" name="Picture 3"/>
+          <p:cNvPicPr>
+            <a:picLocks noGrp="1" noChangeAspect="1" noChangeArrowheads="1"/>
+          </p:cNvPicPr>
           <p:nvPr>
             <p:ph type="pic" sz="quarter" idx="66"/>
           </p:nvPr>
-        </p:nvSpPr>
-        <p:spPr>
+        </p:nvPicPr>
+        <p:blipFill>
+          <a:blip r:embed="rId2"/>
+          <a:srcRect l="471" r="471"/>
+          <a:stretch>
+            <a:fillRect/>
+          </a:stretch>
+        </p:blipFill>
+        <p:spPr bwMode="auto">
           <a:xfrm>
-            <a:off x="4241800" y="1934706"/>
-            <a:ext cx="7236097" cy="4107184"/>
+            <a:off x="4241800" y="1935163"/>
+            <a:ext cx="7235825" cy="4106862"/>
           </a:xfrm>
+          <a:prstGeom prst="rect">
+            <a:avLst/>
+          </a:prstGeom>
+          <a:noFill/>
+          <a:ln w="9525">
+            <a:noFill/>
+            <a:miter lim="800000"/>
+            <a:headEnd/>
+            <a:tailEnd/>
+          </a:ln>
+          <a:effectLst/>
         </p:spPr>
-      </p:sp>
+      </p:pic>
     </p:spTree>
     <p:extLst>
       <p:ext uri="{BB962C8B-B14F-4D97-AF65-F5344CB8AC3E}">
-        <p14:creationId xmlns:p14="http://schemas.microsoft.com/office/powerpoint/2010/main" val="3522960847"/>
+        <p14:creationId xmlns:p14="http://schemas.microsoft.com/office/powerpoint/2010/main" xmlns="" val="3522960847"/>
       </p:ext>
     </p:extLst>
   </p:cSld>
@@ -8292,7 +6532,7 @@
           <p:cNvPr id="2" name="Text Placeholder 1">
             <a:extLst>
               <a:ext uri="{FF2B5EF4-FFF2-40B4-BE49-F238E27FC236}">
-                <a16:creationId xmlns:a16="http://schemas.microsoft.com/office/drawing/2014/main" id="{10ED21B5-04EB-44E3-BE7F-61310886D987}"/>
+                <a16:creationId xmlns:a16="http://schemas.microsoft.com/office/drawing/2014/main" xmlns="" id="{10ED21B5-04EB-44E3-BE7F-61310886D987}"/>
               </a:ext>
             </a:extLst>
           </p:cNvPr>
@@ -8320,7 +6560,7 @@
           <p:cNvPr id="17" name="TextBox 16">
             <a:extLst>
               <a:ext uri="{FF2B5EF4-FFF2-40B4-BE49-F238E27FC236}">
-                <a16:creationId xmlns:a16="http://schemas.microsoft.com/office/drawing/2014/main" id="{23AF87DD-102F-45AE-BF01-38D84FCB5E58}"/>
+                <a16:creationId xmlns:a16="http://schemas.microsoft.com/office/drawing/2014/main" xmlns="" id="{23AF87DD-102F-45AE-BF01-38D84FCB5E58}"/>
               </a:ext>
             </a:extLst>
           </p:cNvPr>
@@ -8329,7 +6569,7 @@
         </p:nvSpPr>
         <p:spPr>
           <a:xfrm>
-            <a:off x="714103" y="1924105"/>
+            <a:off x="570410" y="1924105"/>
             <a:ext cx="3715022" cy="461665"/>
           </a:xfrm>
           <a:prstGeom prst="rect">
@@ -8344,7 +6584,7 @@
           <a:lstStyle/>
           <a:p>
             <a:r>
-              <a:rPr lang="en-GB" altLang="ko-KR" sz="2400" err="1">
+              <a:rPr lang="en-GB" altLang="ko-KR" sz="2400" dirty="0" err="1">
                 <a:solidFill>
                   <a:schemeClr val="bg1"/>
                 </a:solidFill>
@@ -8353,7 +6593,7 @@
               <a:t>Halaman</a:t>
             </a:r>
             <a:r>
-              <a:rPr lang="en-GB" altLang="ko-KR" sz="2400">
+              <a:rPr lang="en-GB" altLang="ko-KR" sz="2400" dirty="0">
                 <a:solidFill>
                   <a:schemeClr val="bg1"/>
                 </a:solidFill>
@@ -8362,13 +6602,22 @@
               <a:t> </a:t>
             </a:r>
             <a:r>
-              <a:rPr lang="en-US" altLang="ja-JP" sz="2400">
+              <a:rPr lang="en-US" altLang="ja-JP" sz="2400" dirty="0" smtClean="0">
                 <a:solidFill>
                   <a:schemeClr val="bg1"/>
                 </a:solidFill>
                 <a:cs typeface="Arial" pitchFamily="34" charset="0"/>
               </a:rPr>
-              <a:t>Edit</a:t>
+              <a:t>Master </a:t>
+            </a:r>
+            <a:r>
+              <a:rPr lang="en-US" altLang="ja-JP" sz="2400" dirty="0" err="1" smtClean="0">
+                <a:solidFill>
+                  <a:schemeClr val="bg1"/>
+                </a:solidFill>
+                <a:cs typeface="Arial" pitchFamily="34" charset="0"/>
+              </a:rPr>
+              <a:t>Kategori</a:t>
             </a:r>
             <a:endParaRPr lang="ko-KR" altLang="en-US" sz="2400" dirty="0">
               <a:solidFill>
@@ -8379,33 +6628,45 @@
           </a:p>
         </p:txBody>
       </p:sp>
-      <p:sp>
-        <p:nvSpPr>
-          <p:cNvPr id="6" name="그림 개체 틀 5">
-            <a:extLst>
-              <a:ext uri="{FF2B5EF4-FFF2-40B4-BE49-F238E27FC236}">
-                <a16:creationId xmlns:a16="http://schemas.microsoft.com/office/drawing/2014/main" id="{05227126-CA60-4785-8396-0181D4E1CD1C}"/>
-              </a:ext>
-            </a:extLst>
-          </p:cNvPr>
-          <p:cNvSpPr>
-            <a:spLocks noGrp="1"/>
-          </p:cNvSpPr>
+      <p:pic>
+        <p:nvPicPr>
+          <p:cNvPr id="3074" name="Picture 2"/>
+          <p:cNvPicPr>
+            <a:picLocks noGrp="1" noChangeAspect="1" noChangeArrowheads="1"/>
+          </p:cNvPicPr>
           <p:nvPr>
             <p:ph type="pic" sz="quarter" idx="66"/>
           </p:nvPr>
-        </p:nvSpPr>
-        <p:spPr>
+        </p:nvPicPr>
+        <p:blipFill>
+          <a:blip r:embed="rId2"/>
+          <a:srcRect l="471" r="471"/>
+          <a:stretch>
+            <a:fillRect/>
+          </a:stretch>
+        </p:blipFill>
+        <p:spPr bwMode="auto">
           <a:xfrm>
-            <a:off x="4241800" y="1934706"/>
-            <a:ext cx="7236097" cy="4107184"/>
+            <a:off x="4241800" y="1935163"/>
+            <a:ext cx="7235825" cy="4106862"/>
           </a:xfrm>
+          <a:prstGeom prst="rect">
+            <a:avLst/>
+          </a:prstGeom>
+          <a:noFill/>
+          <a:ln w="9525">
+            <a:noFill/>
+            <a:miter lim="800000"/>
+            <a:headEnd/>
+            <a:tailEnd/>
+          </a:ln>
+          <a:effectLst/>
         </p:spPr>
-      </p:sp>
+      </p:pic>
     </p:spTree>
     <p:extLst>
       <p:ext uri="{BB962C8B-B14F-4D97-AF65-F5344CB8AC3E}">
-        <p14:creationId xmlns:p14="http://schemas.microsoft.com/office/powerpoint/2010/main" val="3087464397"/>
+        <p14:creationId xmlns:p14="http://schemas.microsoft.com/office/powerpoint/2010/main" xmlns="" val="3087464397"/>
       </p:ext>
     </p:extLst>
   </p:cSld>
@@ -8437,7 +6698,7 @@
           <p:cNvPr id="2" name="Text Placeholder 1">
             <a:extLst>
               <a:ext uri="{FF2B5EF4-FFF2-40B4-BE49-F238E27FC236}">
-                <a16:creationId xmlns:a16="http://schemas.microsoft.com/office/drawing/2014/main" id="{10ED21B5-04EB-44E3-BE7F-61310886D987}"/>
+                <a16:creationId xmlns:a16="http://schemas.microsoft.com/office/drawing/2014/main" xmlns="" id="{10ED21B5-04EB-44E3-BE7F-61310886D987}"/>
               </a:ext>
             </a:extLst>
           </p:cNvPr>
@@ -8465,7 +6726,7 @@
           <p:cNvPr id="17" name="TextBox 16">
             <a:extLst>
               <a:ext uri="{FF2B5EF4-FFF2-40B4-BE49-F238E27FC236}">
-                <a16:creationId xmlns:a16="http://schemas.microsoft.com/office/drawing/2014/main" id="{23AF87DD-102F-45AE-BF01-38D84FCB5E58}"/>
+                <a16:creationId xmlns:a16="http://schemas.microsoft.com/office/drawing/2014/main" xmlns="" id="{23AF87DD-102F-45AE-BF01-38D84FCB5E58}"/>
               </a:ext>
             </a:extLst>
           </p:cNvPr>
@@ -8524,33 +6785,45 @@
           </a:p>
         </p:txBody>
       </p:sp>
-      <p:sp>
-        <p:nvSpPr>
-          <p:cNvPr id="6" name="그림 개체 틀 5">
-            <a:extLst>
-              <a:ext uri="{FF2B5EF4-FFF2-40B4-BE49-F238E27FC236}">
-                <a16:creationId xmlns:a16="http://schemas.microsoft.com/office/drawing/2014/main" id="{05227126-CA60-4785-8396-0181D4E1CD1C}"/>
-              </a:ext>
-            </a:extLst>
-          </p:cNvPr>
-          <p:cNvSpPr>
-            <a:spLocks noGrp="1"/>
-          </p:cNvSpPr>
+      <p:pic>
+        <p:nvPicPr>
+          <p:cNvPr id="4098" name="Picture 2"/>
+          <p:cNvPicPr>
+            <a:picLocks noGrp="1" noChangeAspect="1" noChangeArrowheads="1"/>
+          </p:cNvPicPr>
           <p:nvPr>
             <p:ph type="pic" sz="quarter" idx="66"/>
           </p:nvPr>
-        </p:nvSpPr>
-        <p:spPr>
+        </p:nvPicPr>
+        <p:blipFill>
+          <a:blip r:embed="rId2"/>
+          <a:srcRect l="471" r="471"/>
+          <a:stretch>
+            <a:fillRect/>
+          </a:stretch>
+        </p:blipFill>
+        <p:spPr bwMode="auto">
           <a:xfrm>
-            <a:off x="4241800" y="1934706"/>
-            <a:ext cx="7236097" cy="4107184"/>
+            <a:off x="4241800" y="1935163"/>
+            <a:ext cx="7235825" cy="4106862"/>
           </a:xfrm>
+          <a:prstGeom prst="rect">
+            <a:avLst/>
+          </a:prstGeom>
+          <a:noFill/>
+          <a:ln w="9525">
+            <a:noFill/>
+            <a:miter lim="800000"/>
+            <a:headEnd/>
+            <a:tailEnd/>
+          </a:ln>
+          <a:effectLst/>
         </p:spPr>
-      </p:sp>
+      </p:pic>
     </p:spTree>
     <p:extLst>
       <p:ext uri="{BB962C8B-B14F-4D97-AF65-F5344CB8AC3E}">
-        <p14:creationId xmlns:p14="http://schemas.microsoft.com/office/powerpoint/2010/main" val="2436318272"/>
+        <p14:creationId xmlns:p14="http://schemas.microsoft.com/office/powerpoint/2010/main" xmlns="" val="2436318272"/>
       </p:ext>
     </p:extLst>
   </p:cSld>
@@ -8582,7 +6855,7 @@
           <p:cNvPr id="2" name="Text Placeholder 1">
             <a:extLst>
               <a:ext uri="{FF2B5EF4-FFF2-40B4-BE49-F238E27FC236}">
-                <a16:creationId xmlns:a16="http://schemas.microsoft.com/office/drawing/2014/main" id="{10ED21B5-04EB-44E3-BE7F-61310886D987}"/>
+                <a16:creationId xmlns:a16="http://schemas.microsoft.com/office/drawing/2014/main" xmlns="" id="{10ED21B5-04EB-44E3-BE7F-61310886D987}"/>
               </a:ext>
             </a:extLst>
           </p:cNvPr>
@@ -8610,7 +6883,7 @@
           <p:cNvPr id="17" name="TextBox 16">
             <a:extLst>
               <a:ext uri="{FF2B5EF4-FFF2-40B4-BE49-F238E27FC236}">
-                <a16:creationId xmlns:a16="http://schemas.microsoft.com/office/drawing/2014/main" id="{23AF87DD-102F-45AE-BF01-38D84FCB5E58}"/>
+                <a16:creationId xmlns:a16="http://schemas.microsoft.com/office/drawing/2014/main" xmlns="" id="{23AF87DD-102F-45AE-BF01-38D84FCB5E58}"/>
               </a:ext>
             </a:extLst>
           </p:cNvPr>
@@ -8634,7 +6907,7 @@
           <a:lstStyle/>
           <a:p>
             <a:r>
-              <a:rPr lang="en-GB" altLang="ko-KR" sz="2400" err="1">
+              <a:rPr lang="en-GB" altLang="ko-KR" sz="2400" dirty="0" err="1">
                 <a:solidFill>
                   <a:schemeClr val="bg1"/>
                 </a:solidFill>
@@ -8643,7 +6916,7 @@
               <a:t>Halaman</a:t>
             </a:r>
             <a:r>
-              <a:rPr lang="en-GB" altLang="ko-KR" sz="2400">
+              <a:rPr lang="en-GB" altLang="ko-KR" sz="2400" dirty="0">
                 <a:solidFill>
                   <a:schemeClr val="bg1"/>
                 </a:solidFill>
@@ -8652,13 +6925,13 @@
               <a:t> </a:t>
             </a:r>
             <a:r>
-              <a:rPr lang="en-US" altLang="ja-JP" sz="2400">
+              <a:rPr lang="en-US" altLang="ja-JP" sz="2400" dirty="0" smtClean="0">
                 <a:solidFill>
                   <a:schemeClr val="bg1"/>
                 </a:solidFill>
                 <a:cs typeface="Arial" pitchFamily="34" charset="0"/>
               </a:rPr>
-              <a:t>Soal</a:t>
+              <a:t>Test</a:t>
             </a:r>
             <a:endParaRPr lang="ko-KR" altLang="en-US" sz="2400" dirty="0">
               <a:solidFill>
@@ -8669,33 +6942,45 @@
           </a:p>
         </p:txBody>
       </p:sp>
-      <p:sp>
-        <p:nvSpPr>
-          <p:cNvPr id="6" name="그림 개체 틀 5">
-            <a:extLst>
-              <a:ext uri="{FF2B5EF4-FFF2-40B4-BE49-F238E27FC236}">
-                <a16:creationId xmlns:a16="http://schemas.microsoft.com/office/drawing/2014/main" id="{05227126-CA60-4785-8396-0181D4E1CD1C}"/>
-              </a:ext>
-            </a:extLst>
-          </p:cNvPr>
-          <p:cNvSpPr>
-            <a:spLocks noGrp="1"/>
-          </p:cNvSpPr>
+      <p:pic>
+        <p:nvPicPr>
+          <p:cNvPr id="5122" name="Picture 2"/>
+          <p:cNvPicPr>
+            <a:picLocks noGrp="1" noChangeAspect="1" noChangeArrowheads="1"/>
+          </p:cNvPicPr>
           <p:nvPr>
             <p:ph type="pic" sz="quarter" idx="66"/>
           </p:nvPr>
-        </p:nvSpPr>
-        <p:spPr>
+        </p:nvPicPr>
+        <p:blipFill>
+          <a:blip r:embed="rId2"/>
+          <a:srcRect l="471" r="471"/>
+          <a:stretch>
+            <a:fillRect/>
+          </a:stretch>
+        </p:blipFill>
+        <p:spPr bwMode="auto">
           <a:xfrm>
-            <a:off x="4241800" y="1934706"/>
-            <a:ext cx="7236097" cy="4107184"/>
+            <a:off x="4241800" y="1935163"/>
+            <a:ext cx="7235825" cy="4106862"/>
           </a:xfrm>
+          <a:prstGeom prst="rect">
+            <a:avLst/>
+          </a:prstGeom>
+          <a:noFill/>
+          <a:ln w="9525">
+            <a:noFill/>
+            <a:miter lim="800000"/>
+            <a:headEnd/>
+            <a:tailEnd/>
+          </a:ln>
+          <a:effectLst/>
         </p:spPr>
-      </p:sp>
+      </p:pic>
     </p:spTree>
     <p:extLst>
       <p:ext uri="{BB962C8B-B14F-4D97-AF65-F5344CB8AC3E}">
-        <p14:creationId xmlns:p14="http://schemas.microsoft.com/office/powerpoint/2010/main" val="4120136423"/>
+        <p14:creationId xmlns:p14="http://schemas.microsoft.com/office/powerpoint/2010/main" xmlns="" val="4120136423"/>
       </p:ext>
     </p:extLst>
   </p:cSld>
@@ -8724,10 +7009,167 @@
       </p:grpSpPr>
       <p:sp>
         <p:nvSpPr>
+          <p:cNvPr id="2" name="Text Placeholder 1">
+            <a:extLst>
+              <a:ext uri="{FF2B5EF4-FFF2-40B4-BE49-F238E27FC236}">
+                <a16:creationId xmlns:a16="http://schemas.microsoft.com/office/drawing/2014/main" xmlns="" id="{10ED21B5-04EB-44E3-BE7F-61310886D987}"/>
+              </a:ext>
+            </a:extLst>
+          </p:cNvPr>
+          <p:cNvSpPr>
+            <a:spLocks noGrp="1"/>
+          </p:cNvSpPr>
+          <p:nvPr>
+            <p:ph type="body" sz="quarter" idx="10"/>
+          </p:nvPr>
+        </p:nvSpPr>
+        <p:spPr/>
+        <p:txBody>
+          <a:bodyPr/>
+          <a:lstStyle/>
+          <a:p>
+            <a:r>
+              <a:rPr lang="en-US" dirty="0"/>
+              <a:t>Screen Shot APEL</a:t>
+            </a:r>
+          </a:p>
+        </p:txBody>
+      </p:sp>
+      <p:sp>
+        <p:nvSpPr>
+          <p:cNvPr id="17" name="TextBox 16">
+            <a:extLst>
+              <a:ext uri="{FF2B5EF4-FFF2-40B4-BE49-F238E27FC236}">
+                <a16:creationId xmlns:a16="http://schemas.microsoft.com/office/drawing/2014/main" xmlns="" id="{23AF87DD-102F-45AE-BF01-38D84FCB5E58}"/>
+              </a:ext>
+            </a:extLst>
+          </p:cNvPr>
+          <p:cNvSpPr txBox="1"/>
+          <p:nvPr/>
+        </p:nvSpPr>
+        <p:spPr>
+          <a:xfrm>
+            <a:off x="714103" y="1924105"/>
+            <a:ext cx="3715022" cy="461665"/>
+          </a:xfrm>
+          <a:prstGeom prst="rect">
+            <a:avLst/>
+          </a:prstGeom>
+          <a:noFill/>
+        </p:spPr>
+        <p:txBody>
+          <a:bodyPr wrap="square" rtlCol="0" anchor="ctr">
+            <a:spAutoFit/>
+          </a:bodyPr>
+          <a:lstStyle/>
+          <a:p>
+            <a:r>
+              <a:rPr lang="en-GB" altLang="ko-KR" sz="2400" dirty="0" err="1">
+                <a:solidFill>
+                  <a:schemeClr val="bg1"/>
+                </a:solidFill>
+                <a:cs typeface="Arial" pitchFamily="34" charset="0"/>
+              </a:rPr>
+              <a:t>Halaman</a:t>
+            </a:r>
+            <a:r>
+              <a:rPr lang="en-GB" altLang="ko-KR" sz="2400" dirty="0">
+                <a:solidFill>
+                  <a:schemeClr val="bg1"/>
+                </a:solidFill>
+                <a:cs typeface="Arial" pitchFamily="34" charset="0"/>
+              </a:rPr>
+              <a:t> </a:t>
+            </a:r>
+            <a:r>
+              <a:rPr lang="en-US" altLang="ja-JP" sz="2400" dirty="0" smtClean="0">
+                <a:solidFill>
+                  <a:schemeClr val="bg1"/>
+                </a:solidFill>
+                <a:cs typeface="Arial" pitchFamily="34" charset="0"/>
+              </a:rPr>
+              <a:t>Test</a:t>
+            </a:r>
+            <a:endParaRPr lang="ko-KR" altLang="en-US" sz="2400" dirty="0">
+              <a:solidFill>
+                <a:schemeClr val="bg1"/>
+              </a:solidFill>
+              <a:cs typeface="Arial" pitchFamily="34" charset="0"/>
+            </a:endParaRPr>
+          </a:p>
+        </p:txBody>
+      </p:sp>
+      <p:pic>
+        <p:nvPicPr>
+          <p:cNvPr id="6146" name="Picture 2"/>
+          <p:cNvPicPr>
+            <a:picLocks noGrp="1" noChangeAspect="1" noChangeArrowheads="1"/>
+          </p:cNvPicPr>
+          <p:nvPr>
+            <p:ph type="pic" sz="quarter" idx="66"/>
+          </p:nvPr>
+        </p:nvPicPr>
+        <p:blipFill>
+          <a:blip r:embed="rId2"/>
+          <a:srcRect l="471" r="471"/>
+          <a:stretch>
+            <a:fillRect/>
+          </a:stretch>
+        </p:blipFill>
+        <p:spPr bwMode="auto">
+          <a:xfrm>
+            <a:off x="4241800" y="1935163"/>
+            <a:ext cx="7235825" cy="4106862"/>
+          </a:xfrm>
+          <a:prstGeom prst="rect">
+            <a:avLst/>
+          </a:prstGeom>
+          <a:noFill/>
+          <a:ln w="9525">
+            <a:noFill/>
+            <a:miter lim="800000"/>
+            <a:headEnd/>
+            <a:tailEnd/>
+          </a:ln>
+          <a:effectLst/>
+        </p:spPr>
+      </p:pic>
+    </p:spTree>
+    <p:extLst>
+      <p:ext uri="{BB962C8B-B14F-4D97-AF65-F5344CB8AC3E}">
+        <p14:creationId xmlns:p14="http://schemas.microsoft.com/office/powerpoint/2010/main" xmlns="" val="4120136423"/>
+      </p:ext>
+    </p:extLst>
+  </p:cSld>
+  <p:clrMapOvr>
+    <a:masterClrMapping/>
+  </p:clrMapOvr>
+</p:sld>
+</file>
+
+<file path=ppt/slides/slide16.xml><?xml version="1.0" encoding="utf-8"?>
+<p:sld xmlns:a="http://schemas.openxmlformats.org/drawingml/2006/main" xmlns:r="http://schemas.openxmlformats.org/officeDocument/2006/relationships" xmlns:p="http://schemas.openxmlformats.org/presentationml/2006/main">
+  <p:cSld>
+    <p:spTree>
+      <p:nvGrpSpPr>
+        <p:cNvPr id="1" name=""/>
+        <p:cNvGrpSpPr/>
+        <p:nvPr/>
+      </p:nvGrpSpPr>
+      <p:grpSpPr>
+        <a:xfrm>
+          <a:off x="0" y="0"/>
+          <a:ext cx="0" cy="0"/>
+          <a:chOff x="0" y="0"/>
+          <a:chExt cx="0" cy="0"/>
+        </a:xfrm>
+      </p:grpSpPr>
+      <p:sp>
+        <p:nvSpPr>
           <p:cNvPr id="7" name="Arrow: Pentagon 6">
             <a:extLst>
               <a:ext uri="{FF2B5EF4-FFF2-40B4-BE49-F238E27FC236}">
-                <a16:creationId xmlns:a16="http://schemas.microsoft.com/office/drawing/2014/main" id="{63E3558C-1903-4C04-A9D0-D8AE76192BB2}"/>
+                <a16:creationId xmlns:a16="http://schemas.microsoft.com/office/drawing/2014/main" xmlns="" id="{63E3558C-1903-4C04-A9D0-D8AE76192BB2}"/>
               </a:ext>
             </a:extLst>
           </p:cNvPr>
@@ -8783,7 +7225,7 @@
           <p:cNvPr id="8" name="Arrow: Pentagon 7">
             <a:extLst>
               <a:ext uri="{FF2B5EF4-FFF2-40B4-BE49-F238E27FC236}">
-                <a16:creationId xmlns:a16="http://schemas.microsoft.com/office/drawing/2014/main" id="{E02002EE-7BBA-4DC6-9698-2CF0888F8C63}"/>
+                <a16:creationId xmlns:a16="http://schemas.microsoft.com/office/drawing/2014/main" xmlns="" id="{E02002EE-7BBA-4DC6-9698-2CF0888F8C63}"/>
               </a:ext>
             </a:extLst>
           </p:cNvPr>
@@ -8839,7 +7281,7 @@
           <p:cNvPr id="9" name="Group 8">
             <a:extLst>
               <a:ext uri="{FF2B5EF4-FFF2-40B4-BE49-F238E27FC236}">
-                <a16:creationId xmlns:a16="http://schemas.microsoft.com/office/drawing/2014/main" id="{15C44B8E-7647-4F84-B84E-C1D270C28CB9}"/>
+                <a16:creationId xmlns:a16="http://schemas.microsoft.com/office/drawing/2014/main" xmlns="" id="{15C44B8E-7647-4F84-B84E-C1D270C28CB9}"/>
               </a:ext>
             </a:extLst>
           </p:cNvPr>
@@ -8859,7 +7301,7 @@
             <p:cNvPr id="10" name="TextBox 9">
               <a:extLst>
                 <a:ext uri="{FF2B5EF4-FFF2-40B4-BE49-F238E27FC236}">
-                  <a16:creationId xmlns:a16="http://schemas.microsoft.com/office/drawing/2014/main" id="{4CAC2569-0596-4719-9259-37417370FD3A}"/>
+                  <a16:creationId xmlns:a16="http://schemas.microsoft.com/office/drawing/2014/main" xmlns="" id="{4CAC2569-0596-4719-9259-37417370FD3A}"/>
                 </a:ext>
               </a:extLst>
             </p:cNvPr>
@@ -8905,7 +7347,7 @@
             <p:cNvPr id="11" name="TextBox 10">
               <a:extLst>
                 <a:ext uri="{FF2B5EF4-FFF2-40B4-BE49-F238E27FC236}">
-                  <a16:creationId xmlns:a16="http://schemas.microsoft.com/office/drawing/2014/main" id="{B16694D5-61E0-4AB5-AAA9-735FA8C0759D}"/>
+                  <a16:creationId xmlns:a16="http://schemas.microsoft.com/office/drawing/2014/main" xmlns="" id="{B16694D5-61E0-4AB5-AAA9-735FA8C0759D}"/>
                 </a:ext>
               </a:extLst>
             </p:cNvPr>
@@ -9004,7 +7446,7 @@
     </p:spTree>
     <p:extLst>
       <p:ext uri="{BB962C8B-B14F-4D97-AF65-F5344CB8AC3E}">
-        <p14:creationId xmlns:p14="http://schemas.microsoft.com/office/powerpoint/2010/main" val="821656516"/>
+        <p14:creationId xmlns:p14="http://schemas.microsoft.com/office/powerpoint/2010/main" xmlns="" val="821656516"/>
       </p:ext>
     </p:extLst>
   </p:cSld>
@@ -9036,7 +7478,7 @@
           <p:cNvPr id="5" name="Picture 4">
             <a:extLst>
               <a:ext uri="{FF2B5EF4-FFF2-40B4-BE49-F238E27FC236}">
-                <a16:creationId xmlns:a16="http://schemas.microsoft.com/office/drawing/2014/main" id="{592210B3-F1B1-46C9-A41F-536C198586F3}"/>
+                <a16:creationId xmlns:a16="http://schemas.microsoft.com/office/drawing/2014/main" xmlns="" id="{592210B3-F1B1-46C9-A41F-536C198586F3}"/>
               </a:ext>
             </a:extLst>
           </p:cNvPr>
@@ -9049,7 +7491,7 @@
           <a:blip r:embed="rId2">
             <a:extLst>
               <a:ext uri="{28A0092B-C50C-407E-A947-70E740481C1C}">
-                <a14:useLocalDpi xmlns:a14="http://schemas.microsoft.com/office/drawing/2010/main" val="0"/>
+                <a14:useLocalDpi xmlns:a14="http://schemas.microsoft.com/office/drawing/2010/main" xmlns="" val="0"/>
               </a:ext>
             </a:extLst>
           </a:blip>
@@ -9072,7 +7514,7 @@
           <p:cNvPr id="6" name="Arrow: Pentagon 5">
             <a:extLst>
               <a:ext uri="{FF2B5EF4-FFF2-40B4-BE49-F238E27FC236}">
-                <a16:creationId xmlns:a16="http://schemas.microsoft.com/office/drawing/2014/main" id="{6BE5C2E8-24C8-4A4D-86A8-1650D10703F6}"/>
+                <a16:creationId xmlns:a16="http://schemas.microsoft.com/office/drawing/2014/main" xmlns="" id="{6BE5C2E8-24C8-4A4D-86A8-1650D10703F6}"/>
               </a:ext>
             </a:extLst>
           </p:cNvPr>
@@ -9128,7 +7570,7 @@
           <p:cNvPr id="4" name="TextBox 3">
             <a:extLst>
               <a:ext uri="{FF2B5EF4-FFF2-40B4-BE49-F238E27FC236}">
-                <a16:creationId xmlns:a16="http://schemas.microsoft.com/office/drawing/2014/main" id="{15A4BDA0-C270-4764-9C18-A593BCE2C965}"/>
+                <a16:creationId xmlns:a16="http://schemas.microsoft.com/office/drawing/2014/main" xmlns="" id="{15A4BDA0-C270-4764-9C18-A593BCE2C965}"/>
               </a:ext>
             </a:extLst>
           </p:cNvPr>
@@ -9174,7 +7616,7 @@
           <p:cNvPr id="2" name="직사각형 1">
             <a:extLst>
               <a:ext uri="{FF2B5EF4-FFF2-40B4-BE49-F238E27FC236}">
-                <a16:creationId xmlns:a16="http://schemas.microsoft.com/office/drawing/2014/main" id="{C61CFEA6-2769-41F9-AC8E-35E4F0132842}"/>
+                <a16:creationId xmlns:a16="http://schemas.microsoft.com/office/drawing/2014/main" xmlns="" id="{C61CFEA6-2769-41F9-AC8E-35E4F0132842}"/>
               </a:ext>
             </a:extLst>
           </p:cNvPr>
@@ -9228,7 +7670,7 @@
           <p:cNvPr id="3" name="그룹 2">
             <a:extLst>
               <a:ext uri="{FF2B5EF4-FFF2-40B4-BE49-F238E27FC236}">
-                <a16:creationId xmlns:a16="http://schemas.microsoft.com/office/drawing/2014/main" id="{570A8003-0F2A-458E-A775-F0BD447C6FE9}"/>
+                <a16:creationId xmlns:a16="http://schemas.microsoft.com/office/drawing/2014/main" xmlns="" id="{570A8003-0F2A-458E-A775-F0BD447C6FE9}"/>
               </a:ext>
             </a:extLst>
           </p:cNvPr>
@@ -9248,7 +7690,7 @@
             <p:cNvPr id="7" name="Group 1">
               <a:extLst>
                 <a:ext uri="{FF2B5EF4-FFF2-40B4-BE49-F238E27FC236}">
-                  <a16:creationId xmlns:a16="http://schemas.microsoft.com/office/drawing/2014/main" id="{3171F8B8-1F6C-4875-A0EB-ED00D3AA2B7F}"/>
+                  <a16:creationId xmlns:a16="http://schemas.microsoft.com/office/drawing/2014/main" xmlns="" id="{3171F8B8-1F6C-4875-A0EB-ED00D3AA2B7F}"/>
                 </a:ext>
               </a:extLst>
             </p:cNvPr>
@@ -9268,7 +7710,7 @@
               <p:cNvPr id="8" name="TextBox 7">
                 <a:extLst>
                   <a:ext uri="{FF2B5EF4-FFF2-40B4-BE49-F238E27FC236}">
-                    <a16:creationId xmlns:a16="http://schemas.microsoft.com/office/drawing/2014/main" id="{AD7A15B5-7643-4488-9ABD-73B1AA2DC44C}"/>
+                    <a16:creationId xmlns:a16="http://schemas.microsoft.com/office/drawing/2014/main" xmlns="" id="{AD7A15B5-7643-4488-9ABD-73B1AA2DC44C}"/>
                   </a:ext>
                 </a:extLst>
               </p:cNvPr>
@@ -9387,7 +7829,7 @@
               <p:cNvPr id="9" name="TextBox 8">
                 <a:extLst>
                   <a:ext uri="{FF2B5EF4-FFF2-40B4-BE49-F238E27FC236}">
-                    <a16:creationId xmlns:a16="http://schemas.microsoft.com/office/drawing/2014/main" id="{155A7A45-49E3-44AA-BD80-98F62415259C}"/>
+                    <a16:creationId xmlns:a16="http://schemas.microsoft.com/office/drawing/2014/main" xmlns="" id="{155A7A45-49E3-44AA-BD80-98F62415259C}"/>
                   </a:ext>
                 </a:extLst>
               </p:cNvPr>
@@ -9443,7 +7885,7 @@
             <p:cNvPr id="10" name="TextBox 9">
               <a:extLst>
                 <a:ext uri="{FF2B5EF4-FFF2-40B4-BE49-F238E27FC236}">
-                  <a16:creationId xmlns:a16="http://schemas.microsoft.com/office/drawing/2014/main" id="{A55FB45C-6C14-41F0-8403-C547C079FB77}"/>
+                  <a16:creationId xmlns:a16="http://schemas.microsoft.com/office/drawing/2014/main" xmlns="" id="{A55FB45C-6C14-41F0-8403-C547C079FB77}"/>
                 </a:ext>
               </a:extLst>
             </p:cNvPr>
@@ -9490,7 +7932,7 @@
             <p:cNvPr id="11" name="Group 5">
               <a:extLst>
                 <a:ext uri="{FF2B5EF4-FFF2-40B4-BE49-F238E27FC236}">
-                  <a16:creationId xmlns:a16="http://schemas.microsoft.com/office/drawing/2014/main" id="{2804E321-9911-4D96-B288-454C30A5C503}"/>
+                  <a16:creationId xmlns:a16="http://schemas.microsoft.com/office/drawing/2014/main" xmlns="" id="{2804E321-9911-4D96-B288-454C30A5C503}"/>
                 </a:ext>
               </a:extLst>
             </p:cNvPr>
@@ -9510,7 +7952,7 @@
               <p:cNvPr id="12" name="TextBox 11">
                 <a:extLst>
                   <a:ext uri="{FF2B5EF4-FFF2-40B4-BE49-F238E27FC236}">
-                    <a16:creationId xmlns:a16="http://schemas.microsoft.com/office/drawing/2014/main" id="{1359EA31-5EF0-4DAA-B94B-4A7EFA490A6D}"/>
+                    <a16:creationId xmlns:a16="http://schemas.microsoft.com/office/drawing/2014/main" xmlns="" id="{1359EA31-5EF0-4DAA-B94B-4A7EFA490A6D}"/>
                   </a:ext>
                 </a:extLst>
               </p:cNvPr>
@@ -9602,7 +8044,7 @@
               <p:cNvPr id="13" name="TextBox 12">
                 <a:extLst>
                   <a:ext uri="{FF2B5EF4-FFF2-40B4-BE49-F238E27FC236}">
-                    <a16:creationId xmlns:a16="http://schemas.microsoft.com/office/drawing/2014/main" id="{E82A71EC-A3D8-41C5-8A27-619B897C390E}"/>
+                    <a16:creationId xmlns:a16="http://schemas.microsoft.com/office/drawing/2014/main" xmlns="" id="{E82A71EC-A3D8-41C5-8A27-619B897C390E}"/>
                   </a:ext>
                 </a:extLst>
               </p:cNvPr>
@@ -9649,7 +8091,7 @@
             <p:cNvPr id="14" name="TextBox 13">
               <a:extLst>
                 <a:ext uri="{FF2B5EF4-FFF2-40B4-BE49-F238E27FC236}">
-                  <a16:creationId xmlns:a16="http://schemas.microsoft.com/office/drawing/2014/main" id="{F5D73F42-C71E-431E-8EB7-AE62DE12CE25}"/>
+                  <a16:creationId xmlns:a16="http://schemas.microsoft.com/office/drawing/2014/main" xmlns="" id="{F5D73F42-C71E-431E-8EB7-AE62DE12CE25}"/>
                 </a:ext>
               </a:extLst>
             </p:cNvPr>
@@ -9696,7 +8138,7 @@
             <p:cNvPr id="15" name="Group 9">
               <a:extLst>
                 <a:ext uri="{FF2B5EF4-FFF2-40B4-BE49-F238E27FC236}">
-                  <a16:creationId xmlns:a16="http://schemas.microsoft.com/office/drawing/2014/main" id="{58751568-F7FE-44C3-9552-C72EFFECD602}"/>
+                  <a16:creationId xmlns:a16="http://schemas.microsoft.com/office/drawing/2014/main" xmlns="" id="{58751568-F7FE-44C3-9552-C72EFFECD602}"/>
                 </a:ext>
               </a:extLst>
             </p:cNvPr>
@@ -9716,7 +8158,7 @@
               <p:cNvPr id="16" name="TextBox 15">
                 <a:extLst>
                   <a:ext uri="{FF2B5EF4-FFF2-40B4-BE49-F238E27FC236}">
-                    <a16:creationId xmlns:a16="http://schemas.microsoft.com/office/drawing/2014/main" id="{72B286B5-4526-4949-94E9-D691C366A851}"/>
+                    <a16:creationId xmlns:a16="http://schemas.microsoft.com/office/drawing/2014/main" xmlns="" id="{72B286B5-4526-4949-94E9-D691C366A851}"/>
                   </a:ext>
                 </a:extLst>
               </p:cNvPr>
@@ -9781,7 +8223,7 @@
               <p:cNvPr id="17" name="TextBox 16">
                 <a:extLst>
                   <a:ext uri="{FF2B5EF4-FFF2-40B4-BE49-F238E27FC236}">
-                    <a16:creationId xmlns:a16="http://schemas.microsoft.com/office/drawing/2014/main" id="{0985EEE4-F6C3-4AD3-96DF-87B24E9ABB7A}"/>
+                    <a16:creationId xmlns:a16="http://schemas.microsoft.com/office/drawing/2014/main" xmlns="" id="{0985EEE4-F6C3-4AD3-96DF-87B24E9ABB7A}"/>
                   </a:ext>
                 </a:extLst>
               </p:cNvPr>
@@ -9837,7 +8279,7 @@
             <p:cNvPr id="18" name="TextBox 17">
               <a:extLst>
                 <a:ext uri="{FF2B5EF4-FFF2-40B4-BE49-F238E27FC236}">
-                  <a16:creationId xmlns:a16="http://schemas.microsoft.com/office/drawing/2014/main" id="{01182600-7E71-446C-998D-C8B2CC81BD1D}"/>
+                  <a16:creationId xmlns:a16="http://schemas.microsoft.com/office/drawing/2014/main" xmlns="" id="{01182600-7E71-446C-998D-C8B2CC81BD1D}"/>
                 </a:ext>
               </a:extLst>
             </p:cNvPr>
@@ -9884,7 +8326,7 @@
             <p:cNvPr id="19" name="Group 13">
               <a:extLst>
                 <a:ext uri="{FF2B5EF4-FFF2-40B4-BE49-F238E27FC236}">
-                  <a16:creationId xmlns:a16="http://schemas.microsoft.com/office/drawing/2014/main" id="{4533ECF3-8DB2-4E72-BF7C-DAF2D0DF38D7}"/>
+                  <a16:creationId xmlns:a16="http://schemas.microsoft.com/office/drawing/2014/main" xmlns="" id="{4533ECF3-8DB2-4E72-BF7C-DAF2D0DF38D7}"/>
                 </a:ext>
               </a:extLst>
             </p:cNvPr>
@@ -9904,7 +8346,7 @@
               <p:cNvPr id="20" name="TextBox 19">
                 <a:extLst>
                   <a:ext uri="{FF2B5EF4-FFF2-40B4-BE49-F238E27FC236}">
-                    <a16:creationId xmlns:a16="http://schemas.microsoft.com/office/drawing/2014/main" id="{0A24E8BC-3DCB-48A7-9F74-A655A0AEBDCF}"/>
+                    <a16:creationId xmlns:a16="http://schemas.microsoft.com/office/drawing/2014/main" xmlns="" id="{0A24E8BC-3DCB-48A7-9F74-A655A0AEBDCF}"/>
                   </a:ext>
                 </a:extLst>
               </p:cNvPr>
@@ -9987,7 +8429,7 @@
               <p:cNvPr id="21" name="TextBox 20">
                 <a:extLst>
                   <a:ext uri="{FF2B5EF4-FFF2-40B4-BE49-F238E27FC236}">
-                    <a16:creationId xmlns:a16="http://schemas.microsoft.com/office/drawing/2014/main" id="{0F5EC25C-F754-4369-901D-A503C718B578}"/>
+                    <a16:creationId xmlns:a16="http://schemas.microsoft.com/office/drawing/2014/main" xmlns="" id="{0F5EC25C-F754-4369-901D-A503C718B578}"/>
                   </a:ext>
                 </a:extLst>
               </p:cNvPr>
@@ -10043,7 +8485,7 @@
             <p:cNvPr id="22" name="TextBox 21">
               <a:extLst>
                 <a:ext uri="{FF2B5EF4-FFF2-40B4-BE49-F238E27FC236}">
-                  <a16:creationId xmlns:a16="http://schemas.microsoft.com/office/drawing/2014/main" id="{B265C345-4A39-494D-971A-6C9F8E06DA1F}"/>
+                  <a16:creationId xmlns:a16="http://schemas.microsoft.com/office/drawing/2014/main" xmlns="" id="{B265C345-4A39-494D-971A-6C9F8E06DA1F}"/>
                 </a:ext>
               </a:extLst>
             </p:cNvPr>
@@ -10089,7 +8531,7 @@
     </p:spTree>
     <p:extLst>
       <p:ext uri="{BB962C8B-B14F-4D97-AF65-F5344CB8AC3E}">
-        <p14:creationId xmlns:p14="http://schemas.microsoft.com/office/powerpoint/2010/main" val="3148822504"/>
+        <p14:creationId xmlns:p14="http://schemas.microsoft.com/office/powerpoint/2010/main" xmlns="" val="3148822504"/>
       </p:ext>
     </p:extLst>
   </p:cSld>
@@ -10121,7 +8563,7 @@
           <p:cNvPr id="5" name="Arrow: Pentagon 4">
             <a:extLst>
               <a:ext uri="{FF2B5EF4-FFF2-40B4-BE49-F238E27FC236}">
-                <a16:creationId xmlns:a16="http://schemas.microsoft.com/office/drawing/2014/main" id="{AA86AF38-A1B4-4568-9668-3015D44F843E}"/>
+                <a16:creationId xmlns:a16="http://schemas.microsoft.com/office/drawing/2014/main" xmlns="" id="{AA86AF38-A1B4-4568-9668-3015D44F843E}"/>
               </a:ext>
             </a:extLst>
           </p:cNvPr>
@@ -10177,7 +8619,7 @@
           <p:cNvPr id="18" name="Arrow: Pentagon 17">
             <a:extLst>
               <a:ext uri="{FF2B5EF4-FFF2-40B4-BE49-F238E27FC236}">
-                <a16:creationId xmlns:a16="http://schemas.microsoft.com/office/drawing/2014/main" id="{87D8D70F-9BD6-47BC-B1D7-FB4FA94199ED}"/>
+                <a16:creationId xmlns:a16="http://schemas.microsoft.com/office/drawing/2014/main" xmlns="" id="{87D8D70F-9BD6-47BC-B1D7-FB4FA94199ED}"/>
               </a:ext>
             </a:extLst>
           </p:cNvPr>
@@ -10233,7 +8675,7 @@
           <p:cNvPr id="6" name="Group 5">
             <a:extLst>
               <a:ext uri="{FF2B5EF4-FFF2-40B4-BE49-F238E27FC236}">
-                <a16:creationId xmlns:a16="http://schemas.microsoft.com/office/drawing/2014/main" id="{0C455B2A-3D1B-4F98-ACA5-C72C064015F6}"/>
+                <a16:creationId xmlns:a16="http://schemas.microsoft.com/office/drawing/2014/main" xmlns="" id="{0C455B2A-3D1B-4F98-ACA5-C72C064015F6}"/>
               </a:ext>
             </a:extLst>
           </p:cNvPr>
@@ -10253,7 +8695,7 @@
             <p:cNvPr id="8" name="TextBox 7">
               <a:extLst>
                 <a:ext uri="{FF2B5EF4-FFF2-40B4-BE49-F238E27FC236}">
-                  <a16:creationId xmlns:a16="http://schemas.microsoft.com/office/drawing/2014/main" id="{5CF5BDA4-10C7-46A6-AC30-523A3FC438AC}"/>
+                  <a16:creationId xmlns:a16="http://schemas.microsoft.com/office/drawing/2014/main" xmlns="" id="{5CF5BDA4-10C7-46A6-AC30-523A3FC438AC}"/>
                 </a:ext>
               </a:extLst>
             </p:cNvPr>
@@ -10311,7 +8753,7 @@
             <p:cNvPr id="9" name="TextBox 8">
               <a:extLst>
                 <a:ext uri="{FF2B5EF4-FFF2-40B4-BE49-F238E27FC236}">
-                  <a16:creationId xmlns:a16="http://schemas.microsoft.com/office/drawing/2014/main" id="{C062103B-F514-4BE9-B5B2-C13878D2FE7C}"/>
+                  <a16:creationId xmlns:a16="http://schemas.microsoft.com/office/drawing/2014/main" xmlns="" id="{C062103B-F514-4BE9-B5B2-C13878D2FE7C}"/>
                 </a:ext>
               </a:extLst>
             </p:cNvPr>
@@ -10437,7 +8879,7 @@
     </p:spTree>
     <p:extLst>
       <p:ext uri="{BB962C8B-B14F-4D97-AF65-F5344CB8AC3E}">
-        <p14:creationId xmlns:p14="http://schemas.microsoft.com/office/powerpoint/2010/main" val="3565490295"/>
+        <p14:creationId xmlns:p14="http://schemas.microsoft.com/office/powerpoint/2010/main" xmlns="" val="3565490295"/>
       </p:ext>
     </p:extLst>
   </p:cSld>
@@ -10469,7 +8911,7 @@
           <p:cNvPr id="2" name="Text Placeholder 1">
             <a:extLst>
               <a:ext uri="{FF2B5EF4-FFF2-40B4-BE49-F238E27FC236}">
-                <a16:creationId xmlns:a16="http://schemas.microsoft.com/office/drawing/2014/main" id="{D735F7F3-C1B5-4B60-A00A-4EB618DDFB5A}"/>
+                <a16:creationId xmlns:a16="http://schemas.microsoft.com/office/drawing/2014/main" xmlns="" id="{D735F7F3-C1B5-4B60-A00A-4EB618DDFB5A}"/>
               </a:ext>
             </a:extLst>
           </p:cNvPr>
@@ -10516,7 +8958,7 @@
           <p:cNvPr id="3" name="Straight Connector 2">
             <a:extLst>
               <a:ext uri="{FF2B5EF4-FFF2-40B4-BE49-F238E27FC236}">
-                <a16:creationId xmlns:a16="http://schemas.microsoft.com/office/drawing/2014/main" id="{520A64B3-C8A8-4696-81BE-5E3D7AE6A0F4}"/>
+                <a16:creationId xmlns:a16="http://schemas.microsoft.com/office/drawing/2014/main" xmlns="" id="{520A64B3-C8A8-4696-81BE-5E3D7AE6A0F4}"/>
               </a:ext>
             </a:extLst>
           </p:cNvPr>
@@ -10559,7 +9001,7 @@
           <p:cNvPr id="4" name="그룹 3">
             <a:extLst>
               <a:ext uri="{FF2B5EF4-FFF2-40B4-BE49-F238E27FC236}">
-                <a16:creationId xmlns:a16="http://schemas.microsoft.com/office/drawing/2014/main" id="{EA7EAC8C-3B18-4090-AE94-7B0BEEFF36DB}"/>
+                <a16:creationId xmlns:a16="http://schemas.microsoft.com/office/drawing/2014/main" xmlns="" id="{EA7EAC8C-3B18-4090-AE94-7B0BEEFF36DB}"/>
               </a:ext>
             </a:extLst>
           </p:cNvPr>
@@ -10579,7 +9021,7 @@
             <p:cNvPr id="5" name="TextBox 4">
               <a:extLst>
                 <a:ext uri="{FF2B5EF4-FFF2-40B4-BE49-F238E27FC236}">
-                  <a16:creationId xmlns:a16="http://schemas.microsoft.com/office/drawing/2014/main" id="{8BBE982F-3B81-4762-8FC6-CFE6B69DC4CC}"/>
+                  <a16:creationId xmlns:a16="http://schemas.microsoft.com/office/drawing/2014/main" xmlns="" id="{8BBE982F-3B81-4762-8FC6-CFE6B69DC4CC}"/>
                 </a:ext>
               </a:extLst>
             </p:cNvPr>
@@ -10825,7 +9267,7 @@
             <p:cNvPr id="6" name="TextBox 5">
               <a:extLst>
                 <a:ext uri="{FF2B5EF4-FFF2-40B4-BE49-F238E27FC236}">
-                  <a16:creationId xmlns:a16="http://schemas.microsoft.com/office/drawing/2014/main" id="{CEE4554C-DFCE-49BA-A7DC-8FF26CB667DF}"/>
+                  <a16:creationId xmlns:a16="http://schemas.microsoft.com/office/drawing/2014/main" xmlns="" id="{CEE4554C-DFCE-49BA-A7DC-8FF26CB667DF}"/>
                 </a:ext>
               </a:extLst>
             </p:cNvPr>
@@ -10926,7 +9368,7 @@
           <p:cNvPr id="7" name="TextBox 6">
             <a:extLst>
               <a:ext uri="{FF2B5EF4-FFF2-40B4-BE49-F238E27FC236}">
-                <a16:creationId xmlns:a16="http://schemas.microsoft.com/office/drawing/2014/main" id="{2296C34B-9814-4884-892B-43B3B6274DB7}"/>
+                <a16:creationId xmlns:a16="http://schemas.microsoft.com/office/drawing/2014/main" xmlns="" id="{2296C34B-9814-4884-892B-43B3B6274DB7}"/>
               </a:ext>
             </a:extLst>
           </p:cNvPr>
@@ -11247,7 +9689,7 @@
           <p:cNvPr id="8" name="TextBox 7">
             <a:extLst>
               <a:ext uri="{FF2B5EF4-FFF2-40B4-BE49-F238E27FC236}">
-                <a16:creationId xmlns:a16="http://schemas.microsoft.com/office/drawing/2014/main" id="{1BA90D9F-A25E-4470-AF72-EE68F223E2FC}"/>
+                <a16:creationId xmlns:a16="http://schemas.microsoft.com/office/drawing/2014/main" xmlns="" id="{1BA90D9F-A25E-4470-AF72-EE68F223E2FC}"/>
               </a:ext>
             </a:extLst>
           </p:cNvPr>
@@ -11688,7 +10130,7 @@
           <p:cNvPr id="9" name="TextBox 8">
             <a:extLst>
               <a:ext uri="{FF2B5EF4-FFF2-40B4-BE49-F238E27FC236}">
-                <a16:creationId xmlns:a16="http://schemas.microsoft.com/office/drawing/2014/main" id="{254FA930-1B63-4CEE-B155-A67C3A6BE78D}"/>
+                <a16:creationId xmlns:a16="http://schemas.microsoft.com/office/drawing/2014/main" xmlns="" id="{254FA930-1B63-4CEE-B155-A67C3A6BE78D}"/>
               </a:ext>
             </a:extLst>
           </p:cNvPr>
@@ -11937,7 +10379,7 @@
           <p:cNvPr id="10" name="TextBox 9">
             <a:extLst>
               <a:ext uri="{FF2B5EF4-FFF2-40B4-BE49-F238E27FC236}">
-                <a16:creationId xmlns:a16="http://schemas.microsoft.com/office/drawing/2014/main" id="{A94DD0E0-8AE5-48B8-872A-23D3E53708AB}"/>
+                <a16:creationId xmlns:a16="http://schemas.microsoft.com/office/drawing/2014/main" xmlns="" id="{A94DD0E0-8AE5-48B8-872A-23D3E53708AB}"/>
               </a:ext>
             </a:extLst>
           </p:cNvPr>
@@ -12354,7 +10796,7 @@
           <p:cNvPr id="11" name="TextBox 10">
             <a:extLst>
               <a:ext uri="{FF2B5EF4-FFF2-40B4-BE49-F238E27FC236}">
-                <a16:creationId xmlns:a16="http://schemas.microsoft.com/office/drawing/2014/main" id="{4FA8AD8F-0852-4D60-A73A-DF5080B4AD96}"/>
+                <a16:creationId xmlns:a16="http://schemas.microsoft.com/office/drawing/2014/main" xmlns="" id="{4FA8AD8F-0852-4D60-A73A-DF5080B4AD96}"/>
               </a:ext>
             </a:extLst>
           </p:cNvPr>
@@ -12418,7 +10860,7 @@
           <p:cNvPr id="12" name="Group 11">
             <a:extLst>
               <a:ext uri="{FF2B5EF4-FFF2-40B4-BE49-F238E27FC236}">
-                <a16:creationId xmlns:a16="http://schemas.microsoft.com/office/drawing/2014/main" id="{51D2DDFE-F313-47E4-8845-E3E72ABA711D}"/>
+                <a16:creationId xmlns:a16="http://schemas.microsoft.com/office/drawing/2014/main" xmlns="" id="{51D2DDFE-F313-47E4-8845-E3E72ABA711D}"/>
               </a:ext>
             </a:extLst>
           </p:cNvPr>
@@ -12438,7 +10880,7 @@
             <p:cNvPr id="13" name="Freeform: Shape 12">
               <a:extLst>
                 <a:ext uri="{FF2B5EF4-FFF2-40B4-BE49-F238E27FC236}">
-                  <a16:creationId xmlns:a16="http://schemas.microsoft.com/office/drawing/2014/main" id="{0DB08EF9-B0B0-49DB-AA58-6F304FC4D6D4}"/>
+                  <a16:creationId xmlns:a16="http://schemas.microsoft.com/office/drawing/2014/main" xmlns="" id="{0DB08EF9-B0B0-49DB-AA58-6F304FC4D6D4}"/>
                 </a:ext>
               </a:extLst>
             </p:cNvPr>
@@ -12957,7 +11399,7 @@
             <p:cNvPr id="14" name="Freeform: Shape 13">
               <a:extLst>
                 <a:ext uri="{FF2B5EF4-FFF2-40B4-BE49-F238E27FC236}">
-                  <a16:creationId xmlns:a16="http://schemas.microsoft.com/office/drawing/2014/main" id="{73B90B3A-F74C-47C5-B1AB-411345137958}"/>
+                  <a16:creationId xmlns:a16="http://schemas.microsoft.com/office/drawing/2014/main" xmlns="" id="{73B90B3A-F74C-47C5-B1AB-411345137958}"/>
                 </a:ext>
               </a:extLst>
             </p:cNvPr>
@@ -13189,7 +11631,7 @@
             <p:cNvPr id="15" name="Freeform: Shape 14">
               <a:extLst>
                 <a:ext uri="{FF2B5EF4-FFF2-40B4-BE49-F238E27FC236}">
-                  <a16:creationId xmlns:a16="http://schemas.microsoft.com/office/drawing/2014/main" id="{A9CC5701-1626-4B18-9D30-0FE030903366}"/>
+                  <a16:creationId xmlns:a16="http://schemas.microsoft.com/office/drawing/2014/main" xmlns="" id="{A9CC5701-1626-4B18-9D30-0FE030903366}"/>
                 </a:ext>
               </a:extLst>
             </p:cNvPr>
@@ -13453,7 +11895,7 @@
             <p:cNvPr id="16" name="Freeform: Shape 15">
               <a:extLst>
                 <a:ext uri="{FF2B5EF4-FFF2-40B4-BE49-F238E27FC236}">
-                  <a16:creationId xmlns:a16="http://schemas.microsoft.com/office/drawing/2014/main" id="{F06F9BB3-1564-42D4-B78C-7E1ED6FBD2BE}"/>
+                  <a16:creationId xmlns:a16="http://schemas.microsoft.com/office/drawing/2014/main" xmlns="" id="{F06F9BB3-1564-42D4-B78C-7E1ED6FBD2BE}"/>
                 </a:ext>
               </a:extLst>
             </p:cNvPr>
@@ -13847,7 +12289,7 @@
             <p:cNvPr id="17" name="Freeform: Shape 16">
               <a:extLst>
                 <a:ext uri="{FF2B5EF4-FFF2-40B4-BE49-F238E27FC236}">
-                  <a16:creationId xmlns:a16="http://schemas.microsoft.com/office/drawing/2014/main" id="{0D7D3F03-77AC-4D94-9C04-78FBF543CA68}"/>
+                  <a16:creationId xmlns:a16="http://schemas.microsoft.com/office/drawing/2014/main" xmlns="" id="{0D7D3F03-77AC-4D94-9C04-78FBF543CA68}"/>
                 </a:ext>
               </a:extLst>
             </p:cNvPr>
@@ -14231,7 +12673,7 @@
             <p:cNvPr id="18" name="Freeform: Shape 17">
               <a:extLst>
                 <a:ext uri="{FF2B5EF4-FFF2-40B4-BE49-F238E27FC236}">
-                  <a16:creationId xmlns:a16="http://schemas.microsoft.com/office/drawing/2014/main" id="{4C9A5471-D528-49BC-A150-79F5DCEC9218}"/>
+                  <a16:creationId xmlns:a16="http://schemas.microsoft.com/office/drawing/2014/main" xmlns="" id="{4C9A5471-D528-49BC-A150-79F5DCEC9218}"/>
                 </a:ext>
               </a:extLst>
             </p:cNvPr>
@@ -14565,7 +13007,7 @@
             <p:cNvPr id="19" name="Freeform: Shape 18">
               <a:extLst>
                 <a:ext uri="{FF2B5EF4-FFF2-40B4-BE49-F238E27FC236}">
-                  <a16:creationId xmlns:a16="http://schemas.microsoft.com/office/drawing/2014/main" id="{D06CBF79-9BD6-4F12-8B68-B47D00ACDF36}"/>
+                  <a16:creationId xmlns:a16="http://schemas.microsoft.com/office/drawing/2014/main" xmlns="" id="{D06CBF79-9BD6-4F12-8B68-B47D00ACDF36}"/>
                 </a:ext>
               </a:extLst>
             </p:cNvPr>
@@ -14929,7 +13371,7 @@
             <p:cNvPr id="20" name="Freeform: Shape 19">
               <a:extLst>
                 <a:ext uri="{FF2B5EF4-FFF2-40B4-BE49-F238E27FC236}">
-                  <a16:creationId xmlns:a16="http://schemas.microsoft.com/office/drawing/2014/main" id="{7886A6A4-4CFF-4510-BACF-B92EF22C0B5D}"/>
+                  <a16:creationId xmlns:a16="http://schemas.microsoft.com/office/drawing/2014/main" xmlns="" id="{7886A6A4-4CFF-4510-BACF-B92EF22C0B5D}"/>
                 </a:ext>
               </a:extLst>
             </p:cNvPr>
@@ -15313,7 +13755,7 @@
             <p:cNvPr id="21" name="Freeform: Shape 20">
               <a:extLst>
                 <a:ext uri="{FF2B5EF4-FFF2-40B4-BE49-F238E27FC236}">
-                  <a16:creationId xmlns:a16="http://schemas.microsoft.com/office/drawing/2014/main" id="{57135EFD-794F-408E-A208-EF14AA487532}"/>
+                  <a16:creationId xmlns:a16="http://schemas.microsoft.com/office/drawing/2014/main" xmlns="" id="{57135EFD-794F-408E-A208-EF14AA487532}"/>
                 </a:ext>
               </a:extLst>
             </p:cNvPr>
@@ -15697,7 +14139,7 @@
             <p:cNvPr id="22" name="Freeform: Shape 21">
               <a:extLst>
                 <a:ext uri="{FF2B5EF4-FFF2-40B4-BE49-F238E27FC236}">
-                  <a16:creationId xmlns:a16="http://schemas.microsoft.com/office/drawing/2014/main" id="{D021E5EF-02C5-40DA-B116-AE3949DE1946}"/>
+                  <a16:creationId xmlns:a16="http://schemas.microsoft.com/office/drawing/2014/main" xmlns="" id="{D021E5EF-02C5-40DA-B116-AE3949DE1946}"/>
                 </a:ext>
               </a:extLst>
             </p:cNvPr>
@@ -16031,7 +14473,7 @@
             <p:cNvPr id="23" name="Freeform: Shape 22">
               <a:extLst>
                 <a:ext uri="{FF2B5EF4-FFF2-40B4-BE49-F238E27FC236}">
-                  <a16:creationId xmlns:a16="http://schemas.microsoft.com/office/drawing/2014/main" id="{4A196F70-6111-4F64-A5F3-3BD3D8A0C470}"/>
+                  <a16:creationId xmlns:a16="http://schemas.microsoft.com/office/drawing/2014/main" xmlns="" id="{4A196F70-6111-4F64-A5F3-3BD3D8A0C470}"/>
                 </a:ext>
               </a:extLst>
             </p:cNvPr>
@@ -16255,7 +14697,7 @@
             <p:cNvPr id="24" name="Freeform: Shape 23">
               <a:extLst>
                 <a:ext uri="{FF2B5EF4-FFF2-40B4-BE49-F238E27FC236}">
-                  <a16:creationId xmlns:a16="http://schemas.microsoft.com/office/drawing/2014/main" id="{3CDA6C65-27F1-4010-B67C-8AD6FFAE0B92}"/>
+                  <a16:creationId xmlns:a16="http://schemas.microsoft.com/office/drawing/2014/main" xmlns="" id="{3CDA6C65-27F1-4010-B67C-8AD6FFAE0B92}"/>
                 </a:ext>
               </a:extLst>
             </p:cNvPr>
@@ -16539,7 +14981,7 @@
             <p:cNvPr id="25" name="Freeform: Shape 24">
               <a:extLst>
                 <a:ext uri="{FF2B5EF4-FFF2-40B4-BE49-F238E27FC236}">
-                  <a16:creationId xmlns:a16="http://schemas.microsoft.com/office/drawing/2014/main" id="{0E9CF38F-0771-40FA-BBA8-63FE2A45FFD9}"/>
+                  <a16:creationId xmlns:a16="http://schemas.microsoft.com/office/drawing/2014/main" xmlns="" id="{0E9CF38F-0771-40FA-BBA8-63FE2A45FFD9}"/>
                 </a:ext>
               </a:extLst>
             </p:cNvPr>
@@ -16813,7 +15255,7 @@
             <p:cNvPr id="26" name="Freeform: Shape 25">
               <a:extLst>
                 <a:ext uri="{FF2B5EF4-FFF2-40B4-BE49-F238E27FC236}">
-                  <a16:creationId xmlns:a16="http://schemas.microsoft.com/office/drawing/2014/main" id="{038A2B0E-7908-4AD0-9069-FE6DAA5D8FA8}"/>
+                  <a16:creationId xmlns:a16="http://schemas.microsoft.com/office/drawing/2014/main" xmlns="" id="{038A2B0E-7908-4AD0-9069-FE6DAA5D8FA8}"/>
                 </a:ext>
               </a:extLst>
             </p:cNvPr>
@@ -17017,7 +15459,7 @@
             <p:cNvPr id="27" name="Freeform: Shape 26">
               <a:extLst>
                 <a:ext uri="{FF2B5EF4-FFF2-40B4-BE49-F238E27FC236}">
-                  <a16:creationId xmlns:a16="http://schemas.microsoft.com/office/drawing/2014/main" id="{AEF592F0-F19C-4E29-B38F-C91EDDC96DCC}"/>
+                  <a16:creationId xmlns:a16="http://schemas.microsoft.com/office/drawing/2014/main" xmlns="" id="{AEF592F0-F19C-4E29-B38F-C91EDDC96DCC}"/>
                 </a:ext>
               </a:extLst>
             </p:cNvPr>
@@ -17201,7 +15643,7 @@
             <p:cNvPr id="28" name="Freeform: Shape 27">
               <a:extLst>
                 <a:ext uri="{FF2B5EF4-FFF2-40B4-BE49-F238E27FC236}">
-                  <a16:creationId xmlns:a16="http://schemas.microsoft.com/office/drawing/2014/main" id="{C5D03CB7-F20D-4B70-A62C-2BBE75B40D65}"/>
+                  <a16:creationId xmlns:a16="http://schemas.microsoft.com/office/drawing/2014/main" xmlns="" id="{C5D03CB7-F20D-4B70-A62C-2BBE75B40D65}"/>
                 </a:ext>
               </a:extLst>
             </p:cNvPr>
@@ -17355,7 +15797,7 @@
             <p:cNvPr id="29" name="Freeform: Shape 28">
               <a:extLst>
                 <a:ext uri="{FF2B5EF4-FFF2-40B4-BE49-F238E27FC236}">
-                  <a16:creationId xmlns:a16="http://schemas.microsoft.com/office/drawing/2014/main" id="{86E5AA2F-9F46-47E4-B687-95DACE9E01F2}"/>
+                  <a16:creationId xmlns:a16="http://schemas.microsoft.com/office/drawing/2014/main" xmlns="" id="{86E5AA2F-9F46-47E4-B687-95DACE9E01F2}"/>
                 </a:ext>
               </a:extLst>
             </p:cNvPr>
@@ -18891,7 +17333,7 @@
             <p:cNvPr id="30" name="Freeform: Shape 29">
               <a:extLst>
                 <a:ext uri="{FF2B5EF4-FFF2-40B4-BE49-F238E27FC236}">
-                  <a16:creationId xmlns:a16="http://schemas.microsoft.com/office/drawing/2014/main" id="{0C7D5311-F914-408A-AA47-D02C460329E7}"/>
+                  <a16:creationId xmlns:a16="http://schemas.microsoft.com/office/drawing/2014/main" xmlns="" id="{0C7D5311-F914-408A-AA47-D02C460329E7}"/>
                 </a:ext>
               </a:extLst>
             </p:cNvPr>
@@ -18995,7 +17437,7 @@
             <p:cNvPr id="31" name="Freeform: Shape 30">
               <a:extLst>
                 <a:ext uri="{FF2B5EF4-FFF2-40B4-BE49-F238E27FC236}">
-                  <a16:creationId xmlns:a16="http://schemas.microsoft.com/office/drawing/2014/main" id="{8216485F-E3D4-4890-8CB1-711E1EDDF456}"/>
+                  <a16:creationId xmlns:a16="http://schemas.microsoft.com/office/drawing/2014/main" xmlns="" id="{8216485F-E3D4-4890-8CB1-711E1EDDF456}"/>
                 </a:ext>
               </a:extLst>
             </p:cNvPr>
@@ -19219,7 +17661,7 @@
             <p:cNvPr id="32" name="Freeform: Shape 31">
               <a:extLst>
                 <a:ext uri="{FF2B5EF4-FFF2-40B4-BE49-F238E27FC236}">
-                  <a16:creationId xmlns:a16="http://schemas.microsoft.com/office/drawing/2014/main" id="{68F5F13F-5859-4F4A-9E4C-3E132C092899}"/>
+                  <a16:creationId xmlns:a16="http://schemas.microsoft.com/office/drawing/2014/main" xmlns="" id="{68F5F13F-5859-4F4A-9E4C-3E132C092899}"/>
                 </a:ext>
               </a:extLst>
             </p:cNvPr>
@@ -19453,7 +17895,7 @@
             <p:cNvPr id="33" name="Freeform: Shape 32">
               <a:extLst>
                 <a:ext uri="{FF2B5EF4-FFF2-40B4-BE49-F238E27FC236}">
-                  <a16:creationId xmlns:a16="http://schemas.microsoft.com/office/drawing/2014/main" id="{EFFFB84E-5518-4227-86DD-D3113D465E82}"/>
+                  <a16:creationId xmlns:a16="http://schemas.microsoft.com/office/drawing/2014/main" xmlns="" id="{EFFFB84E-5518-4227-86DD-D3113D465E82}"/>
                 </a:ext>
               </a:extLst>
             </p:cNvPr>
@@ -19687,7 +18129,7 @@
             <p:cNvPr id="34" name="Freeform: Shape 33">
               <a:extLst>
                 <a:ext uri="{FF2B5EF4-FFF2-40B4-BE49-F238E27FC236}">
-                  <a16:creationId xmlns:a16="http://schemas.microsoft.com/office/drawing/2014/main" id="{F1656ED7-8FE8-4F63-B562-90DCC6569987}"/>
+                  <a16:creationId xmlns:a16="http://schemas.microsoft.com/office/drawing/2014/main" xmlns="" id="{F1656ED7-8FE8-4F63-B562-90DCC6569987}"/>
                 </a:ext>
               </a:extLst>
             </p:cNvPr>
@@ -19911,7 +18353,7 @@
             <p:cNvPr id="35" name="Freeform: Shape 34">
               <a:extLst>
                 <a:ext uri="{FF2B5EF4-FFF2-40B4-BE49-F238E27FC236}">
-                  <a16:creationId xmlns:a16="http://schemas.microsoft.com/office/drawing/2014/main" id="{C5B78A19-C637-45D7-83F4-88D190117FB4}"/>
+                  <a16:creationId xmlns:a16="http://schemas.microsoft.com/office/drawing/2014/main" xmlns="" id="{C5B78A19-C637-45D7-83F4-88D190117FB4}"/>
                 </a:ext>
               </a:extLst>
             </p:cNvPr>
@@ -20185,7 +18627,7 @@
             <p:cNvPr id="36" name="Freeform: Shape 35">
               <a:extLst>
                 <a:ext uri="{FF2B5EF4-FFF2-40B4-BE49-F238E27FC236}">
-                  <a16:creationId xmlns:a16="http://schemas.microsoft.com/office/drawing/2014/main" id="{E181201A-A263-4752-BD5E-D4C1C4FFAEF3}"/>
+                  <a16:creationId xmlns:a16="http://schemas.microsoft.com/office/drawing/2014/main" xmlns="" id="{E181201A-A263-4752-BD5E-D4C1C4FFAEF3}"/>
                 </a:ext>
               </a:extLst>
             </p:cNvPr>
@@ -21226,7 +19668,7 @@
             <p:cNvPr id="37" name="Freeform: Shape 36">
               <a:extLst>
                 <a:ext uri="{FF2B5EF4-FFF2-40B4-BE49-F238E27FC236}">
-                  <a16:creationId xmlns:a16="http://schemas.microsoft.com/office/drawing/2014/main" id="{3566C1FB-75F5-405F-9B6B-CC9DDDA2E818}"/>
+                  <a16:creationId xmlns:a16="http://schemas.microsoft.com/office/drawing/2014/main" xmlns="" id="{3566C1FB-75F5-405F-9B6B-CC9DDDA2E818}"/>
                 </a:ext>
               </a:extLst>
             </p:cNvPr>
@@ -21420,7 +19862,7 @@
             <p:cNvPr id="38" name="Freeform: Shape 37">
               <a:extLst>
                 <a:ext uri="{FF2B5EF4-FFF2-40B4-BE49-F238E27FC236}">
-                  <a16:creationId xmlns:a16="http://schemas.microsoft.com/office/drawing/2014/main" id="{D91E7633-CAB2-478E-B8FE-A4A7563CD1DF}"/>
+                  <a16:creationId xmlns:a16="http://schemas.microsoft.com/office/drawing/2014/main" xmlns="" id="{D91E7633-CAB2-478E-B8FE-A4A7563CD1DF}"/>
                 </a:ext>
               </a:extLst>
             </p:cNvPr>
@@ -21604,7 +20046,7 @@
             <p:cNvPr id="39" name="Freeform: Shape 38">
               <a:extLst>
                 <a:ext uri="{FF2B5EF4-FFF2-40B4-BE49-F238E27FC236}">
-                  <a16:creationId xmlns:a16="http://schemas.microsoft.com/office/drawing/2014/main" id="{0D3677D3-A57B-4A95-913E-1312911F6411}"/>
+                  <a16:creationId xmlns:a16="http://schemas.microsoft.com/office/drawing/2014/main" xmlns="" id="{0D3677D3-A57B-4A95-913E-1312911F6411}"/>
                 </a:ext>
               </a:extLst>
             </p:cNvPr>
@@ -21788,7 +20230,7 @@
             <p:cNvPr id="40" name="Freeform: Shape 39">
               <a:extLst>
                 <a:ext uri="{FF2B5EF4-FFF2-40B4-BE49-F238E27FC236}">
-                  <a16:creationId xmlns:a16="http://schemas.microsoft.com/office/drawing/2014/main" id="{4F27A78C-7387-424A-BA7E-66B96B918F26}"/>
+                  <a16:creationId xmlns:a16="http://schemas.microsoft.com/office/drawing/2014/main" xmlns="" id="{4F27A78C-7387-424A-BA7E-66B96B918F26}"/>
                 </a:ext>
               </a:extLst>
             </p:cNvPr>
@@ -22022,7 +20464,7 @@
             <p:cNvPr id="41" name="Freeform: Shape 40">
               <a:extLst>
                 <a:ext uri="{FF2B5EF4-FFF2-40B4-BE49-F238E27FC236}">
-                  <a16:creationId xmlns:a16="http://schemas.microsoft.com/office/drawing/2014/main" id="{0B3A5D38-19C3-469C-A11A-CE0A047F1742}"/>
+                  <a16:creationId xmlns:a16="http://schemas.microsoft.com/office/drawing/2014/main" xmlns="" id="{0B3A5D38-19C3-469C-A11A-CE0A047F1742}"/>
                 </a:ext>
               </a:extLst>
             </p:cNvPr>
@@ -22226,7 +20668,7 @@
             <p:cNvPr id="42" name="Freeform: Shape 41">
               <a:extLst>
                 <a:ext uri="{FF2B5EF4-FFF2-40B4-BE49-F238E27FC236}">
-                  <a16:creationId xmlns:a16="http://schemas.microsoft.com/office/drawing/2014/main" id="{2FEF8AA0-6178-4159-B279-D985A7EF9F9E}"/>
+                  <a16:creationId xmlns:a16="http://schemas.microsoft.com/office/drawing/2014/main" xmlns="" id="{2FEF8AA0-6178-4159-B279-D985A7EF9F9E}"/>
                 </a:ext>
               </a:extLst>
             </p:cNvPr>
@@ -22410,7 +20852,7 @@
             <p:cNvPr id="43" name="Freeform: Shape 42">
               <a:extLst>
                 <a:ext uri="{FF2B5EF4-FFF2-40B4-BE49-F238E27FC236}">
-                  <a16:creationId xmlns:a16="http://schemas.microsoft.com/office/drawing/2014/main" id="{03163CF5-A03C-4E9E-A47A-26FFC866085D}"/>
+                  <a16:creationId xmlns:a16="http://schemas.microsoft.com/office/drawing/2014/main" xmlns="" id="{03163CF5-A03C-4E9E-A47A-26FFC866085D}"/>
                 </a:ext>
               </a:extLst>
             </p:cNvPr>
@@ -22674,7 +21116,7 @@
             <p:cNvPr id="44" name="Freeform: Shape 43">
               <a:extLst>
                 <a:ext uri="{FF2B5EF4-FFF2-40B4-BE49-F238E27FC236}">
-                  <a16:creationId xmlns:a16="http://schemas.microsoft.com/office/drawing/2014/main" id="{B437C3CB-7285-4E63-800A-66F5856CFC5A}"/>
+                  <a16:creationId xmlns:a16="http://schemas.microsoft.com/office/drawing/2014/main" xmlns="" id="{B437C3CB-7285-4E63-800A-66F5856CFC5A}"/>
                 </a:ext>
               </a:extLst>
             </p:cNvPr>
@@ -22858,7 +21300,7 @@
             <p:cNvPr id="45" name="Freeform: Shape 44">
               <a:extLst>
                 <a:ext uri="{FF2B5EF4-FFF2-40B4-BE49-F238E27FC236}">
-                  <a16:creationId xmlns:a16="http://schemas.microsoft.com/office/drawing/2014/main" id="{F22C7F24-5E37-46F1-B353-9DDE282C38B9}"/>
+                  <a16:creationId xmlns:a16="http://schemas.microsoft.com/office/drawing/2014/main" xmlns="" id="{F22C7F24-5E37-46F1-B353-9DDE282C38B9}"/>
                 </a:ext>
               </a:extLst>
             </p:cNvPr>
@@ -23082,7 +21524,7 @@
             <p:cNvPr id="46" name="Freeform: Shape 45">
               <a:extLst>
                 <a:ext uri="{FF2B5EF4-FFF2-40B4-BE49-F238E27FC236}">
-                  <a16:creationId xmlns:a16="http://schemas.microsoft.com/office/drawing/2014/main" id="{F858E1A6-5612-4FB0-BD32-13FE6473F6CE}"/>
+                  <a16:creationId xmlns:a16="http://schemas.microsoft.com/office/drawing/2014/main" xmlns="" id="{F858E1A6-5612-4FB0-BD32-13FE6473F6CE}"/>
                 </a:ext>
               </a:extLst>
             </p:cNvPr>
@@ -23286,7 +21728,7 @@
             <p:cNvPr id="47" name="Freeform: Shape 46">
               <a:extLst>
                 <a:ext uri="{FF2B5EF4-FFF2-40B4-BE49-F238E27FC236}">
-                  <a16:creationId xmlns:a16="http://schemas.microsoft.com/office/drawing/2014/main" id="{F838EAE9-B824-4A9F-B1FE-4B34C310F3FB}"/>
+                  <a16:creationId xmlns:a16="http://schemas.microsoft.com/office/drawing/2014/main" xmlns="" id="{F838EAE9-B824-4A9F-B1FE-4B34C310F3FB}"/>
                 </a:ext>
               </a:extLst>
             </p:cNvPr>
@@ -23390,7 +21832,7 @@
             <p:cNvPr id="48" name="Freeform: Shape 47">
               <a:extLst>
                 <a:ext uri="{FF2B5EF4-FFF2-40B4-BE49-F238E27FC236}">
-                  <a16:creationId xmlns:a16="http://schemas.microsoft.com/office/drawing/2014/main" id="{7B2689EA-DE1C-47BE-9F19-E516C6E0DD33}"/>
+                  <a16:creationId xmlns:a16="http://schemas.microsoft.com/office/drawing/2014/main" xmlns="" id="{7B2689EA-DE1C-47BE-9F19-E516C6E0DD33}"/>
                 </a:ext>
               </a:extLst>
             </p:cNvPr>
@@ -23494,7 +21936,7 @@
             <p:cNvPr id="49" name="Freeform: Shape 48">
               <a:extLst>
                 <a:ext uri="{FF2B5EF4-FFF2-40B4-BE49-F238E27FC236}">
-                  <a16:creationId xmlns:a16="http://schemas.microsoft.com/office/drawing/2014/main" id="{E477E156-C1E2-4E61-BF20-F1D85EF03AF0}"/>
+                  <a16:creationId xmlns:a16="http://schemas.microsoft.com/office/drawing/2014/main" xmlns="" id="{E477E156-C1E2-4E61-BF20-F1D85EF03AF0}"/>
                 </a:ext>
               </a:extLst>
             </p:cNvPr>
@@ -23877,7 +22319,7 @@
     </p:spTree>
     <p:extLst>
       <p:ext uri="{BB962C8B-B14F-4D97-AF65-F5344CB8AC3E}">
-        <p14:creationId xmlns:p14="http://schemas.microsoft.com/office/powerpoint/2010/main" val="2737942562"/>
+        <p14:creationId xmlns:p14="http://schemas.microsoft.com/office/powerpoint/2010/main" xmlns="" val="2737942562"/>
       </p:ext>
     </p:extLst>
   </p:cSld>
@@ -23909,7 +22351,7 @@
           <p:cNvPr id="5" name="Arrow: Pentagon 4">
             <a:extLst>
               <a:ext uri="{FF2B5EF4-FFF2-40B4-BE49-F238E27FC236}">
-                <a16:creationId xmlns:a16="http://schemas.microsoft.com/office/drawing/2014/main" id="{AA86AF38-A1B4-4568-9668-3015D44F843E}"/>
+                <a16:creationId xmlns:a16="http://schemas.microsoft.com/office/drawing/2014/main" xmlns="" id="{AA86AF38-A1B4-4568-9668-3015D44F843E}"/>
               </a:ext>
             </a:extLst>
           </p:cNvPr>
@@ -23965,7 +22407,7 @@
           <p:cNvPr id="18" name="Arrow: Pentagon 17">
             <a:extLst>
               <a:ext uri="{FF2B5EF4-FFF2-40B4-BE49-F238E27FC236}">
-                <a16:creationId xmlns:a16="http://schemas.microsoft.com/office/drawing/2014/main" id="{87D8D70F-9BD6-47BC-B1D7-FB4FA94199ED}"/>
+                <a16:creationId xmlns:a16="http://schemas.microsoft.com/office/drawing/2014/main" xmlns="" id="{87D8D70F-9BD6-47BC-B1D7-FB4FA94199ED}"/>
               </a:ext>
             </a:extLst>
           </p:cNvPr>
@@ -24021,7 +22463,7 @@
           <p:cNvPr id="6" name="Group 5">
             <a:extLst>
               <a:ext uri="{FF2B5EF4-FFF2-40B4-BE49-F238E27FC236}">
-                <a16:creationId xmlns:a16="http://schemas.microsoft.com/office/drawing/2014/main" id="{0C455B2A-3D1B-4F98-ACA5-C72C064015F6}"/>
+                <a16:creationId xmlns:a16="http://schemas.microsoft.com/office/drawing/2014/main" xmlns="" id="{0C455B2A-3D1B-4F98-ACA5-C72C064015F6}"/>
               </a:ext>
             </a:extLst>
           </p:cNvPr>
@@ -24041,7 +22483,7 @@
             <p:cNvPr id="8" name="TextBox 7">
               <a:extLst>
                 <a:ext uri="{FF2B5EF4-FFF2-40B4-BE49-F238E27FC236}">
-                  <a16:creationId xmlns:a16="http://schemas.microsoft.com/office/drawing/2014/main" id="{5CF5BDA4-10C7-46A6-AC30-523A3FC438AC}"/>
+                  <a16:creationId xmlns:a16="http://schemas.microsoft.com/office/drawing/2014/main" xmlns="" id="{5CF5BDA4-10C7-46A6-AC30-523A3FC438AC}"/>
                 </a:ext>
               </a:extLst>
             </p:cNvPr>
@@ -24089,7 +22531,7 @@
             <p:cNvPr id="9" name="TextBox 8">
               <a:extLst>
                 <a:ext uri="{FF2B5EF4-FFF2-40B4-BE49-F238E27FC236}">
-                  <a16:creationId xmlns:a16="http://schemas.microsoft.com/office/drawing/2014/main" id="{C062103B-F514-4BE9-B5B2-C13878D2FE7C}"/>
+                  <a16:creationId xmlns:a16="http://schemas.microsoft.com/office/drawing/2014/main" xmlns="" id="{C062103B-F514-4BE9-B5B2-C13878D2FE7C}"/>
                 </a:ext>
               </a:extLst>
             </p:cNvPr>
@@ -24134,7 +22576,7 @@
     </p:spTree>
     <p:extLst>
       <p:ext uri="{BB962C8B-B14F-4D97-AF65-F5344CB8AC3E}">
-        <p14:creationId xmlns:p14="http://schemas.microsoft.com/office/powerpoint/2010/main" val="2068662123"/>
+        <p14:creationId xmlns:p14="http://schemas.microsoft.com/office/powerpoint/2010/main" xmlns="" val="2068662123"/>
       </p:ext>
     </p:extLst>
   </p:cSld>
@@ -24166,7 +22608,7 @@
           <p:cNvPr id="2" name="Text Placeholder 1">
             <a:extLst>
               <a:ext uri="{FF2B5EF4-FFF2-40B4-BE49-F238E27FC236}">
-                <a16:creationId xmlns:a16="http://schemas.microsoft.com/office/drawing/2014/main" id="{D735F7F3-C1B5-4B60-A00A-4EB618DDFB5A}"/>
+                <a16:creationId xmlns:a16="http://schemas.microsoft.com/office/drawing/2014/main" xmlns="" id="{D735F7F3-C1B5-4B60-A00A-4EB618DDFB5A}"/>
               </a:ext>
             </a:extLst>
           </p:cNvPr>
@@ -24194,7 +22636,7 @@
           <p:cNvPr id="71" name="그룹 70">
             <a:extLst>
               <a:ext uri="{FF2B5EF4-FFF2-40B4-BE49-F238E27FC236}">
-                <a16:creationId xmlns:a16="http://schemas.microsoft.com/office/drawing/2014/main" id="{67E1A2A2-3862-4E80-B1FA-B62470154B48}"/>
+                <a16:creationId xmlns:a16="http://schemas.microsoft.com/office/drawing/2014/main" xmlns="" id="{67E1A2A2-3862-4E80-B1FA-B62470154B48}"/>
               </a:ext>
             </a:extLst>
           </p:cNvPr>
@@ -24214,7 +22656,7 @@
             <p:cNvPr id="13" name="Freeform: Shape 12">
               <a:extLst>
                 <a:ext uri="{FF2B5EF4-FFF2-40B4-BE49-F238E27FC236}">
-                  <a16:creationId xmlns:a16="http://schemas.microsoft.com/office/drawing/2014/main" id="{486C7AC3-AE40-488D-B86C-40E08CBB6E48}"/>
+                  <a16:creationId xmlns:a16="http://schemas.microsoft.com/office/drawing/2014/main" xmlns="" id="{486C7AC3-AE40-488D-B86C-40E08CBB6E48}"/>
                 </a:ext>
               </a:extLst>
             </p:cNvPr>
@@ -24390,7 +22832,7 @@
             <p:cNvPr id="14" name="Freeform: Shape 13">
               <a:extLst>
                 <a:ext uri="{FF2B5EF4-FFF2-40B4-BE49-F238E27FC236}">
-                  <a16:creationId xmlns:a16="http://schemas.microsoft.com/office/drawing/2014/main" id="{3ABE07C0-F276-48FC-AA7A-C46768907BCD}"/>
+                  <a16:creationId xmlns:a16="http://schemas.microsoft.com/office/drawing/2014/main" xmlns="" id="{3ABE07C0-F276-48FC-AA7A-C46768907BCD}"/>
                 </a:ext>
               </a:extLst>
             </p:cNvPr>
@@ -24606,7 +23048,7 @@
             <p:cNvPr id="15" name="Freeform: Shape 14">
               <a:extLst>
                 <a:ext uri="{FF2B5EF4-FFF2-40B4-BE49-F238E27FC236}">
-                  <a16:creationId xmlns:a16="http://schemas.microsoft.com/office/drawing/2014/main" id="{EA3BCE9F-5EE4-4CB7-8460-CEDC278225F9}"/>
+                  <a16:creationId xmlns:a16="http://schemas.microsoft.com/office/drawing/2014/main" xmlns="" id="{EA3BCE9F-5EE4-4CB7-8460-CEDC278225F9}"/>
                 </a:ext>
               </a:extLst>
             </p:cNvPr>
@@ -24782,7 +23224,7 @@
             <p:cNvPr id="16" name="Freeform: Shape 15">
               <a:extLst>
                 <a:ext uri="{FF2B5EF4-FFF2-40B4-BE49-F238E27FC236}">
-                  <a16:creationId xmlns:a16="http://schemas.microsoft.com/office/drawing/2014/main" id="{5D444CF7-482F-49B2-ACF6-DCBCFAD6C6A2}"/>
+                  <a16:creationId xmlns:a16="http://schemas.microsoft.com/office/drawing/2014/main" xmlns="" id="{5D444CF7-482F-49B2-ACF6-DCBCFAD6C6A2}"/>
                 </a:ext>
               </a:extLst>
             </p:cNvPr>
@@ -25717,7 +24159,7 @@
             <p:cNvPr id="17" name="Freeform: Shape 16">
               <a:extLst>
                 <a:ext uri="{FF2B5EF4-FFF2-40B4-BE49-F238E27FC236}">
-                  <a16:creationId xmlns:a16="http://schemas.microsoft.com/office/drawing/2014/main" id="{F661DCDC-E9B6-42C5-AC2C-A85D67A4E682}"/>
+                  <a16:creationId xmlns:a16="http://schemas.microsoft.com/office/drawing/2014/main" xmlns="" id="{F661DCDC-E9B6-42C5-AC2C-A85D67A4E682}"/>
                 </a:ext>
               </a:extLst>
             </p:cNvPr>
@@ -25923,7 +24365,7 @@
             <p:cNvPr id="18" name="Freeform: Shape 17">
               <a:extLst>
                 <a:ext uri="{FF2B5EF4-FFF2-40B4-BE49-F238E27FC236}">
-                  <a16:creationId xmlns:a16="http://schemas.microsoft.com/office/drawing/2014/main" id="{AD2488BC-EB0D-4F2B-AF99-2332E2029D45}"/>
+                  <a16:creationId xmlns:a16="http://schemas.microsoft.com/office/drawing/2014/main" xmlns="" id="{AD2488BC-EB0D-4F2B-AF99-2332E2029D45}"/>
                 </a:ext>
               </a:extLst>
             </p:cNvPr>
@@ -26129,7 +24571,7 @@
             <p:cNvPr id="19" name="Freeform: Shape 18">
               <a:extLst>
                 <a:ext uri="{FF2B5EF4-FFF2-40B4-BE49-F238E27FC236}">
-                  <a16:creationId xmlns:a16="http://schemas.microsoft.com/office/drawing/2014/main" id="{09DE8687-4FBB-4331-8D7A-AFBF2CC5F37F}"/>
+                  <a16:creationId xmlns:a16="http://schemas.microsoft.com/office/drawing/2014/main" xmlns="" id="{09DE8687-4FBB-4331-8D7A-AFBF2CC5F37F}"/>
                 </a:ext>
               </a:extLst>
             </p:cNvPr>
@@ -26355,7 +24797,7 @@
             <p:cNvPr id="20" name="Freeform: Shape 19">
               <a:extLst>
                 <a:ext uri="{FF2B5EF4-FFF2-40B4-BE49-F238E27FC236}">
-                  <a16:creationId xmlns:a16="http://schemas.microsoft.com/office/drawing/2014/main" id="{FB9D08A2-4349-410D-B1AB-4F88B0EE84CC}"/>
+                  <a16:creationId xmlns:a16="http://schemas.microsoft.com/office/drawing/2014/main" xmlns="" id="{FB9D08A2-4349-410D-B1AB-4F88B0EE84CC}"/>
                 </a:ext>
               </a:extLst>
             </p:cNvPr>
@@ -26572,7 +25014,7 @@
           <p:cNvPr id="21" name="Group 20">
             <a:extLst>
               <a:ext uri="{FF2B5EF4-FFF2-40B4-BE49-F238E27FC236}">
-                <a16:creationId xmlns:a16="http://schemas.microsoft.com/office/drawing/2014/main" id="{D0B5292D-EDBE-4D5A-903A-70B0D0CF9940}"/>
+                <a16:creationId xmlns:a16="http://schemas.microsoft.com/office/drawing/2014/main" xmlns="" id="{D0B5292D-EDBE-4D5A-903A-70B0D0CF9940}"/>
               </a:ext>
             </a:extLst>
           </p:cNvPr>
@@ -26592,7 +25034,7 @@
             <p:cNvPr id="22" name="TextBox 21">
               <a:extLst>
                 <a:ext uri="{FF2B5EF4-FFF2-40B4-BE49-F238E27FC236}">
-                  <a16:creationId xmlns:a16="http://schemas.microsoft.com/office/drawing/2014/main" id="{E730FFF3-8046-4C7A-8F64-B017549EE060}"/>
+                  <a16:creationId xmlns:a16="http://schemas.microsoft.com/office/drawing/2014/main" xmlns="" id="{E730FFF3-8046-4C7A-8F64-B017549EE060}"/>
                 </a:ext>
               </a:extLst>
             </p:cNvPr>
@@ -26641,7 +25083,7 @@
             <p:cNvPr id="23" name="TextBox 22">
               <a:extLst>
                 <a:ext uri="{FF2B5EF4-FFF2-40B4-BE49-F238E27FC236}">
-                  <a16:creationId xmlns:a16="http://schemas.microsoft.com/office/drawing/2014/main" id="{1075CB3E-2A61-43AD-91DE-BC90601242D2}"/>
+                  <a16:creationId xmlns:a16="http://schemas.microsoft.com/office/drawing/2014/main" xmlns="" id="{1075CB3E-2A61-43AD-91DE-BC90601242D2}"/>
                 </a:ext>
               </a:extLst>
             </p:cNvPr>
@@ -26974,7 +25416,7 @@
           <p:cNvPr id="24" name="Group 23">
             <a:extLst>
               <a:ext uri="{FF2B5EF4-FFF2-40B4-BE49-F238E27FC236}">
-                <a16:creationId xmlns:a16="http://schemas.microsoft.com/office/drawing/2014/main" id="{7CF9FD86-648B-4A87-9E26-E73C4F3A6DEB}"/>
+                <a16:creationId xmlns:a16="http://schemas.microsoft.com/office/drawing/2014/main" xmlns="" id="{7CF9FD86-648B-4A87-9E26-E73C4F3A6DEB}"/>
               </a:ext>
             </a:extLst>
           </p:cNvPr>
@@ -26994,7 +25436,7 @@
             <p:cNvPr id="25" name="TextBox 24">
               <a:extLst>
                 <a:ext uri="{FF2B5EF4-FFF2-40B4-BE49-F238E27FC236}">
-                  <a16:creationId xmlns:a16="http://schemas.microsoft.com/office/drawing/2014/main" id="{5CF37470-9C4B-4FE9-AA56-AF522A194014}"/>
+                  <a16:creationId xmlns:a16="http://schemas.microsoft.com/office/drawing/2014/main" xmlns="" id="{5CF37470-9C4B-4FE9-AA56-AF522A194014}"/>
                 </a:ext>
               </a:extLst>
             </p:cNvPr>
@@ -27060,7 +25502,7 @@
             <p:cNvPr id="26" name="TextBox 25">
               <a:extLst>
                 <a:ext uri="{FF2B5EF4-FFF2-40B4-BE49-F238E27FC236}">
-                  <a16:creationId xmlns:a16="http://schemas.microsoft.com/office/drawing/2014/main" id="{0A20D448-86E9-4B27-BFEA-401C59B33C9C}"/>
+                  <a16:creationId xmlns:a16="http://schemas.microsoft.com/office/drawing/2014/main" xmlns="" id="{0A20D448-86E9-4B27-BFEA-401C59B33C9C}"/>
                 </a:ext>
               </a:extLst>
             </p:cNvPr>
@@ -27696,7 +26138,7 @@
           <p:cNvPr id="27" name="Group 26">
             <a:extLst>
               <a:ext uri="{FF2B5EF4-FFF2-40B4-BE49-F238E27FC236}">
-                <a16:creationId xmlns:a16="http://schemas.microsoft.com/office/drawing/2014/main" id="{BDF057E9-5F5B-4B94-B6E0-0B495B6B4DFE}"/>
+                <a16:creationId xmlns:a16="http://schemas.microsoft.com/office/drawing/2014/main" xmlns="" id="{BDF057E9-5F5B-4B94-B6E0-0B495B6B4DFE}"/>
               </a:ext>
             </a:extLst>
           </p:cNvPr>
@@ -27716,7 +26158,7 @@
             <p:cNvPr id="28" name="TextBox 27">
               <a:extLst>
                 <a:ext uri="{FF2B5EF4-FFF2-40B4-BE49-F238E27FC236}">
-                  <a16:creationId xmlns:a16="http://schemas.microsoft.com/office/drawing/2014/main" id="{0797550E-8DC0-49BD-8098-98D87EB5EF4A}"/>
+                  <a16:creationId xmlns:a16="http://schemas.microsoft.com/office/drawing/2014/main" xmlns="" id="{0797550E-8DC0-49BD-8098-98D87EB5EF4A}"/>
                 </a:ext>
               </a:extLst>
             </p:cNvPr>
@@ -27783,7 +26225,7 @@
             <p:cNvPr id="29" name="TextBox 28">
               <a:extLst>
                 <a:ext uri="{FF2B5EF4-FFF2-40B4-BE49-F238E27FC236}">
-                  <a16:creationId xmlns:a16="http://schemas.microsoft.com/office/drawing/2014/main" id="{F6114B4F-AB16-427F-95D1-32817034A7D1}"/>
+                  <a16:creationId xmlns:a16="http://schemas.microsoft.com/office/drawing/2014/main" xmlns="" id="{F6114B4F-AB16-427F-95D1-32817034A7D1}"/>
                 </a:ext>
               </a:extLst>
             </p:cNvPr>
@@ -28008,7 +26450,7 @@
           <p:cNvPr id="30" name="Group 29">
             <a:extLst>
               <a:ext uri="{FF2B5EF4-FFF2-40B4-BE49-F238E27FC236}">
-                <a16:creationId xmlns:a16="http://schemas.microsoft.com/office/drawing/2014/main" id="{5F7A4B24-49D2-4DA3-BE67-63CD8384A3EF}"/>
+                <a16:creationId xmlns:a16="http://schemas.microsoft.com/office/drawing/2014/main" xmlns="" id="{5F7A4B24-49D2-4DA3-BE67-63CD8384A3EF}"/>
               </a:ext>
             </a:extLst>
           </p:cNvPr>
@@ -28028,7 +26470,7 @@
             <p:cNvPr id="31" name="TextBox 30">
               <a:extLst>
                 <a:ext uri="{FF2B5EF4-FFF2-40B4-BE49-F238E27FC236}">
-                  <a16:creationId xmlns:a16="http://schemas.microsoft.com/office/drawing/2014/main" id="{BC1548DF-DB31-4E05-B8C5-56A7D352E372}"/>
+                  <a16:creationId xmlns:a16="http://schemas.microsoft.com/office/drawing/2014/main" xmlns="" id="{BC1548DF-DB31-4E05-B8C5-56A7D352E372}"/>
                 </a:ext>
               </a:extLst>
             </p:cNvPr>
@@ -28076,7 +26518,7 @@
             <p:cNvPr id="32" name="TextBox 31">
               <a:extLst>
                 <a:ext uri="{FF2B5EF4-FFF2-40B4-BE49-F238E27FC236}">
-                  <a16:creationId xmlns:a16="http://schemas.microsoft.com/office/drawing/2014/main" id="{9AAA0355-A787-4CB0-AED5-DDC5D3D2FCF6}"/>
+                  <a16:creationId xmlns:a16="http://schemas.microsoft.com/office/drawing/2014/main" xmlns="" id="{9AAA0355-A787-4CB0-AED5-DDC5D3D2FCF6}"/>
                 </a:ext>
               </a:extLst>
             </p:cNvPr>
@@ -28406,7 +26848,7 @@
     </p:spTree>
     <p:extLst>
       <p:ext uri="{BB962C8B-B14F-4D97-AF65-F5344CB8AC3E}">
-        <p14:creationId xmlns:p14="http://schemas.microsoft.com/office/powerpoint/2010/main" val="4201278032"/>
+        <p14:creationId xmlns:p14="http://schemas.microsoft.com/office/powerpoint/2010/main" xmlns="" val="4201278032"/>
       </p:ext>
     </p:extLst>
   </p:cSld>
@@ -28438,7 +26880,7 @@
           <p:cNvPr id="5" name="Arrow: Pentagon 4">
             <a:extLst>
               <a:ext uri="{FF2B5EF4-FFF2-40B4-BE49-F238E27FC236}">
-                <a16:creationId xmlns:a16="http://schemas.microsoft.com/office/drawing/2014/main" id="{AA86AF38-A1B4-4568-9668-3015D44F843E}"/>
+                <a16:creationId xmlns:a16="http://schemas.microsoft.com/office/drawing/2014/main" xmlns="" id="{AA86AF38-A1B4-4568-9668-3015D44F843E}"/>
               </a:ext>
             </a:extLst>
           </p:cNvPr>
@@ -28494,7 +26936,7 @@
           <p:cNvPr id="18" name="Arrow: Pentagon 17">
             <a:extLst>
               <a:ext uri="{FF2B5EF4-FFF2-40B4-BE49-F238E27FC236}">
-                <a16:creationId xmlns:a16="http://schemas.microsoft.com/office/drawing/2014/main" id="{87D8D70F-9BD6-47BC-B1D7-FB4FA94199ED}"/>
+                <a16:creationId xmlns:a16="http://schemas.microsoft.com/office/drawing/2014/main" xmlns="" id="{87D8D70F-9BD6-47BC-B1D7-FB4FA94199ED}"/>
               </a:ext>
             </a:extLst>
           </p:cNvPr>
@@ -28550,7 +26992,7 @@
           <p:cNvPr id="6" name="Group 5">
             <a:extLst>
               <a:ext uri="{FF2B5EF4-FFF2-40B4-BE49-F238E27FC236}">
-                <a16:creationId xmlns:a16="http://schemas.microsoft.com/office/drawing/2014/main" id="{0C455B2A-3D1B-4F98-ACA5-C72C064015F6}"/>
+                <a16:creationId xmlns:a16="http://schemas.microsoft.com/office/drawing/2014/main" xmlns="" id="{0C455B2A-3D1B-4F98-ACA5-C72C064015F6}"/>
               </a:ext>
             </a:extLst>
           </p:cNvPr>
@@ -28570,7 +27012,7 @@
             <p:cNvPr id="8" name="TextBox 7">
               <a:extLst>
                 <a:ext uri="{FF2B5EF4-FFF2-40B4-BE49-F238E27FC236}">
-                  <a16:creationId xmlns:a16="http://schemas.microsoft.com/office/drawing/2014/main" id="{5CF5BDA4-10C7-46A6-AC30-523A3FC438AC}"/>
+                  <a16:creationId xmlns:a16="http://schemas.microsoft.com/office/drawing/2014/main" xmlns="" id="{5CF5BDA4-10C7-46A6-AC30-523A3FC438AC}"/>
                 </a:ext>
               </a:extLst>
             </p:cNvPr>
@@ -28628,7 +27070,7 @@
             <p:cNvPr id="9" name="TextBox 8">
               <a:extLst>
                 <a:ext uri="{FF2B5EF4-FFF2-40B4-BE49-F238E27FC236}">
-                  <a16:creationId xmlns:a16="http://schemas.microsoft.com/office/drawing/2014/main" id="{C062103B-F514-4BE9-B5B2-C13878D2FE7C}"/>
+                  <a16:creationId xmlns:a16="http://schemas.microsoft.com/office/drawing/2014/main" xmlns="" id="{C062103B-F514-4BE9-B5B2-C13878D2FE7C}"/>
                 </a:ext>
               </a:extLst>
             </p:cNvPr>
@@ -28673,7 +27115,7 @@
     </p:spTree>
     <p:extLst>
       <p:ext uri="{BB962C8B-B14F-4D97-AF65-F5344CB8AC3E}">
-        <p14:creationId xmlns:p14="http://schemas.microsoft.com/office/powerpoint/2010/main" val="1597171813"/>
+        <p14:creationId xmlns:p14="http://schemas.microsoft.com/office/powerpoint/2010/main" xmlns="" val="1597171813"/>
       </p:ext>
     </p:extLst>
   </p:cSld>
@@ -28705,7 +27147,7 @@
           <p:cNvPr id="2" name="TextBox 1">
             <a:extLst>
               <a:ext uri="{FF2B5EF4-FFF2-40B4-BE49-F238E27FC236}">
-                <a16:creationId xmlns:a16="http://schemas.microsoft.com/office/drawing/2014/main" id="{00BF2EE5-BD58-4EAC-ABBE-729675EACF05}"/>
+                <a16:creationId xmlns:a16="http://schemas.microsoft.com/office/drawing/2014/main" xmlns="" id="{00BF2EE5-BD58-4EAC-ABBE-729675EACF05}"/>
               </a:ext>
             </a:extLst>
           </p:cNvPr>
@@ -28985,7 +27427,7 @@
           <p:cNvPr id="3" name="Rectangle 2">
             <a:extLst>
               <a:ext uri="{FF2B5EF4-FFF2-40B4-BE49-F238E27FC236}">
-                <a16:creationId xmlns:a16="http://schemas.microsoft.com/office/drawing/2014/main" id="{6FEAB2FF-46B7-4575-9A4A-5FCC5C485E9A}"/>
+                <a16:creationId xmlns:a16="http://schemas.microsoft.com/office/drawing/2014/main" xmlns="" id="{6FEAB2FF-46B7-4575-9A4A-5FCC5C485E9A}"/>
               </a:ext>
             </a:extLst>
           </p:cNvPr>
@@ -29046,7 +27488,7 @@
           <p:cNvPr id="7" name="TextBox 6">
             <a:extLst>
               <a:ext uri="{FF2B5EF4-FFF2-40B4-BE49-F238E27FC236}">
-                <a16:creationId xmlns:a16="http://schemas.microsoft.com/office/drawing/2014/main" id="{CBE0394E-0578-41B7-BB71-CF084C5F4088}"/>
+                <a16:creationId xmlns:a16="http://schemas.microsoft.com/office/drawing/2014/main" xmlns="" id="{CBE0394E-0578-41B7-BB71-CF084C5F4088}"/>
               </a:ext>
             </a:extLst>
           </p:cNvPr>
@@ -29098,7 +27540,7 @@
           <p:cNvPr id="8" name="그림 개체 틀 7">
             <a:extLst>
               <a:ext uri="{FF2B5EF4-FFF2-40B4-BE49-F238E27FC236}">
-                <a16:creationId xmlns:a16="http://schemas.microsoft.com/office/drawing/2014/main" id="{E0ED35D2-D8CB-448A-9DB4-C2BC4868B60C}"/>
+                <a16:creationId xmlns:a16="http://schemas.microsoft.com/office/drawing/2014/main" xmlns="" id="{E0ED35D2-D8CB-448A-9DB4-C2BC4868B60C}"/>
               </a:ext>
             </a:extLst>
           </p:cNvPr>
@@ -29958,7 +28400,7 @@
     </p:spTree>
     <p:extLst>
       <p:ext uri="{BB962C8B-B14F-4D97-AF65-F5344CB8AC3E}">
-        <p14:creationId xmlns:p14="http://schemas.microsoft.com/office/powerpoint/2010/main" val="2473585384"/>
+        <p14:creationId xmlns:p14="http://schemas.microsoft.com/office/powerpoint/2010/main" xmlns="" val="2473585384"/>
       </p:ext>
     </p:extLst>
   </p:cSld>
@@ -29990,7 +28432,7 @@
           <p:cNvPr id="5" name="Arrow: Pentagon 4">
             <a:extLst>
               <a:ext uri="{FF2B5EF4-FFF2-40B4-BE49-F238E27FC236}">
-                <a16:creationId xmlns:a16="http://schemas.microsoft.com/office/drawing/2014/main" id="{AA86AF38-A1B4-4568-9668-3015D44F843E}"/>
+                <a16:creationId xmlns:a16="http://schemas.microsoft.com/office/drawing/2014/main" xmlns="" id="{AA86AF38-A1B4-4568-9668-3015D44F843E}"/>
               </a:ext>
             </a:extLst>
           </p:cNvPr>
@@ -30046,7 +28488,7 @@
           <p:cNvPr id="18" name="Arrow: Pentagon 17">
             <a:extLst>
               <a:ext uri="{FF2B5EF4-FFF2-40B4-BE49-F238E27FC236}">
-                <a16:creationId xmlns:a16="http://schemas.microsoft.com/office/drawing/2014/main" id="{87D8D70F-9BD6-47BC-B1D7-FB4FA94199ED}"/>
+                <a16:creationId xmlns:a16="http://schemas.microsoft.com/office/drawing/2014/main" xmlns="" id="{87D8D70F-9BD6-47BC-B1D7-FB4FA94199ED}"/>
               </a:ext>
             </a:extLst>
           </p:cNvPr>
@@ -30102,7 +28544,7 @@
           <p:cNvPr id="6" name="Group 5">
             <a:extLst>
               <a:ext uri="{FF2B5EF4-FFF2-40B4-BE49-F238E27FC236}">
-                <a16:creationId xmlns:a16="http://schemas.microsoft.com/office/drawing/2014/main" id="{0C455B2A-3D1B-4F98-ACA5-C72C064015F6}"/>
+                <a16:creationId xmlns:a16="http://schemas.microsoft.com/office/drawing/2014/main" xmlns="" id="{0C455B2A-3D1B-4F98-ACA5-C72C064015F6}"/>
               </a:ext>
             </a:extLst>
           </p:cNvPr>
@@ -30122,7 +28564,7 @@
             <p:cNvPr id="8" name="TextBox 7">
               <a:extLst>
                 <a:ext uri="{FF2B5EF4-FFF2-40B4-BE49-F238E27FC236}">
-                  <a16:creationId xmlns:a16="http://schemas.microsoft.com/office/drawing/2014/main" id="{5CF5BDA4-10C7-46A6-AC30-523A3FC438AC}"/>
+                  <a16:creationId xmlns:a16="http://schemas.microsoft.com/office/drawing/2014/main" xmlns="" id="{5CF5BDA4-10C7-46A6-AC30-523A3FC438AC}"/>
                 </a:ext>
               </a:extLst>
             </p:cNvPr>
@@ -30170,7 +28612,7 @@
             <p:cNvPr id="9" name="TextBox 8">
               <a:extLst>
                 <a:ext uri="{FF2B5EF4-FFF2-40B4-BE49-F238E27FC236}">
-                  <a16:creationId xmlns:a16="http://schemas.microsoft.com/office/drawing/2014/main" id="{C062103B-F514-4BE9-B5B2-C13878D2FE7C}"/>
+                  <a16:creationId xmlns:a16="http://schemas.microsoft.com/office/drawing/2014/main" xmlns="" id="{C062103B-F514-4BE9-B5B2-C13878D2FE7C}"/>
                 </a:ext>
               </a:extLst>
             </p:cNvPr>
@@ -30215,7 +28657,7 @@
     </p:spTree>
     <p:extLst>
       <p:ext uri="{BB962C8B-B14F-4D97-AF65-F5344CB8AC3E}">
-        <p14:creationId xmlns:p14="http://schemas.microsoft.com/office/powerpoint/2010/main" val="665786491"/>
+        <p14:creationId xmlns:p14="http://schemas.microsoft.com/office/powerpoint/2010/main" xmlns="" val="665786491"/>
       </p:ext>
     </p:extLst>
   </p:cSld>
@@ -30420,7 +28862,7 @@
   <a:extraClrSchemeLst/>
   <a:extLst>
     <a:ext uri="{05A4C25C-085E-4340-85A3-A5531E510DB2}">
-      <thm15:themeFamily xmlns:thm15="http://schemas.microsoft.com/office/thememl/2012/main" name="Office Theme" id="{62F939B6-93AF-4DB8-9C6B-D6C7DFDC589F}" vid="{4A3C46E8-61CC-4603-A589-7422A47A8E4A}"/>
+      <thm15:themeFamily xmlns:thm15="http://schemas.microsoft.com/office/thememl/2012/main" xmlns="" name="Office Theme" id="{62F939B6-93AF-4DB8-9C6B-D6C7DFDC589F}" vid="{4A3C46E8-61CC-4603-A589-7422A47A8E4A}"/>
     </a:ext>
   </a:extLst>
 </a:theme>
@@ -30621,7 +29063,7 @@
   <a:extraClrSchemeLst/>
   <a:extLst>
     <a:ext uri="{05A4C25C-085E-4340-85A3-A5531E510DB2}">
-      <thm15:themeFamily xmlns:thm15="http://schemas.microsoft.com/office/thememl/2012/main" name="Office Theme" id="{62F939B6-93AF-4DB8-9C6B-D6C7DFDC589F}" vid="{4A3C46E8-61CC-4603-A589-7422A47A8E4A}"/>
+      <thm15:themeFamily xmlns:thm15="http://schemas.microsoft.com/office/thememl/2012/main" xmlns="" name="Office Theme" id="{62F939B6-93AF-4DB8-9C6B-D6C7DFDC589F}" vid="{4A3C46E8-61CC-4603-A589-7422A47A8E4A}"/>
     </a:ext>
   </a:extLst>
 </a:theme>
@@ -30822,7 +29264,7 @@
   <a:extraClrSchemeLst/>
   <a:extLst>
     <a:ext uri="{05A4C25C-085E-4340-85A3-A5531E510DB2}">
-      <thm15:themeFamily xmlns:thm15="http://schemas.microsoft.com/office/thememl/2012/main" name="Office Theme" id="{62F939B6-93AF-4DB8-9C6B-D6C7DFDC589F}" vid="{4A3C46E8-61CC-4603-A589-7422A47A8E4A}"/>
+      <thm15:themeFamily xmlns:thm15="http://schemas.microsoft.com/office/thememl/2012/main" xmlns="" name="Office Theme" id="{62F939B6-93AF-4DB8-9C6B-D6C7DFDC589F}" vid="{4A3C46E8-61CC-4603-A589-7422A47A8E4A}"/>
     </a:ext>
   </a:extLst>
 </a:theme>
@@ -31117,7 +29559,7 @@
   <a:extraClrSchemeLst/>
   <a:extLst>
     <a:ext uri="{05A4C25C-085E-4340-85A3-A5531E510DB2}">
-      <thm15:themeFamily xmlns:thm15="http://schemas.microsoft.com/office/thememl/2012/main" name="Office Theme" id="{62F939B6-93AF-4DB8-9C6B-D6C7DFDC589F}" vid="{4A3C46E8-61CC-4603-A589-7422A47A8E4A}"/>
+      <thm15:themeFamily xmlns:thm15="http://schemas.microsoft.com/office/thememl/2012/main" xmlns="" name="Office Theme" id="{62F939B6-93AF-4DB8-9C6B-D6C7DFDC589F}" vid="{4A3C46E8-61CC-4603-A589-7422A47A8E4A}"/>
     </a:ext>
   </a:extLst>
 </a:theme>
